--- a/Slides/6_DDD.pptx
+++ b/Slides/6_DDD.pptx
@@ -60,6 +60,14 @@
     <p:sldId id="340" r:id="rId54"/>
     <p:sldId id="341" r:id="rId55"/>
     <p:sldId id="342" r:id="rId56"/>
+    <p:sldId id="364" r:id="rId57"/>
+    <p:sldId id="365" r:id="rId58"/>
+    <p:sldId id="368" r:id="rId59"/>
+    <p:sldId id="360" r:id="rId60"/>
+    <p:sldId id="366" r:id="rId61"/>
+    <p:sldId id="361" r:id="rId62"/>
+    <p:sldId id="362" r:id="rId63"/>
+    <p:sldId id="363" r:id="rId64"/>
   </p:sldIdLst>
   <p:sldSz cx="12192000" cy="6858000"/>
   <p:notesSz cx="6858000" cy="9144000"/>
@@ -2790,6 +2798,781 @@
           <pc:sldMasterMk cId="385954672" sldId="2147483648"/>
         </pc:sldMasterMkLst>
       </pc:sldMasterChg>
+    </pc:docChg>
+  </pc:docChgLst>
+  <pc:docChgLst>
+    <pc:chgData name="Cesar Augusto Lopez Gallego" userId="0dfa9112-9251-4882-b472-cf2dfcee09d1" providerId="ADAL" clId="{948E961B-F100-43FF-B682-30091CCFF729}"/>
+    <pc:docChg chg="undo redo custSel addSld delSld modSld sldOrd">
+      <pc:chgData name="Cesar Augusto Lopez Gallego" userId="0dfa9112-9251-4882-b472-cf2dfcee09d1" providerId="ADAL" clId="{948E961B-F100-43FF-B682-30091CCFF729}" dt="2025-04-04T11:52:45.935" v="3143" actId="47"/>
+      <pc:docMkLst>
+        <pc:docMk/>
+      </pc:docMkLst>
+      <pc:sldChg chg="modSp mod">
+        <pc:chgData name="Cesar Augusto Lopez Gallego" userId="0dfa9112-9251-4882-b472-cf2dfcee09d1" providerId="ADAL" clId="{948E961B-F100-43FF-B682-30091CCFF729}" dt="2025-04-01T16:30:24.079" v="32" actId="1076"/>
+        <pc:sldMkLst>
+          <pc:docMk/>
+          <pc:sldMk cId="1390832097" sldId="341"/>
+        </pc:sldMkLst>
+        <pc:spChg chg="mod">
+          <ac:chgData name="Cesar Augusto Lopez Gallego" userId="0dfa9112-9251-4882-b472-cf2dfcee09d1" providerId="ADAL" clId="{948E961B-F100-43FF-B682-30091CCFF729}" dt="2025-04-01T16:30:24.079" v="32" actId="1076"/>
+          <ac:spMkLst>
+            <pc:docMk/>
+            <pc:sldMk cId="1390832097" sldId="341"/>
+            <ac:spMk id="6" creationId="{FE6336CD-4427-47BA-A1B1-6F9D2EEF00B1}"/>
+          </ac:spMkLst>
+        </pc:spChg>
+      </pc:sldChg>
+      <pc:sldChg chg="addSp delSp modSp new mod">
+        <pc:chgData name="Cesar Augusto Lopez Gallego" userId="0dfa9112-9251-4882-b472-cf2dfcee09d1" providerId="ADAL" clId="{948E961B-F100-43FF-B682-30091CCFF729}" dt="2025-04-03T19:57:43.935" v="184" actId="1076"/>
+        <pc:sldMkLst>
+          <pc:docMk/>
+          <pc:sldMk cId="2060201597" sldId="360"/>
+        </pc:sldMkLst>
+        <pc:spChg chg="add mod">
+          <ac:chgData name="Cesar Augusto Lopez Gallego" userId="0dfa9112-9251-4882-b472-cf2dfcee09d1" providerId="ADAL" clId="{948E961B-F100-43FF-B682-30091CCFF729}" dt="2025-04-02T15:30:39.788" v="113" actId="20577"/>
+          <ac:spMkLst>
+            <pc:docMk/>
+            <pc:sldMk cId="2060201597" sldId="360"/>
+            <ac:spMk id="6" creationId="{E66D03DC-F89F-4BAE-8071-EA1C264258D0}"/>
+          </ac:spMkLst>
+        </pc:spChg>
+        <pc:picChg chg="add mod">
+          <ac:chgData name="Cesar Augusto Lopez Gallego" userId="0dfa9112-9251-4882-b472-cf2dfcee09d1" providerId="ADAL" clId="{948E961B-F100-43FF-B682-30091CCFF729}" dt="2025-04-03T19:57:43.935" v="184" actId="1076"/>
+          <ac:picMkLst>
+            <pc:docMk/>
+            <pc:sldMk cId="2060201597" sldId="360"/>
+            <ac:picMk id="2" creationId="{FD4FAAF6-01CC-44AF-83E5-D6652651B6E9}"/>
+          </ac:picMkLst>
+        </pc:picChg>
+        <pc:picChg chg="add del mod">
+          <ac:chgData name="Cesar Augusto Lopez Gallego" userId="0dfa9112-9251-4882-b472-cf2dfcee09d1" providerId="ADAL" clId="{948E961B-F100-43FF-B682-30091CCFF729}" dt="2025-04-01T15:00:38.241" v="21" actId="21"/>
+          <ac:picMkLst>
+            <pc:docMk/>
+            <pc:sldMk cId="2060201597" sldId="360"/>
+            <ac:picMk id="3" creationId="{05436A29-37CB-4B85-A9AD-B02816E1DD47}"/>
+          </ac:picMkLst>
+        </pc:picChg>
+        <pc:picChg chg="add mod">
+          <ac:chgData name="Cesar Augusto Lopez Gallego" userId="0dfa9112-9251-4882-b472-cf2dfcee09d1" providerId="ADAL" clId="{948E961B-F100-43FF-B682-30091CCFF729}" dt="2025-04-02T15:41:10.301" v="137" actId="1076"/>
+          <ac:picMkLst>
+            <pc:docMk/>
+            <pc:sldMk cId="2060201597" sldId="360"/>
+            <ac:picMk id="4" creationId="{E926905E-74C9-4D39-9470-8547C3DD918B}"/>
+          </ac:picMkLst>
+        </pc:picChg>
+        <pc:picChg chg="add del mod">
+          <ac:chgData name="Cesar Augusto Lopez Gallego" userId="0dfa9112-9251-4882-b472-cf2dfcee09d1" providerId="ADAL" clId="{948E961B-F100-43FF-B682-30091CCFF729}" dt="2025-04-01T15:00:46.334" v="24" actId="21"/>
+          <ac:picMkLst>
+            <pc:docMk/>
+            <pc:sldMk cId="2060201597" sldId="360"/>
+            <ac:picMk id="4" creationId="{F78A2B4D-D7F9-4CF4-BEF5-44B1E726011C}"/>
+          </ac:picMkLst>
+        </pc:picChg>
+        <pc:picChg chg="add del mod">
+          <ac:chgData name="Cesar Augusto Lopez Gallego" userId="0dfa9112-9251-4882-b472-cf2dfcee09d1" providerId="ADAL" clId="{948E961B-F100-43FF-B682-30091CCFF729}" dt="2025-04-01T15:00:51.680" v="26" actId="21"/>
+          <ac:picMkLst>
+            <pc:docMk/>
+            <pc:sldMk cId="2060201597" sldId="360"/>
+            <ac:picMk id="5" creationId="{B5C107EF-CFFA-434A-9CC2-67402B9507CC}"/>
+          </ac:picMkLst>
+        </pc:picChg>
+      </pc:sldChg>
+      <pc:sldChg chg="addSp delSp modSp new mod modAnim">
+        <pc:chgData name="Cesar Augusto Lopez Gallego" userId="0dfa9112-9251-4882-b472-cf2dfcee09d1" providerId="ADAL" clId="{948E961B-F100-43FF-B682-30091CCFF729}" dt="2025-04-04T11:50:45.760" v="3136"/>
+        <pc:sldMkLst>
+          <pc:docMk/>
+          <pc:sldMk cId="1835615837" sldId="361"/>
+        </pc:sldMkLst>
+        <pc:spChg chg="add mod">
+          <ac:chgData name="Cesar Augusto Lopez Gallego" userId="0dfa9112-9251-4882-b472-cf2dfcee09d1" providerId="ADAL" clId="{948E961B-F100-43FF-B682-30091CCFF729}" dt="2025-04-02T15:31:14.163" v="130" actId="20577"/>
+          <ac:spMkLst>
+            <pc:docMk/>
+            <pc:sldMk cId="1835615837" sldId="361"/>
+            <ac:spMk id="3" creationId="{09ADC428-364C-4F7C-A8B2-889EE56574A1}"/>
+          </ac:spMkLst>
+        </pc:spChg>
+        <pc:spChg chg="add del mod">
+          <ac:chgData name="Cesar Augusto Lopez Gallego" userId="0dfa9112-9251-4882-b472-cf2dfcee09d1" providerId="ADAL" clId="{948E961B-F100-43FF-B682-30091CCFF729}" dt="2025-04-03T23:42:25.694" v="1848" actId="1076"/>
+          <ac:spMkLst>
+            <pc:docMk/>
+            <pc:sldMk cId="1835615837" sldId="361"/>
+            <ac:spMk id="8" creationId="{0D340CB2-7DC1-4116-9DBD-B4ACF1CF7A7D}"/>
+          </ac:spMkLst>
+        </pc:spChg>
+        <pc:spChg chg="add mod">
+          <ac:chgData name="Cesar Augusto Lopez Gallego" userId="0dfa9112-9251-4882-b472-cf2dfcee09d1" providerId="ADAL" clId="{948E961B-F100-43FF-B682-30091CCFF729}" dt="2025-04-03T23:43:43.349" v="1861" actId="1035"/>
+          <ac:spMkLst>
+            <pc:docMk/>
+            <pc:sldMk cId="1835615837" sldId="361"/>
+            <ac:spMk id="19" creationId="{AAD46459-2F0B-430B-81C4-725798A025DE}"/>
+          </ac:spMkLst>
+        </pc:spChg>
+        <pc:spChg chg="add mod">
+          <ac:chgData name="Cesar Augusto Lopez Gallego" userId="0dfa9112-9251-4882-b472-cf2dfcee09d1" providerId="ADAL" clId="{948E961B-F100-43FF-B682-30091CCFF729}" dt="2025-04-03T23:42:11.911" v="1846" actId="1076"/>
+          <ac:spMkLst>
+            <pc:docMk/>
+            <pc:sldMk cId="1835615837" sldId="361"/>
+            <ac:spMk id="20" creationId="{73F2B8FC-79C2-4E4E-8BB5-BC21B31F49CB}"/>
+          </ac:spMkLst>
+        </pc:spChg>
+        <pc:spChg chg="add mod">
+          <ac:chgData name="Cesar Augusto Lopez Gallego" userId="0dfa9112-9251-4882-b472-cf2dfcee09d1" providerId="ADAL" clId="{948E961B-F100-43FF-B682-30091CCFF729}" dt="2025-04-03T23:52:31.663" v="2030" actId="20577"/>
+          <ac:spMkLst>
+            <pc:docMk/>
+            <pc:sldMk cId="1835615837" sldId="361"/>
+            <ac:spMk id="30" creationId="{FC0F1B5B-401C-43EE-A76F-88B0ADDFF366}"/>
+          </ac:spMkLst>
+        </pc:spChg>
+        <pc:spChg chg="add mod">
+          <ac:chgData name="Cesar Augusto Lopez Gallego" userId="0dfa9112-9251-4882-b472-cf2dfcee09d1" providerId="ADAL" clId="{948E961B-F100-43FF-B682-30091CCFF729}" dt="2025-04-03T23:58:11.383" v="2246" actId="20577"/>
+          <ac:spMkLst>
+            <pc:docMk/>
+            <pc:sldMk cId="1835615837" sldId="361"/>
+            <ac:spMk id="36" creationId="{51946932-6F06-4068-870C-3FC94573D7E1}"/>
+          </ac:spMkLst>
+        </pc:spChg>
+        <pc:picChg chg="add del mod">
+          <ac:chgData name="Cesar Augusto Lopez Gallego" userId="0dfa9112-9251-4882-b472-cf2dfcee09d1" providerId="ADAL" clId="{948E961B-F100-43FF-B682-30091CCFF729}" dt="2025-04-03T23:10:25.514" v="1746" actId="1076"/>
+          <ac:picMkLst>
+            <pc:docMk/>
+            <pc:sldMk cId="1835615837" sldId="361"/>
+            <ac:picMk id="2" creationId="{DF344471-324A-4EAD-B184-4EC36A2D4B02}"/>
+          </ac:picMkLst>
+        </pc:picChg>
+        <pc:picChg chg="add del mod">
+          <ac:chgData name="Cesar Augusto Lopez Gallego" userId="0dfa9112-9251-4882-b472-cf2dfcee09d1" providerId="ADAL" clId="{948E961B-F100-43FF-B682-30091CCFF729}" dt="2025-04-03T21:16:14.475" v="187" actId="478"/>
+          <ac:picMkLst>
+            <pc:docMk/>
+            <pc:sldMk cId="1835615837" sldId="361"/>
+            <ac:picMk id="5" creationId="{6168E46C-49DB-4AA1-9D2E-07A7010A7E29}"/>
+          </ac:picMkLst>
+        </pc:picChg>
+        <pc:picChg chg="add del mod">
+          <ac:chgData name="Cesar Augusto Lopez Gallego" userId="0dfa9112-9251-4882-b472-cf2dfcee09d1" providerId="ADAL" clId="{948E961B-F100-43FF-B682-30091CCFF729}" dt="2025-04-03T23:10:29.534" v="1748" actId="478"/>
+          <ac:picMkLst>
+            <pc:docMk/>
+            <pc:sldMk cId="1835615837" sldId="361"/>
+            <ac:picMk id="6" creationId="{6E075567-1B7A-4E8B-AE99-C34D61D3FC81}"/>
+          </ac:picMkLst>
+        </pc:picChg>
+        <pc:picChg chg="add mod">
+          <ac:chgData name="Cesar Augusto Lopez Gallego" userId="0dfa9112-9251-4882-b472-cf2dfcee09d1" providerId="ADAL" clId="{948E961B-F100-43FF-B682-30091CCFF729}" dt="2025-04-03T23:42:20.055" v="1847" actId="1076"/>
+          <ac:picMkLst>
+            <pc:docMk/>
+            <pc:sldMk cId="1835615837" sldId="361"/>
+            <ac:picMk id="15" creationId="{7A811427-C63D-4B0F-BE12-9DED17634ADB}"/>
+          </ac:picMkLst>
+        </pc:picChg>
+        <pc:cxnChg chg="add del mod ord">
+          <ac:chgData name="Cesar Augusto Lopez Gallego" userId="0dfa9112-9251-4882-b472-cf2dfcee09d1" providerId="ADAL" clId="{948E961B-F100-43FF-B682-30091CCFF729}" dt="2025-04-03T23:42:31.203" v="1850" actId="166"/>
+          <ac:cxnSpMkLst>
+            <pc:docMk/>
+            <pc:sldMk cId="1835615837" sldId="361"/>
+            <ac:cxnSpMk id="10" creationId="{2DE36CAC-9148-44F1-8DA5-439E21CEB2EB}"/>
+          </ac:cxnSpMkLst>
+        </pc:cxnChg>
+        <pc:cxnChg chg="add mod ord">
+          <ac:chgData name="Cesar Augusto Lopez Gallego" userId="0dfa9112-9251-4882-b472-cf2dfcee09d1" providerId="ADAL" clId="{948E961B-F100-43FF-B682-30091CCFF729}" dt="2025-04-03T23:43:30.663" v="1855" actId="1076"/>
+          <ac:cxnSpMkLst>
+            <pc:docMk/>
+            <pc:sldMk cId="1835615837" sldId="361"/>
+            <ac:cxnSpMk id="22" creationId="{94944FF2-A8B7-45E7-B1CC-B7264A8892FC}"/>
+          </ac:cxnSpMkLst>
+        </pc:cxnChg>
+        <pc:cxnChg chg="add mod">
+          <ac:chgData name="Cesar Augusto Lopez Gallego" userId="0dfa9112-9251-4882-b472-cf2dfcee09d1" providerId="ADAL" clId="{948E961B-F100-43FF-B682-30091CCFF729}" dt="2025-04-03T23:43:39.311" v="1859" actId="1076"/>
+          <ac:cxnSpMkLst>
+            <pc:docMk/>
+            <pc:sldMk cId="1835615837" sldId="361"/>
+            <ac:cxnSpMk id="27" creationId="{F8BB3FFB-56B4-4A79-8E05-80B010A95D80}"/>
+          </ac:cxnSpMkLst>
+        </pc:cxnChg>
+        <pc:cxnChg chg="add mod">
+          <ac:chgData name="Cesar Augusto Lopez Gallego" userId="0dfa9112-9251-4882-b472-cf2dfcee09d1" providerId="ADAL" clId="{948E961B-F100-43FF-B682-30091CCFF729}" dt="2025-04-03T23:45:38.926" v="1870" actId="14100"/>
+          <ac:cxnSpMkLst>
+            <pc:docMk/>
+            <pc:sldMk cId="1835615837" sldId="361"/>
+            <ac:cxnSpMk id="32" creationId="{80022B5E-C1D9-40C4-87FD-10EEFB218662}"/>
+          </ac:cxnSpMkLst>
+        </pc:cxnChg>
+        <pc:cxnChg chg="add mod">
+          <ac:chgData name="Cesar Augusto Lopez Gallego" userId="0dfa9112-9251-4882-b472-cf2dfcee09d1" providerId="ADAL" clId="{948E961B-F100-43FF-B682-30091CCFF729}" dt="2025-04-03T23:53:55.846" v="2034" actId="1076"/>
+          <ac:cxnSpMkLst>
+            <pc:docMk/>
+            <pc:sldMk cId="1835615837" sldId="361"/>
+            <ac:cxnSpMk id="34" creationId="{9ACED6B5-7377-4E4B-AEF2-12AD77987F97}"/>
+          </ac:cxnSpMkLst>
+        </pc:cxnChg>
+      </pc:sldChg>
+      <pc:sldChg chg="addSp delSp modSp new mod modAnim">
+        <pc:chgData name="Cesar Augusto Lopez Gallego" userId="0dfa9112-9251-4882-b472-cf2dfcee09d1" providerId="ADAL" clId="{948E961B-F100-43FF-B682-30091CCFF729}" dt="2025-04-04T11:51:37.394" v="3140"/>
+        <pc:sldMkLst>
+          <pc:docMk/>
+          <pc:sldMk cId="2840714537" sldId="362"/>
+        </pc:sldMkLst>
+        <pc:spChg chg="add mod">
+          <ac:chgData name="Cesar Augusto Lopez Gallego" userId="0dfa9112-9251-4882-b472-cf2dfcee09d1" providerId="ADAL" clId="{948E961B-F100-43FF-B682-30091CCFF729}" dt="2025-04-02T15:43:38.258" v="151" actId="20577"/>
+          <ac:spMkLst>
+            <pc:docMk/>
+            <pc:sldMk cId="2840714537" sldId="362"/>
+            <ac:spMk id="3" creationId="{DA02C777-E813-44CE-9C3A-C5A5CCF71126}"/>
+          </ac:spMkLst>
+        </pc:spChg>
+        <pc:spChg chg="add del mod">
+          <ac:chgData name="Cesar Augusto Lopez Gallego" userId="0dfa9112-9251-4882-b472-cf2dfcee09d1" providerId="ADAL" clId="{948E961B-F100-43FF-B682-30091CCFF729}" dt="2025-04-04T00:13:28.504" v="2780" actId="478"/>
+          <ac:spMkLst>
+            <pc:docMk/>
+            <pc:sldMk cId="2840714537" sldId="362"/>
+            <ac:spMk id="6" creationId="{089FFBD1-C9CC-4FB4-9F8E-2DCD5AB91652}"/>
+          </ac:spMkLst>
+        </pc:spChg>
+        <pc:spChg chg="add del mod">
+          <ac:chgData name="Cesar Augusto Lopez Gallego" userId="0dfa9112-9251-4882-b472-cf2dfcee09d1" providerId="ADAL" clId="{948E961B-F100-43FF-B682-30091CCFF729}" dt="2025-04-04T00:15:58.644" v="2863" actId="478"/>
+          <ac:spMkLst>
+            <pc:docMk/>
+            <pc:sldMk cId="2840714537" sldId="362"/>
+            <ac:spMk id="7" creationId="{7BB668AA-19FD-4EEC-B0B0-35D7EA42B38E}"/>
+          </ac:spMkLst>
+        </pc:spChg>
+        <pc:spChg chg="add mod">
+          <ac:chgData name="Cesar Augusto Lopez Gallego" userId="0dfa9112-9251-4882-b472-cf2dfcee09d1" providerId="ADAL" clId="{948E961B-F100-43FF-B682-30091CCFF729}" dt="2025-04-04T00:13:35.678" v="2781" actId="1076"/>
+          <ac:spMkLst>
+            <pc:docMk/>
+            <pc:sldMk cId="2840714537" sldId="362"/>
+            <ac:spMk id="8" creationId="{0FA2468B-B8D4-4790-B9B3-252B650F7EA0}"/>
+          </ac:spMkLst>
+        </pc:spChg>
+        <pc:spChg chg="add mod">
+          <ac:chgData name="Cesar Augusto Lopez Gallego" userId="0dfa9112-9251-4882-b472-cf2dfcee09d1" providerId="ADAL" clId="{948E961B-F100-43FF-B682-30091CCFF729}" dt="2025-04-04T00:16:03.145" v="2864" actId="313"/>
+          <ac:spMkLst>
+            <pc:docMk/>
+            <pc:sldMk cId="2840714537" sldId="362"/>
+            <ac:spMk id="12" creationId="{66B995C1-49FC-4312-8237-B7FCE3986663}"/>
+          </ac:spMkLst>
+        </pc:spChg>
+        <pc:spChg chg="add mod">
+          <ac:chgData name="Cesar Augusto Lopez Gallego" userId="0dfa9112-9251-4882-b472-cf2dfcee09d1" providerId="ADAL" clId="{948E961B-F100-43FF-B682-30091CCFF729}" dt="2025-04-04T00:12:03.860" v="2773" actId="14100"/>
+          <ac:spMkLst>
+            <pc:docMk/>
+            <pc:sldMk cId="2840714537" sldId="362"/>
+            <ac:spMk id="15" creationId="{152F0C23-9101-498B-A9C9-64E469D12217}"/>
+          </ac:spMkLst>
+        </pc:spChg>
+        <pc:spChg chg="add mod">
+          <ac:chgData name="Cesar Augusto Lopez Gallego" userId="0dfa9112-9251-4882-b472-cf2dfcee09d1" providerId="ADAL" clId="{948E961B-F100-43FF-B682-30091CCFF729}" dt="2025-04-04T00:16:20.736" v="2877" actId="20577"/>
+          <ac:spMkLst>
+            <pc:docMk/>
+            <pc:sldMk cId="2840714537" sldId="362"/>
+            <ac:spMk id="27" creationId="{9CF474D2-96EC-4C45-BD5C-5DFC902D9EEF}"/>
+          </ac:spMkLst>
+        </pc:spChg>
+        <pc:picChg chg="add mod">
+          <ac:chgData name="Cesar Augusto Lopez Gallego" userId="0dfa9112-9251-4882-b472-cf2dfcee09d1" providerId="ADAL" clId="{948E961B-F100-43FF-B682-30091CCFF729}" dt="2025-04-03T23:55:11.583" v="2165" actId="1076"/>
+          <ac:picMkLst>
+            <pc:docMk/>
+            <pc:sldMk cId="2840714537" sldId="362"/>
+            <ac:picMk id="2" creationId="{7E0B39C5-D64C-4E8A-99D0-57054691D859}"/>
+          </ac:picMkLst>
+        </pc:picChg>
+        <pc:picChg chg="add mod">
+          <ac:chgData name="Cesar Augusto Lopez Gallego" userId="0dfa9112-9251-4882-b472-cf2dfcee09d1" providerId="ADAL" clId="{948E961B-F100-43FF-B682-30091CCFF729}" dt="2025-04-04T00:00:05.984" v="2252" actId="1076"/>
+          <ac:picMkLst>
+            <pc:docMk/>
+            <pc:sldMk cId="2840714537" sldId="362"/>
+            <ac:picMk id="5" creationId="{67FF93D3-68DB-4A50-8287-DEBF49907C7E}"/>
+          </ac:picMkLst>
+        </pc:picChg>
+        <pc:cxnChg chg="add del mod">
+          <ac:chgData name="Cesar Augusto Lopez Gallego" userId="0dfa9112-9251-4882-b472-cf2dfcee09d1" providerId="ADAL" clId="{948E961B-F100-43FF-B682-30091CCFF729}" dt="2025-04-04T00:12:48.679" v="2775" actId="478"/>
+          <ac:cxnSpMkLst>
+            <pc:docMk/>
+            <pc:sldMk cId="2840714537" sldId="362"/>
+            <ac:cxnSpMk id="9" creationId="{2006B081-8DE9-4C02-B803-611E48A6360B}"/>
+          </ac:cxnSpMkLst>
+        </pc:cxnChg>
+        <pc:cxnChg chg="add mod">
+          <ac:chgData name="Cesar Augusto Lopez Gallego" userId="0dfa9112-9251-4882-b472-cf2dfcee09d1" providerId="ADAL" clId="{948E961B-F100-43FF-B682-30091CCFF729}" dt="2025-04-04T00:13:48.255" v="2785" actId="14100"/>
+          <ac:cxnSpMkLst>
+            <pc:docMk/>
+            <pc:sldMk cId="2840714537" sldId="362"/>
+            <ac:cxnSpMk id="10" creationId="{3683EE87-BF66-48B2-9837-BD6FAF14B5F9}"/>
+          </ac:cxnSpMkLst>
+        </pc:cxnChg>
+        <pc:cxnChg chg="add mod">
+          <ac:chgData name="Cesar Augusto Lopez Gallego" userId="0dfa9112-9251-4882-b472-cf2dfcee09d1" providerId="ADAL" clId="{948E961B-F100-43FF-B682-30091CCFF729}" dt="2025-04-04T00:16:09.895" v="2867" actId="14100"/>
+          <ac:cxnSpMkLst>
+            <pc:docMk/>
+            <pc:sldMk cId="2840714537" sldId="362"/>
+            <ac:cxnSpMk id="11" creationId="{0B16FE68-B81C-4B0F-9579-1E93E52E0A57}"/>
+          </ac:cxnSpMkLst>
+        </pc:cxnChg>
+        <pc:cxnChg chg="add mod">
+          <ac:chgData name="Cesar Augusto Lopez Gallego" userId="0dfa9112-9251-4882-b472-cf2dfcee09d1" providerId="ADAL" clId="{948E961B-F100-43FF-B682-30091CCFF729}" dt="2025-04-04T00:15:47.887" v="2861" actId="14100"/>
+          <ac:cxnSpMkLst>
+            <pc:docMk/>
+            <pc:sldMk cId="2840714537" sldId="362"/>
+            <ac:cxnSpMk id="13" creationId="{BEC29AE1-1FFA-4464-B98B-CE34B1EDD5C6}"/>
+          </ac:cxnSpMkLst>
+        </pc:cxnChg>
+        <pc:cxnChg chg="add mod">
+          <ac:chgData name="Cesar Augusto Lopez Gallego" userId="0dfa9112-9251-4882-b472-cf2dfcee09d1" providerId="ADAL" clId="{948E961B-F100-43FF-B682-30091CCFF729}" dt="2025-04-04T00:13:19.103" v="2779" actId="14100"/>
+          <ac:cxnSpMkLst>
+            <pc:docMk/>
+            <pc:sldMk cId="2840714537" sldId="362"/>
+            <ac:cxnSpMk id="14" creationId="{D0DF87EA-AA9C-44BA-8A60-D62210592F78}"/>
+          </ac:cxnSpMkLst>
+        </pc:cxnChg>
+        <pc:cxnChg chg="add mod">
+          <ac:chgData name="Cesar Augusto Lopez Gallego" userId="0dfa9112-9251-4882-b472-cf2dfcee09d1" providerId="ADAL" clId="{948E961B-F100-43FF-B682-30091CCFF729}" dt="2025-04-04T00:13:40.968" v="2783" actId="1076"/>
+          <ac:cxnSpMkLst>
+            <pc:docMk/>
+            <pc:sldMk cId="2840714537" sldId="362"/>
+            <ac:cxnSpMk id="21" creationId="{16F780B5-B18F-4E4E-B951-4D54033DCAED}"/>
+          </ac:cxnSpMkLst>
+        </pc:cxnChg>
+      </pc:sldChg>
+      <pc:sldChg chg="addSp delSp modSp new mod modAnim">
+        <pc:chgData name="Cesar Augusto Lopez Gallego" userId="0dfa9112-9251-4882-b472-cf2dfcee09d1" providerId="ADAL" clId="{948E961B-F100-43FF-B682-30091CCFF729}" dt="2025-04-04T11:52:28.659" v="3142"/>
+        <pc:sldMkLst>
+          <pc:docMk/>
+          <pc:sldMk cId="973730295" sldId="363"/>
+        </pc:sldMkLst>
+        <pc:spChg chg="add mod">
+          <ac:chgData name="Cesar Augusto Lopez Gallego" userId="0dfa9112-9251-4882-b472-cf2dfcee09d1" providerId="ADAL" clId="{948E961B-F100-43FF-B682-30091CCFF729}" dt="2025-04-02T15:47:39.879" v="176" actId="20577"/>
+          <ac:spMkLst>
+            <pc:docMk/>
+            <pc:sldMk cId="973730295" sldId="363"/>
+            <ac:spMk id="2" creationId="{C0E43C4A-C185-4F69-8EC7-D6B14172FCF8}"/>
+          </ac:spMkLst>
+        </pc:spChg>
+        <pc:spChg chg="add del mod">
+          <ac:chgData name="Cesar Augusto Lopez Gallego" userId="0dfa9112-9251-4882-b472-cf2dfcee09d1" providerId="ADAL" clId="{948E961B-F100-43FF-B682-30091CCFF729}" dt="2025-04-03T21:22:00.020" v="267" actId="21"/>
+          <ac:spMkLst>
+            <pc:docMk/>
+            <pc:sldMk cId="973730295" sldId="363"/>
+            <ac:spMk id="6" creationId="{CCDDB869-8ECC-4C1B-A5E2-79214EBEFF9E}"/>
+          </ac:spMkLst>
+        </pc:spChg>
+        <pc:spChg chg="add mod">
+          <ac:chgData name="Cesar Augusto Lopez Gallego" userId="0dfa9112-9251-4882-b472-cf2dfcee09d1" providerId="ADAL" clId="{948E961B-F100-43FF-B682-30091CCFF729}" dt="2025-04-04T00:28:28.399" v="3115" actId="1076"/>
+          <ac:spMkLst>
+            <pc:docMk/>
+            <pc:sldMk cId="973730295" sldId="363"/>
+            <ac:spMk id="11" creationId="{9B78D4B1-3BF2-4F56-AE65-BC9DD85C5210}"/>
+          </ac:spMkLst>
+        </pc:spChg>
+        <pc:spChg chg="add mod">
+          <ac:chgData name="Cesar Augusto Lopez Gallego" userId="0dfa9112-9251-4882-b472-cf2dfcee09d1" providerId="ADAL" clId="{948E961B-F100-43FF-B682-30091CCFF729}" dt="2025-04-04T00:28:20.079" v="3113" actId="1076"/>
+          <ac:spMkLst>
+            <pc:docMk/>
+            <pc:sldMk cId="973730295" sldId="363"/>
+            <ac:spMk id="13" creationId="{091BE896-1F8A-436D-A8DE-51CFA97120C1}"/>
+          </ac:spMkLst>
+        </pc:spChg>
+        <pc:picChg chg="add del mod">
+          <ac:chgData name="Cesar Augusto Lopez Gallego" userId="0dfa9112-9251-4882-b472-cf2dfcee09d1" providerId="ADAL" clId="{948E961B-F100-43FF-B682-30091CCFF729}" dt="2025-04-04T00:17:53.175" v="2886" actId="478"/>
+          <ac:picMkLst>
+            <pc:docMk/>
+            <pc:sldMk cId="973730295" sldId="363"/>
+            <ac:picMk id="4" creationId="{398FC513-4BB6-4206-A617-466715064175}"/>
+          </ac:picMkLst>
+        </pc:picChg>
+        <pc:picChg chg="add mod">
+          <ac:chgData name="Cesar Augusto Lopez Gallego" userId="0dfa9112-9251-4882-b472-cf2dfcee09d1" providerId="ADAL" clId="{948E961B-F100-43FF-B682-30091CCFF729}" dt="2025-04-04T00:16:57.487" v="2878" actId="1076"/>
+          <ac:picMkLst>
+            <pc:docMk/>
+            <pc:sldMk cId="973730295" sldId="363"/>
+            <ac:picMk id="5" creationId="{D9B356D0-EF76-4717-AE25-C3A32B57E087}"/>
+          </ac:picMkLst>
+        </pc:picChg>
+        <pc:picChg chg="add mod">
+          <ac:chgData name="Cesar Augusto Lopez Gallego" userId="0dfa9112-9251-4882-b472-cf2dfcee09d1" providerId="ADAL" clId="{948E961B-F100-43FF-B682-30091CCFF729}" dt="2025-04-04T00:23:50.166" v="2893" actId="1076"/>
+          <ac:picMkLst>
+            <pc:docMk/>
+            <pc:sldMk cId="973730295" sldId="363"/>
+            <ac:picMk id="7" creationId="{41B6BD09-8BD4-4A14-8E12-5EE9D9E478C1}"/>
+          </ac:picMkLst>
+        </pc:picChg>
+        <pc:cxnChg chg="add mod">
+          <ac:chgData name="Cesar Augusto Lopez Gallego" userId="0dfa9112-9251-4882-b472-cf2dfcee09d1" providerId="ADAL" clId="{948E961B-F100-43FF-B682-30091CCFF729}" dt="2025-04-04T00:27:01.246" v="3104" actId="14100"/>
+          <ac:cxnSpMkLst>
+            <pc:docMk/>
+            <pc:sldMk cId="973730295" sldId="363"/>
+            <ac:cxnSpMk id="9" creationId="{5736500B-F245-4AD3-A944-A8FF587BED55}"/>
+          </ac:cxnSpMkLst>
+        </pc:cxnChg>
+        <pc:cxnChg chg="add mod">
+          <ac:chgData name="Cesar Augusto Lopez Gallego" userId="0dfa9112-9251-4882-b472-cf2dfcee09d1" providerId="ADAL" clId="{948E961B-F100-43FF-B682-30091CCFF729}" dt="2025-04-04T00:28:22.198" v="3114" actId="14100"/>
+          <ac:cxnSpMkLst>
+            <pc:docMk/>
+            <pc:sldMk cId="973730295" sldId="363"/>
+            <ac:cxnSpMk id="14" creationId="{F16A767C-14CB-4A34-B1F9-0C0AD23737F5}"/>
+          </ac:cxnSpMkLst>
+        </pc:cxnChg>
+      </pc:sldChg>
+      <pc:sldChg chg="addSp delSp modSp new mod ord">
+        <pc:chgData name="Cesar Augusto Lopez Gallego" userId="0dfa9112-9251-4882-b472-cf2dfcee09d1" providerId="ADAL" clId="{948E961B-F100-43FF-B682-30091CCFF729}" dt="2025-04-01T16:33:55.405" v="81" actId="1076"/>
+        <pc:sldMkLst>
+          <pc:docMk/>
+          <pc:sldMk cId="1306722742" sldId="364"/>
+        </pc:sldMkLst>
+        <pc:spChg chg="add mod">
+          <ac:chgData name="Cesar Augusto Lopez Gallego" userId="0dfa9112-9251-4882-b472-cf2dfcee09d1" providerId="ADAL" clId="{948E961B-F100-43FF-B682-30091CCFF729}" dt="2025-04-01T16:30:46.291" v="36" actId="255"/>
+          <ac:spMkLst>
+            <pc:docMk/>
+            <pc:sldMk cId="1306722742" sldId="364"/>
+            <ac:spMk id="3" creationId="{B4F735A7-3764-4896-B035-2A5601CCCE56}"/>
+          </ac:spMkLst>
+        </pc:spChg>
+        <pc:spChg chg="add mod">
+          <ac:chgData name="Cesar Augusto Lopez Gallego" userId="0dfa9112-9251-4882-b472-cf2dfcee09d1" providerId="ADAL" clId="{948E961B-F100-43FF-B682-30091CCFF729}" dt="2025-04-01T16:32:35.084" v="71" actId="1076"/>
+          <ac:spMkLst>
+            <pc:docMk/>
+            <pc:sldMk cId="1306722742" sldId="364"/>
+            <ac:spMk id="5" creationId="{E6EA9E42-F1C1-4F3D-B8BB-2D07E55EB482}"/>
+          </ac:spMkLst>
+        </pc:spChg>
+        <pc:spChg chg="add del">
+          <ac:chgData name="Cesar Augusto Lopez Gallego" userId="0dfa9112-9251-4882-b472-cf2dfcee09d1" providerId="ADAL" clId="{948E961B-F100-43FF-B682-30091CCFF729}" dt="2025-04-01T16:31:19.982" v="45"/>
+          <ac:spMkLst>
+            <pc:docMk/>
+            <pc:sldMk cId="1306722742" sldId="364"/>
+            <ac:spMk id="6" creationId="{2BD83EC5-A017-493A-BB54-B4AA0062A4EC}"/>
+          </ac:spMkLst>
+        </pc:spChg>
+        <pc:spChg chg="add mod">
+          <ac:chgData name="Cesar Augusto Lopez Gallego" userId="0dfa9112-9251-4882-b472-cf2dfcee09d1" providerId="ADAL" clId="{948E961B-F100-43FF-B682-30091CCFF729}" dt="2025-04-01T16:33:38.499" v="77" actId="1076"/>
+          <ac:spMkLst>
+            <pc:docMk/>
+            <pc:sldMk cId="1306722742" sldId="364"/>
+            <ac:spMk id="8" creationId="{C56D50A1-AB73-47D5-9423-20E89A7948FA}"/>
+          </ac:spMkLst>
+        </pc:spChg>
+        <pc:picChg chg="add mod">
+          <ac:chgData name="Cesar Augusto Lopez Gallego" userId="0dfa9112-9251-4882-b472-cf2dfcee09d1" providerId="ADAL" clId="{948E961B-F100-43FF-B682-30091CCFF729}" dt="2025-04-01T16:33:55.405" v="81" actId="1076"/>
+          <ac:picMkLst>
+            <pc:docMk/>
+            <pc:sldMk cId="1306722742" sldId="364"/>
+            <ac:picMk id="10" creationId="{C7832850-CF06-41A0-8850-BA6A022A7DCB}"/>
+          </ac:picMkLst>
+        </pc:picChg>
+      </pc:sldChg>
+      <pc:sldChg chg="addSp modSp new mod">
+        <pc:chgData name="Cesar Augusto Lopez Gallego" userId="0dfa9112-9251-4882-b472-cf2dfcee09d1" providerId="ADAL" clId="{948E961B-F100-43FF-B682-30091CCFF729}" dt="2025-04-01T16:45:52.567" v="89" actId="1076"/>
+        <pc:sldMkLst>
+          <pc:docMk/>
+          <pc:sldMk cId="1370264516" sldId="365"/>
+        </pc:sldMkLst>
+        <pc:picChg chg="add mod">
+          <ac:chgData name="Cesar Augusto Lopez Gallego" userId="0dfa9112-9251-4882-b472-cf2dfcee09d1" providerId="ADAL" clId="{948E961B-F100-43FF-B682-30091CCFF729}" dt="2025-04-01T16:45:38.941" v="85" actId="14100"/>
+          <ac:picMkLst>
+            <pc:docMk/>
+            <pc:sldMk cId="1370264516" sldId="365"/>
+            <ac:picMk id="3" creationId="{1D2AF062-77B0-466B-A4AC-D404DCCBBC05}"/>
+          </ac:picMkLst>
+        </pc:picChg>
+        <pc:picChg chg="add mod">
+          <ac:chgData name="Cesar Augusto Lopez Gallego" userId="0dfa9112-9251-4882-b472-cf2dfcee09d1" providerId="ADAL" clId="{948E961B-F100-43FF-B682-30091CCFF729}" dt="2025-04-01T16:45:52.567" v="89" actId="1076"/>
+          <ac:picMkLst>
+            <pc:docMk/>
+            <pc:sldMk cId="1370264516" sldId="365"/>
+            <ac:picMk id="5" creationId="{A37B70EA-C011-4301-99E8-13A13DBFD458}"/>
+          </ac:picMkLst>
+        </pc:picChg>
+      </pc:sldChg>
+      <pc:sldChg chg="addSp delSp modSp new mod modAnim">
+        <pc:chgData name="Cesar Augusto Lopez Gallego" userId="0dfa9112-9251-4882-b472-cf2dfcee09d1" providerId="ADAL" clId="{948E961B-F100-43FF-B682-30091CCFF729}" dt="2025-04-04T11:49:52.890" v="3131"/>
+        <pc:sldMkLst>
+          <pc:docMk/>
+          <pc:sldMk cId="1421089093" sldId="366"/>
+        </pc:sldMkLst>
+        <pc:spChg chg="add del mod">
+          <ac:chgData name="Cesar Augusto Lopez Gallego" userId="0dfa9112-9251-4882-b472-cf2dfcee09d1" providerId="ADAL" clId="{948E961B-F100-43FF-B682-30091CCFF729}" dt="2025-04-03T21:25:17.191" v="371" actId="478"/>
+          <ac:spMkLst>
+            <pc:docMk/>
+            <pc:sldMk cId="1421089093" sldId="366"/>
+            <ac:spMk id="3" creationId="{384F8CE5-19FC-46D3-AED9-EA08839EDCC6}"/>
+          </ac:spMkLst>
+        </pc:spChg>
+        <pc:spChg chg="add mod">
+          <ac:chgData name="Cesar Augusto Lopez Gallego" userId="0dfa9112-9251-4882-b472-cf2dfcee09d1" providerId="ADAL" clId="{948E961B-F100-43FF-B682-30091CCFF729}" dt="2025-04-03T21:28:18.206" v="453" actId="1076"/>
+          <ac:spMkLst>
+            <pc:docMk/>
+            <pc:sldMk cId="1421089093" sldId="366"/>
+            <ac:spMk id="6" creationId="{65CD3ABF-88A4-4FDF-BC99-A22469B21ED8}"/>
+          </ac:spMkLst>
+        </pc:spChg>
+        <pc:spChg chg="add mod">
+          <ac:chgData name="Cesar Augusto Lopez Gallego" userId="0dfa9112-9251-4882-b472-cf2dfcee09d1" providerId="ADAL" clId="{948E961B-F100-43FF-B682-30091CCFF729}" dt="2025-04-03T21:34:19" v="506" actId="20577"/>
+          <ac:spMkLst>
+            <pc:docMk/>
+            <pc:sldMk cId="1421089093" sldId="366"/>
+            <ac:spMk id="9" creationId="{7C3661A7-0CF8-4377-99F0-15BD65AD79B7}"/>
+          </ac:spMkLst>
+        </pc:spChg>
+        <pc:spChg chg="add mod">
+          <ac:chgData name="Cesar Augusto Lopez Gallego" userId="0dfa9112-9251-4882-b472-cf2dfcee09d1" providerId="ADAL" clId="{948E961B-F100-43FF-B682-30091CCFF729}" dt="2025-04-03T21:36:29.168" v="573" actId="20577"/>
+          <ac:spMkLst>
+            <pc:docMk/>
+            <pc:sldMk cId="1421089093" sldId="366"/>
+            <ac:spMk id="12" creationId="{7F35B89D-6974-4B56-A1F2-1965FDAE0DE9}"/>
+          </ac:spMkLst>
+        </pc:spChg>
+        <pc:spChg chg="add mod">
+          <ac:chgData name="Cesar Augusto Lopez Gallego" userId="0dfa9112-9251-4882-b472-cf2dfcee09d1" providerId="ADAL" clId="{948E961B-F100-43FF-B682-30091CCFF729}" dt="2025-04-03T21:44:21.095" v="769" actId="20577"/>
+          <ac:spMkLst>
+            <pc:docMk/>
+            <pc:sldMk cId="1421089093" sldId="366"/>
+            <ac:spMk id="24" creationId="{7F84C078-498D-474B-9140-07F31BE4F3BC}"/>
+          </ac:spMkLst>
+        </pc:spChg>
+        <pc:spChg chg="add mod">
+          <ac:chgData name="Cesar Augusto Lopez Gallego" userId="0dfa9112-9251-4882-b472-cf2dfcee09d1" providerId="ADAL" clId="{948E961B-F100-43FF-B682-30091CCFF729}" dt="2025-04-03T21:44:54.183" v="773" actId="1076"/>
+          <ac:spMkLst>
+            <pc:docMk/>
+            <pc:sldMk cId="1421089093" sldId="366"/>
+            <ac:spMk id="25" creationId="{8F6D5A9B-848D-4D4D-8CDA-6E78207219D8}"/>
+          </ac:spMkLst>
+        </pc:spChg>
+        <pc:spChg chg="add del mod">
+          <ac:chgData name="Cesar Augusto Lopez Gallego" userId="0dfa9112-9251-4882-b472-cf2dfcee09d1" providerId="ADAL" clId="{948E961B-F100-43FF-B682-30091CCFF729}" dt="2025-04-03T21:46:45.480" v="784" actId="478"/>
+          <ac:spMkLst>
+            <pc:docMk/>
+            <pc:sldMk cId="1421089093" sldId="366"/>
+            <ac:spMk id="30" creationId="{513D1CBE-0CBF-4DB2-B5B7-F857EFCCF556}"/>
+          </ac:spMkLst>
+        </pc:spChg>
+        <pc:spChg chg="add mod">
+          <ac:chgData name="Cesar Augusto Lopez Gallego" userId="0dfa9112-9251-4882-b472-cf2dfcee09d1" providerId="ADAL" clId="{948E961B-F100-43FF-B682-30091CCFF729}" dt="2025-04-03T21:47:03.663" v="808" actId="1076"/>
+          <ac:spMkLst>
+            <pc:docMk/>
+            <pc:sldMk cId="1421089093" sldId="366"/>
+            <ac:spMk id="31" creationId="{11C47AB2-EEF2-4239-B0FE-F7C0821CBFC8}"/>
+          </ac:spMkLst>
+        </pc:spChg>
+        <pc:spChg chg="add del mod">
+          <ac:chgData name="Cesar Augusto Lopez Gallego" userId="0dfa9112-9251-4882-b472-cf2dfcee09d1" providerId="ADAL" clId="{948E961B-F100-43FF-B682-30091CCFF729}" dt="2025-04-03T21:48:26.335" v="811" actId="478"/>
+          <ac:spMkLst>
+            <pc:docMk/>
+            <pc:sldMk cId="1421089093" sldId="366"/>
+            <ac:spMk id="34" creationId="{B067B80C-CAE3-4F67-9878-EEA71620940B}"/>
+          </ac:spMkLst>
+        </pc:spChg>
+        <pc:spChg chg="add mod">
+          <ac:chgData name="Cesar Augusto Lopez Gallego" userId="0dfa9112-9251-4882-b472-cf2dfcee09d1" providerId="ADAL" clId="{948E961B-F100-43FF-B682-30091CCFF729}" dt="2025-04-03T22:09:12.615" v="940" actId="1076"/>
+          <ac:spMkLst>
+            <pc:docMk/>
+            <pc:sldMk cId="1421089093" sldId="366"/>
+            <ac:spMk id="35" creationId="{9224F9BA-31C0-4135-8848-B63DF7046B8B}"/>
+          </ac:spMkLst>
+        </pc:spChg>
+        <pc:spChg chg="add mod">
+          <ac:chgData name="Cesar Augusto Lopez Gallego" userId="0dfa9112-9251-4882-b472-cf2dfcee09d1" providerId="ADAL" clId="{948E961B-F100-43FF-B682-30091CCFF729}" dt="2025-04-03T22:12:24.855" v="1088" actId="1076"/>
+          <ac:spMkLst>
+            <pc:docMk/>
+            <pc:sldMk cId="1421089093" sldId="366"/>
+            <ac:spMk id="37" creationId="{B28F3D03-B821-4A3C-AA3B-CE4C620837C0}"/>
+          </ac:spMkLst>
+        </pc:spChg>
+        <pc:picChg chg="add mod">
+          <ac:chgData name="Cesar Augusto Lopez Gallego" userId="0dfa9112-9251-4882-b472-cf2dfcee09d1" providerId="ADAL" clId="{948E961B-F100-43FF-B682-30091CCFF729}" dt="2025-04-03T21:25:26.663" v="373" actId="1076"/>
+          <ac:picMkLst>
+            <pc:docMk/>
+            <pc:sldMk cId="1421089093" sldId="366"/>
+            <ac:picMk id="2" creationId="{32C5D4A3-9EC3-4580-A536-C8B38552056F}"/>
+          </ac:picMkLst>
+        </pc:picChg>
+        <pc:cxnChg chg="add mod">
+          <ac:chgData name="Cesar Augusto Lopez Gallego" userId="0dfa9112-9251-4882-b472-cf2dfcee09d1" providerId="ADAL" clId="{948E961B-F100-43FF-B682-30091CCFF729}" dt="2025-04-03T21:25:26.663" v="373" actId="1076"/>
+          <ac:cxnSpMkLst>
+            <pc:docMk/>
+            <pc:sldMk cId="1421089093" sldId="366"/>
+            <ac:cxnSpMk id="4" creationId="{ED200AAC-3B01-4ED1-9CF3-883E265E3FF5}"/>
+          </ac:cxnSpMkLst>
+        </pc:cxnChg>
+        <pc:cxnChg chg="add mod">
+          <ac:chgData name="Cesar Augusto Lopez Gallego" userId="0dfa9112-9251-4882-b472-cf2dfcee09d1" providerId="ADAL" clId="{948E961B-F100-43FF-B682-30091CCFF729}" dt="2025-04-03T21:28:18.206" v="453" actId="1076"/>
+          <ac:cxnSpMkLst>
+            <pc:docMk/>
+            <pc:sldMk cId="1421089093" sldId="366"/>
+            <ac:cxnSpMk id="7" creationId="{76B6901E-4889-44A0-82C1-7F30A58E9C5B}"/>
+          </ac:cxnSpMkLst>
+        </pc:cxnChg>
+        <pc:cxnChg chg="add mod">
+          <ac:chgData name="Cesar Augusto Lopez Gallego" userId="0dfa9112-9251-4882-b472-cf2dfcee09d1" providerId="ADAL" clId="{948E961B-F100-43FF-B682-30091CCFF729}" dt="2025-04-03T21:36:48.918" v="577" actId="14100"/>
+          <ac:cxnSpMkLst>
+            <pc:docMk/>
+            <pc:sldMk cId="1421089093" sldId="366"/>
+            <ac:cxnSpMk id="10" creationId="{B6D57FB5-D285-412A-A302-299D2DFCFFF4}"/>
+          </ac:cxnSpMkLst>
+        </pc:cxnChg>
+        <pc:cxnChg chg="add mod">
+          <ac:chgData name="Cesar Augusto Lopez Gallego" userId="0dfa9112-9251-4882-b472-cf2dfcee09d1" providerId="ADAL" clId="{948E961B-F100-43FF-B682-30091CCFF729}" dt="2025-04-03T21:36:40.913" v="575" actId="1076"/>
+          <ac:cxnSpMkLst>
+            <pc:docMk/>
+            <pc:sldMk cId="1421089093" sldId="366"/>
+            <ac:cxnSpMk id="17" creationId="{4FE1ACF8-6329-4CDC-BE35-BF02F18766E6}"/>
+          </ac:cxnSpMkLst>
+        </pc:cxnChg>
+        <pc:cxnChg chg="add mod">
+          <ac:chgData name="Cesar Augusto Lopez Gallego" userId="0dfa9112-9251-4882-b472-cf2dfcee09d1" providerId="ADAL" clId="{948E961B-F100-43FF-B682-30091CCFF729}" dt="2025-04-03T21:38:12.639" v="581" actId="14100"/>
+          <ac:cxnSpMkLst>
+            <pc:docMk/>
+            <pc:sldMk cId="1421089093" sldId="366"/>
+            <ac:cxnSpMk id="21" creationId="{D6DAC5E4-D606-4500-BC6A-F76E2EBD6452}"/>
+          </ac:cxnSpMkLst>
+        </pc:cxnChg>
+        <pc:cxnChg chg="add">
+          <ac:chgData name="Cesar Augusto Lopez Gallego" userId="0dfa9112-9251-4882-b472-cf2dfcee09d1" providerId="ADAL" clId="{948E961B-F100-43FF-B682-30091CCFF729}" dt="2025-04-03T21:44:59.970" v="774" actId="11529"/>
+          <ac:cxnSpMkLst>
+            <pc:docMk/>
+            <pc:sldMk cId="1421089093" sldId="366"/>
+            <ac:cxnSpMk id="27" creationId="{69BB430E-B835-428A-B5ED-C8785260061F}"/>
+          </ac:cxnSpMkLst>
+        </pc:cxnChg>
+        <pc:cxnChg chg="add">
+          <ac:chgData name="Cesar Augusto Lopez Gallego" userId="0dfa9112-9251-4882-b472-cf2dfcee09d1" providerId="ADAL" clId="{948E961B-F100-43FF-B682-30091CCFF729}" dt="2025-04-03T21:46:37.497" v="775" actId="11529"/>
+          <ac:cxnSpMkLst>
+            <pc:docMk/>
+            <pc:sldMk cId="1421089093" sldId="366"/>
+            <ac:cxnSpMk id="29" creationId="{6ADE57CC-58C6-416B-80B7-50770D569377}"/>
+          </ac:cxnSpMkLst>
+        </pc:cxnChg>
+        <pc:cxnChg chg="add mod">
+          <ac:chgData name="Cesar Augusto Lopez Gallego" userId="0dfa9112-9251-4882-b472-cf2dfcee09d1" providerId="ADAL" clId="{948E961B-F100-43FF-B682-30091CCFF729}" dt="2025-04-03T22:09:16.222" v="941" actId="14100"/>
+          <ac:cxnSpMkLst>
+            <pc:docMk/>
+            <pc:sldMk cId="1421089093" sldId="366"/>
+            <ac:cxnSpMk id="33" creationId="{969E99F3-EB27-4993-90BE-BE3B98F686B3}"/>
+          </ac:cxnSpMkLst>
+        </pc:cxnChg>
+        <pc:cxnChg chg="add mod">
+          <ac:chgData name="Cesar Augusto Lopez Gallego" userId="0dfa9112-9251-4882-b472-cf2dfcee09d1" providerId="ADAL" clId="{948E961B-F100-43FF-B682-30091CCFF729}" dt="2025-04-03T22:12:33.639" v="1090" actId="14100"/>
+          <ac:cxnSpMkLst>
+            <pc:docMk/>
+            <pc:sldMk cId="1421089093" sldId="366"/>
+            <ac:cxnSpMk id="39" creationId="{61C2B725-D23D-49C0-A253-34137DFE7586}"/>
+          </ac:cxnSpMkLst>
+        </pc:cxnChg>
+      </pc:sldChg>
+      <pc:sldChg chg="addSp modSp new del mod">
+        <pc:chgData name="Cesar Augusto Lopez Gallego" userId="0dfa9112-9251-4882-b472-cf2dfcee09d1" providerId="ADAL" clId="{948E961B-F100-43FF-B682-30091CCFF729}" dt="2025-04-04T11:52:45.935" v="3143" actId="47"/>
+        <pc:sldMkLst>
+          <pc:docMk/>
+          <pc:sldMk cId="1001495752" sldId="367"/>
+        </pc:sldMkLst>
+        <pc:spChg chg="add mod">
+          <ac:chgData name="Cesar Augusto Lopez Gallego" userId="0dfa9112-9251-4882-b472-cf2dfcee09d1" providerId="ADAL" clId="{948E961B-F100-43FF-B682-30091CCFF729}" dt="2025-04-03T21:21:09.335" v="264" actId="2085"/>
+          <ac:spMkLst>
+            <pc:docMk/>
+            <pc:sldMk cId="1001495752" sldId="367"/>
+            <ac:spMk id="3" creationId="{ACC2A720-6BB3-4614-98AD-E9375B4B85E4}"/>
+          </ac:spMkLst>
+        </pc:spChg>
+        <pc:spChg chg="add mod">
+          <ac:chgData name="Cesar Augusto Lopez Gallego" userId="0dfa9112-9251-4882-b472-cf2dfcee09d1" providerId="ADAL" clId="{948E961B-F100-43FF-B682-30091CCFF729}" dt="2025-04-03T21:23:02.139" v="320" actId="20577"/>
+          <ac:spMkLst>
+            <pc:docMk/>
+            <pc:sldMk cId="1001495752" sldId="367"/>
+            <ac:spMk id="4" creationId="{123B59A9-9961-402A-B99E-E0C8611F03ED}"/>
+          </ac:spMkLst>
+        </pc:spChg>
+        <pc:spChg chg="add mod">
+          <ac:chgData name="Cesar Augusto Lopez Gallego" userId="0dfa9112-9251-4882-b472-cf2dfcee09d1" providerId="ADAL" clId="{948E961B-F100-43FF-B682-30091CCFF729}" dt="2025-04-03T21:23:09.031" v="322" actId="1076"/>
+          <ac:spMkLst>
+            <pc:docMk/>
+            <pc:sldMk cId="1001495752" sldId="367"/>
+            <ac:spMk id="5" creationId="{E95D5664-68B8-41B3-A457-49937325C5BE}"/>
+          </ac:spMkLst>
+        </pc:spChg>
+        <pc:picChg chg="add mod">
+          <ac:chgData name="Cesar Augusto Lopez Gallego" userId="0dfa9112-9251-4882-b472-cf2dfcee09d1" providerId="ADAL" clId="{948E961B-F100-43FF-B682-30091CCFF729}" dt="2025-04-03T21:20:35.680" v="260" actId="1076"/>
+          <ac:picMkLst>
+            <pc:docMk/>
+            <pc:sldMk cId="1001495752" sldId="367"/>
+            <ac:picMk id="2" creationId="{D1C2253B-B631-44CE-9856-C083D6AC37D8}"/>
+          </ac:picMkLst>
+        </pc:picChg>
+        <pc:cxnChg chg="add">
+          <ac:chgData name="Cesar Augusto Lopez Gallego" userId="0dfa9112-9251-4882-b472-cf2dfcee09d1" providerId="ADAL" clId="{948E961B-F100-43FF-B682-30091CCFF729}" dt="2025-04-03T21:23:15.715" v="323" actId="11529"/>
+          <ac:cxnSpMkLst>
+            <pc:docMk/>
+            <pc:sldMk cId="1001495752" sldId="367"/>
+            <ac:cxnSpMk id="7" creationId="{3EDD8117-374A-4217-AF4D-4BD0E54E8259}"/>
+          </ac:cxnSpMkLst>
+        </pc:cxnChg>
+        <pc:cxnChg chg="add">
+          <ac:chgData name="Cesar Augusto Lopez Gallego" userId="0dfa9112-9251-4882-b472-cf2dfcee09d1" providerId="ADAL" clId="{948E961B-F100-43FF-B682-30091CCFF729}" dt="2025-04-03T21:23:23.768" v="324" actId="11529"/>
+          <ac:cxnSpMkLst>
+            <pc:docMk/>
+            <pc:sldMk cId="1001495752" sldId="367"/>
+            <ac:cxnSpMk id="9" creationId="{FE2AC840-6843-4F28-907F-DA6D512747A0}"/>
+          </ac:cxnSpMkLst>
+        </pc:cxnChg>
+      </pc:sldChg>
+      <pc:sldChg chg="addSp delSp modSp new mod">
+        <pc:chgData name="Cesar Augusto Lopez Gallego" userId="0dfa9112-9251-4882-b472-cf2dfcee09d1" providerId="ADAL" clId="{948E961B-F100-43FF-B682-30091CCFF729}" dt="2025-04-03T23:51:35.983" v="1956" actId="20577"/>
+        <pc:sldMkLst>
+          <pc:docMk/>
+          <pc:sldMk cId="1962009788" sldId="368"/>
+        </pc:sldMkLst>
+        <pc:spChg chg="add mod">
+          <ac:chgData name="Cesar Augusto Lopez Gallego" userId="0dfa9112-9251-4882-b472-cf2dfcee09d1" providerId="ADAL" clId="{948E961B-F100-43FF-B682-30091CCFF729}" dt="2025-04-03T22:26:35.346" v="1739" actId="20577"/>
+          <ac:spMkLst>
+            <pc:docMk/>
+            <pc:sldMk cId="1962009788" sldId="368"/>
+            <ac:spMk id="2" creationId="{F7680DCE-1E3A-47E9-8300-719186193C83}"/>
+          </ac:spMkLst>
+        </pc:spChg>
+        <pc:spChg chg="add mod">
+          <ac:chgData name="Cesar Augusto Lopez Gallego" userId="0dfa9112-9251-4882-b472-cf2dfcee09d1" providerId="ADAL" clId="{948E961B-F100-43FF-B682-30091CCFF729}" dt="2025-04-03T22:25:08.744" v="1731" actId="20577"/>
+          <ac:spMkLst>
+            <pc:docMk/>
+            <pc:sldMk cId="1962009788" sldId="368"/>
+            <ac:spMk id="4" creationId="{33ECDDA0-BD4F-49F2-92BD-C82369B9924A}"/>
+          </ac:spMkLst>
+        </pc:spChg>
+        <pc:spChg chg="add mod">
+          <ac:chgData name="Cesar Augusto Lopez Gallego" userId="0dfa9112-9251-4882-b472-cf2dfcee09d1" providerId="ADAL" clId="{948E961B-F100-43FF-B682-30091CCFF729}" dt="2025-04-03T23:48:08.031" v="1871" actId="1076"/>
+          <ac:spMkLst>
+            <pc:docMk/>
+            <pc:sldMk cId="1962009788" sldId="368"/>
+            <ac:spMk id="6" creationId="{AF7940EB-FCC6-4243-9F04-1144E2496683}"/>
+          </ac:spMkLst>
+        </pc:spChg>
+        <pc:spChg chg="add mod">
+          <ac:chgData name="Cesar Augusto Lopez Gallego" userId="0dfa9112-9251-4882-b472-cf2dfcee09d1" providerId="ADAL" clId="{948E961B-F100-43FF-B682-30091CCFF729}" dt="2025-04-03T23:48:10.358" v="1872" actId="1076"/>
+          <ac:spMkLst>
+            <pc:docMk/>
+            <pc:sldMk cId="1962009788" sldId="368"/>
+            <ac:spMk id="8" creationId="{12E4338A-F7B1-408D-B519-2D52F1882C58}"/>
+          </ac:spMkLst>
+        </pc:spChg>
+        <pc:spChg chg="add del mod">
+          <ac:chgData name="Cesar Augusto Lopez Gallego" userId="0dfa9112-9251-4882-b472-cf2dfcee09d1" providerId="ADAL" clId="{948E961B-F100-43FF-B682-30091CCFF729}" dt="2025-04-03T22:22:57.368" v="1497" actId="478"/>
+          <ac:spMkLst>
+            <pc:docMk/>
+            <pc:sldMk cId="1962009788" sldId="368"/>
+            <ac:spMk id="10" creationId="{8ED2296F-C3AC-4F50-BEC4-68990C5ADC4D}"/>
+          </ac:spMkLst>
+        </pc:spChg>
+        <pc:spChg chg="add mod">
+          <ac:chgData name="Cesar Augusto Lopez Gallego" userId="0dfa9112-9251-4882-b472-cf2dfcee09d1" providerId="ADAL" clId="{948E961B-F100-43FF-B682-30091CCFF729}" dt="2025-04-03T22:24:52.422" v="1721" actId="1076"/>
+          <ac:spMkLst>
+            <pc:docMk/>
+            <pc:sldMk cId="1962009788" sldId="368"/>
+            <ac:spMk id="12" creationId="{83C73C2B-E637-477E-98A9-BFEA12352653}"/>
+          </ac:spMkLst>
+        </pc:spChg>
+        <pc:spChg chg="add mod">
+          <ac:chgData name="Cesar Augusto Lopez Gallego" userId="0dfa9112-9251-4882-b472-cf2dfcee09d1" providerId="ADAL" clId="{948E961B-F100-43FF-B682-30091CCFF729}" dt="2025-04-03T23:51:35.983" v="1956" actId="20577"/>
+          <ac:spMkLst>
+            <pc:docMk/>
+            <pc:sldMk cId="1962009788" sldId="368"/>
+            <ac:spMk id="14" creationId="{C88C1F31-0798-4BAF-BD2D-0C8A96942ACC}"/>
+          </ac:spMkLst>
+        </pc:spChg>
+      </pc:sldChg>
     </pc:docChg>
   </pc:docChgLst>
 </pc:chgInfo>
@@ -5147,12 +5930,12 @@
         </a:fontRef>
       </dsp:style>
       <dsp:txBody>
-        <a:bodyPr spcFirstLastPara="0" vert="horz" wrap="square" lIns="99060" tIns="99060" rIns="99060" bIns="99060" numCol="1" spcCol="1270" anchor="ctr" anchorCtr="0">
+        <a:bodyPr spcFirstLastPara="0" vert="horz" wrap="square" lIns="102870" tIns="102870" rIns="102870" bIns="102870" numCol="1" spcCol="1270" anchor="ctr" anchorCtr="0">
           <a:noAutofit/>
         </a:bodyPr>
         <a:lstStyle/>
         <a:p>
-          <a:pPr marL="0" lvl="0" indent="0" algn="ctr" defTabSz="1155700">
+          <a:pPr marL="0" lvl="0" indent="0" algn="ctr" defTabSz="1200150">
             <a:lnSpc>
               <a:spcPct val="90000"/>
             </a:lnSpc>
@@ -5165,10 +5948,10 @@
             <a:buNone/>
           </a:pPr>
           <a:r>
-            <a:rPr lang="es-ES" sz="2600" kern="1200" dirty="0"/>
+            <a:rPr lang="es-ES" sz="2700" kern="1200" dirty="0"/>
             <a:t>Conjunto de Conceptos</a:t>
           </a:r>
-          <a:endParaRPr lang="es-419" sz="2600" kern="1200" dirty="0"/>
+          <a:endParaRPr lang="es-419" sz="2700" kern="1200" dirty="0"/>
         </a:p>
       </dsp:txBody>
       <dsp:txXfrm>
@@ -5226,12 +6009,12 @@
         </a:fontRef>
       </dsp:style>
       <dsp:txBody>
-        <a:bodyPr spcFirstLastPara="0" vert="horz" wrap="square" lIns="99060" tIns="99060" rIns="99060" bIns="99060" numCol="1" spcCol="1270" anchor="ctr" anchorCtr="0">
+        <a:bodyPr spcFirstLastPara="0" vert="horz" wrap="square" lIns="102870" tIns="102870" rIns="102870" bIns="102870" numCol="1" spcCol="1270" anchor="ctr" anchorCtr="0">
           <a:noAutofit/>
         </a:bodyPr>
         <a:lstStyle/>
         <a:p>
-          <a:pPr marL="0" lvl="0" indent="0" algn="ctr" defTabSz="1155700">
+          <a:pPr marL="0" lvl="0" indent="0" algn="ctr" defTabSz="1200150">
             <a:lnSpc>
               <a:spcPct val="90000"/>
             </a:lnSpc>
@@ -5244,10 +6027,10 @@
             <a:buNone/>
           </a:pPr>
           <a:r>
-            <a:rPr lang="es-ES" sz="2600" kern="1200" dirty="0"/>
+            <a:rPr lang="es-ES" sz="2700" kern="1200" dirty="0"/>
             <a:t>Reglas de Negocio</a:t>
           </a:r>
-          <a:endParaRPr lang="es-419" sz="2600" kern="1200" dirty="0"/>
+          <a:endParaRPr lang="es-419" sz="2700" kern="1200" dirty="0"/>
         </a:p>
       </dsp:txBody>
       <dsp:txXfrm>
@@ -5305,12 +6088,12 @@
         </a:fontRef>
       </dsp:style>
       <dsp:txBody>
-        <a:bodyPr spcFirstLastPara="0" vert="horz" wrap="square" lIns="99060" tIns="99060" rIns="99060" bIns="99060" numCol="1" spcCol="1270" anchor="ctr" anchorCtr="0">
+        <a:bodyPr spcFirstLastPara="0" vert="horz" wrap="square" lIns="102870" tIns="102870" rIns="102870" bIns="102870" numCol="1" spcCol="1270" anchor="ctr" anchorCtr="0">
           <a:noAutofit/>
         </a:bodyPr>
         <a:lstStyle/>
         <a:p>
-          <a:pPr marL="0" lvl="0" indent="0" algn="ctr" defTabSz="1155700">
+          <a:pPr marL="0" lvl="0" indent="0" algn="ctr" defTabSz="1200150">
             <a:lnSpc>
               <a:spcPct val="90000"/>
             </a:lnSpc>
@@ -5323,10 +6106,10 @@
             <a:buNone/>
           </a:pPr>
           <a:r>
-            <a:rPr lang="es-ES" sz="2600" kern="1200" dirty="0"/>
+            <a:rPr lang="es-ES" sz="2700" kern="1200" dirty="0"/>
             <a:t>Procesos</a:t>
           </a:r>
-          <a:endParaRPr lang="es-419" sz="2600" kern="1200" dirty="0"/>
+          <a:endParaRPr lang="es-419" sz="2700" kern="1200" dirty="0"/>
         </a:p>
       </dsp:txBody>
       <dsp:txXfrm>
@@ -5384,12 +6167,12 @@
         </a:fontRef>
       </dsp:style>
       <dsp:txBody>
-        <a:bodyPr spcFirstLastPara="0" vert="horz" wrap="square" lIns="99060" tIns="99060" rIns="99060" bIns="99060" numCol="1" spcCol="1270" anchor="ctr" anchorCtr="0">
+        <a:bodyPr spcFirstLastPara="0" vert="horz" wrap="square" lIns="102870" tIns="102870" rIns="102870" bIns="102870" numCol="1" spcCol="1270" anchor="ctr" anchorCtr="0">
           <a:noAutofit/>
         </a:bodyPr>
         <a:lstStyle/>
         <a:p>
-          <a:pPr marL="0" lvl="0" indent="0" algn="ctr" defTabSz="1155700">
+          <a:pPr marL="0" lvl="0" indent="0" algn="ctr" defTabSz="1200150">
             <a:lnSpc>
               <a:spcPct val="90000"/>
             </a:lnSpc>
@@ -5402,10 +6185,10 @@
             <a:buNone/>
           </a:pPr>
           <a:r>
-            <a:rPr lang="es-ES" sz="2600" kern="1200" dirty="0"/>
+            <a:rPr lang="es-ES" sz="2700" kern="1200" dirty="0"/>
             <a:t>Restricciones</a:t>
           </a:r>
-          <a:endParaRPr lang="es-419" sz="2600" kern="1200" dirty="0"/>
+          <a:endParaRPr lang="es-419" sz="2700" kern="1200" dirty="0"/>
         </a:p>
       </dsp:txBody>
       <dsp:txXfrm>
@@ -9509,7 +10292,7 @@
           <a:p>
             <a:fld id="{6B86245D-015E-46AE-96CC-32E8A5E9A1DF}" type="datetimeFigureOut">
               <a:rPr lang="es-CO" smtClean="0"/>
-              <a:t>25/03/2025</a:t>
+              <a:t>4/04/2025</a:t>
             </a:fld>
             <a:endParaRPr lang="es-CO"/>
           </a:p>
@@ -9679,7 +10462,7 @@
           <a:p>
             <a:fld id="{6B86245D-015E-46AE-96CC-32E8A5E9A1DF}" type="datetimeFigureOut">
               <a:rPr lang="es-CO" smtClean="0"/>
-              <a:t>25/03/2025</a:t>
+              <a:t>4/04/2025</a:t>
             </a:fld>
             <a:endParaRPr lang="es-CO"/>
           </a:p>
@@ -9911,7 +10694,7 @@
           <a:p>
             <a:fld id="{6B86245D-015E-46AE-96CC-32E8A5E9A1DF}" type="datetimeFigureOut">
               <a:rPr lang="es-CO" smtClean="0"/>
-              <a:t>25/03/2025</a:t>
+              <a:t>4/04/2025</a:t>
             </a:fld>
             <a:endParaRPr lang="es-CO"/>
           </a:p>
@@ -10103,7 +10886,7 @@
           <a:p>
             <a:fld id="{6B86245D-015E-46AE-96CC-32E8A5E9A1DF}" type="datetimeFigureOut">
               <a:rPr lang="es-CO" smtClean="0"/>
-              <a:t>25/03/2025</a:t>
+              <a:t>4/04/2025</a:t>
             </a:fld>
             <a:endParaRPr lang="es-CO"/>
           </a:p>
@@ -22633,7 +23416,7 @@
         </p:nvSpPr>
         <p:spPr>
           <a:xfrm>
-            <a:off x="3238960" y="3819409"/>
+            <a:off x="3250992" y="3429000"/>
             <a:ext cx="8111168" cy="2308324"/>
           </a:xfrm>
           <a:prstGeom prst="rect">
@@ -22831,6 +23614,1097 @@
 </p:sld>
 </file>
 
+<file path=ppt/slides/slide56.xml><?xml version="1.0" encoding="utf-8"?>
+<p:sld xmlns:a="http://schemas.openxmlformats.org/drawingml/2006/main" xmlns:r="http://schemas.openxmlformats.org/officeDocument/2006/relationships" xmlns:p="http://schemas.openxmlformats.org/presentationml/2006/main">
+  <p:cSld>
+    <p:spTree>
+      <p:nvGrpSpPr>
+        <p:cNvPr id="1" name=""/>
+        <p:cNvGrpSpPr/>
+        <p:nvPr/>
+      </p:nvGrpSpPr>
+      <p:grpSpPr>
+        <a:xfrm>
+          <a:off x="0" y="0"/>
+          <a:ext cx="0" cy="0"/>
+          <a:chOff x="0" y="0"/>
+          <a:chExt cx="0" cy="0"/>
+        </a:xfrm>
+      </p:grpSpPr>
+      <p:sp>
+        <p:nvSpPr>
+          <p:cNvPr id="3" name="CuadroTexto 2">
+            <a:extLst>
+              <a:ext uri="{FF2B5EF4-FFF2-40B4-BE49-F238E27FC236}">
+                <a16:creationId xmlns:a16="http://schemas.microsoft.com/office/drawing/2014/main" id="{B4F735A7-3764-4896-B035-2A5601CCCE56}"/>
+              </a:ext>
+            </a:extLst>
+          </p:cNvPr>
+          <p:cNvSpPr txBox="1"/>
+          <p:nvPr/>
+        </p:nvSpPr>
+        <p:spPr>
+          <a:xfrm>
+            <a:off x="748965" y="874113"/>
+            <a:ext cx="6093994" cy="584775"/>
+          </a:xfrm>
+          <a:prstGeom prst="rect">
+            <a:avLst/>
+          </a:prstGeom>
+          <a:noFill/>
+        </p:spPr>
+        <p:txBody>
+          <a:bodyPr wrap="square">
+            <a:spAutoFit/>
+          </a:bodyPr>
+          <a:lstStyle/>
+          <a:p>
+            <a:r>
+              <a:rPr lang="es-419" sz="3200" dirty="0"/>
+              <a:t>Patrón </a:t>
+            </a:r>
+            <a:r>
+              <a:rPr lang="es-419" sz="3200" dirty="0" err="1"/>
+              <a:t>Unit</a:t>
+            </a:r>
+            <a:r>
+              <a:rPr lang="es-419" sz="3200" dirty="0"/>
+              <a:t> </a:t>
+            </a:r>
+            <a:r>
+              <a:rPr lang="es-419" sz="3200" dirty="0" err="1"/>
+              <a:t>of</a:t>
+            </a:r>
+            <a:r>
+              <a:rPr lang="es-419" sz="3200" dirty="0"/>
+              <a:t> </a:t>
+            </a:r>
+            <a:r>
+              <a:rPr lang="es-419" sz="3200" dirty="0" err="1"/>
+              <a:t>Work</a:t>
+            </a:r>
+            <a:endParaRPr lang="es-419" sz="3200" dirty="0"/>
+          </a:p>
+        </p:txBody>
+      </p:sp>
+      <p:sp>
+        <p:nvSpPr>
+          <p:cNvPr id="5" name="CuadroTexto 4">
+            <a:extLst>
+              <a:ext uri="{FF2B5EF4-FFF2-40B4-BE49-F238E27FC236}">
+                <a16:creationId xmlns:a16="http://schemas.microsoft.com/office/drawing/2014/main" id="{E6EA9E42-F1C1-4F3D-B8BB-2D07E55EB482}"/>
+              </a:ext>
+            </a:extLst>
+          </p:cNvPr>
+          <p:cNvSpPr txBox="1"/>
+          <p:nvPr/>
+        </p:nvSpPr>
+        <p:spPr>
+          <a:xfrm>
+            <a:off x="1007641" y="1704019"/>
+            <a:ext cx="9886951" cy="1754326"/>
+          </a:xfrm>
+          <a:prstGeom prst="rect">
+            <a:avLst/>
+          </a:prstGeom>
+          <a:noFill/>
+        </p:spPr>
+        <p:txBody>
+          <a:bodyPr wrap="square">
+            <a:spAutoFit/>
+          </a:bodyPr>
+          <a:lstStyle/>
+          <a:p>
+            <a:r>
+              <a:rPr lang="es-ES" dirty="0"/>
+              <a:t>Es una abstracción que agrupa múltiples operaciones de escritura (</a:t>
+            </a:r>
+            <a:r>
+              <a:rPr lang="es-ES" dirty="0" err="1"/>
+              <a:t>insert</a:t>
+            </a:r>
+            <a:r>
+              <a:rPr lang="es-ES" dirty="0"/>
+              <a:t>, </a:t>
+            </a:r>
+            <a:r>
+              <a:rPr lang="es-ES" dirty="0" err="1"/>
+              <a:t>update</a:t>
+            </a:r>
+            <a:r>
+              <a:rPr lang="es-ES" dirty="0"/>
+              <a:t>, </a:t>
+            </a:r>
+            <a:r>
+              <a:rPr lang="es-ES" dirty="0" err="1"/>
+              <a:t>delete</a:t>
+            </a:r>
+            <a:r>
+              <a:rPr lang="es-ES" dirty="0"/>
+              <a:t>) y las ejecuta juntas dentro de una única transacción.</a:t>
+            </a:r>
+          </a:p>
+          <a:p>
+            <a:endParaRPr lang="es-ES" dirty="0"/>
+          </a:p>
+          <a:p>
+            <a:pPr marL="285750" indent="-285750">
+              <a:buFont typeface="Arial" panose="020B0604020202020204" pitchFamily="34" charset="0"/>
+              <a:buChar char="•"/>
+            </a:pPr>
+            <a:r>
+              <a:rPr lang="es-ES" dirty="0"/>
+              <a:t>Evita múltiples llamadas independientes a </a:t>
+            </a:r>
+            <a:r>
+              <a:rPr lang="es-ES" dirty="0" err="1"/>
+              <a:t>SaveChanges</a:t>
+            </a:r>
+            <a:r>
+              <a:rPr lang="es-ES" dirty="0"/>
+              <a:t>().</a:t>
+            </a:r>
+          </a:p>
+          <a:p>
+            <a:pPr marL="285750" indent="-285750">
+              <a:buFont typeface="Arial" panose="020B0604020202020204" pitchFamily="34" charset="0"/>
+              <a:buChar char="•"/>
+            </a:pPr>
+            <a:r>
+              <a:rPr lang="es-ES" b="1" dirty="0">
+                <a:solidFill>
+                  <a:schemeClr val="accent6"/>
+                </a:solidFill>
+              </a:rPr>
+              <a:t>Asegura que si algo falla, se revierten todos los cambios.</a:t>
+            </a:r>
+          </a:p>
+          <a:p>
+            <a:pPr marL="285750" indent="-285750">
+              <a:buFont typeface="Arial" panose="020B0604020202020204" pitchFamily="34" charset="0"/>
+              <a:buChar char="•"/>
+            </a:pPr>
+            <a:r>
+              <a:rPr lang="es-ES" dirty="0"/>
+              <a:t>Proporciona una única puerta de salida para confirmar persistencia.</a:t>
+            </a:r>
+            <a:endParaRPr lang="es-419" dirty="0"/>
+          </a:p>
+        </p:txBody>
+      </p:sp>
+      <p:sp>
+        <p:nvSpPr>
+          <p:cNvPr id="8" name="CuadroTexto 7">
+            <a:extLst>
+              <a:ext uri="{FF2B5EF4-FFF2-40B4-BE49-F238E27FC236}">
+                <a16:creationId xmlns:a16="http://schemas.microsoft.com/office/drawing/2014/main" id="{C56D50A1-AB73-47D5-9423-20E89A7948FA}"/>
+              </a:ext>
+            </a:extLst>
+          </p:cNvPr>
+          <p:cNvSpPr txBox="1"/>
+          <p:nvPr/>
+        </p:nvSpPr>
+        <p:spPr>
+          <a:xfrm>
+            <a:off x="1007641" y="3980202"/>
+            <a:ext cx="4761500" cy="1815882"/>
+          </a:xfrm>
+          <a:prstGeom prst="rect">
+            <a:avLst/>
+          </a:prstGeom>
+          <a:noFill/>
+        </p:spPr>
+        <p:txBody>
+          <a:bodyPr wrap="square">
+            <a:spAutoFit/>
+          </a:bodyPr>
+          <a:lstStyle/>
+          <a:p>
+            <a:r>
+              <a:rPr lang="es-ES" sz="1600" dirty="0"/>
+              <a:t>Ejemplo de una tienda:</a:t>
+            </a:r>
+          </a:p>
+          <a:p>
+            <a:pPr>
+              <a:buFont typeface="Arial" panose="020B0604020202020204" pitchFamily="34" charset="0"/>
+              <a:buChar char="•"/>
+            </a:pPr>
+            <a:r>
+              <a:rPr lang="es-ES" sz="1600" dirty="0"/>
+              <a:t>🛒 Agregas productos al carrito.</a:t>
+            </a:r>
+          </a:p>
+          <a:p>
+            <a:pPr>
+              <a:buFont typeface="Arial" panose="020B0604020202020204" pitchFamily="34" charset="0"/>
+              <a:buChar char="•"/>
+            </a:pPr>
+            <a:r>
+              <a:rPr lang="es-ES" sz="1600" dirty="0"/>
+              <a:t>🧾 Se calcula el total y se emite una factura.</a:t>
+            </a:r>
+          </a:p>
+          <a:p>
+            <a:pPr>
+              <a:buFont typeface="Arial" panose="020B0604020202020204" pitchFamily="34" charset="0"/>
+              <a:buChar char="•"/>
+            </a:pPr>
+            <a:r>
+              <a:rPr lang="es-ES" sz="1600" dirty="0"/>
+              <a:t>💳 Pagas con tarjeta.</a:t>
+            </a:r>
+          </a:p>
+          <a:p>
+            <a:endParaRPr lang="es-ES" sz="1600" dirty="0"/>
+          </a:p>
+          <a:p>
+            <a:r>
+              <a:rPr lang="es-ES" sz="1600" dirty="0"/>
+              <a:t>Todo eso forma una </a:t>
+            </a:r>
+            <a:r>
+              <a:rPr lang="es-ES" sz="1600" b="1" dirty="0"/>
+              <a:t>unidad de trabajo</a:t>
+            </a:r>
+            <a:r>
+              <a:rPr lang="es-ES" sz="1600" dirty="0"/>
+              <a:t>. Si falla el pago, </a:t>
+            </a:r>
+            <a:r>
+              <a:rPr lang="es-ES" sz="1600" b="1" dirty="0"/>
+              <a:t>no se guarda la factura ni se resta el stock</a:t>
+            </a:r>
+            <a:r>
+              <a:rPr lang="es-ES" sz="1600" dirty="0"/>
+              <a:t>.</a:t>
+            </a:r>
+          </a:p>
+        </p:txBody>
+      </p:sp>
+      <p:pic>
+        <p:nvPicPr>
+          <p:cNvPr id="10" name="Imagen 9">
+            <a:extLst>
+              <a:ext uri="{FF2B5EF4-FFF2-40B4-BE49-F238E27FC236}">
+                <a16:creationId xmlns:a16="http://schemas.microsoft.com/office/drawing/2014/main" id="{C7832850-CF06-41A0-8850-BA6A022A7DCB}"/>
+              </a:ext>
+            </a:extLst>
+          </p:cNvPr>
+          <p:cNvPicPr>
+            <a:picLocks noChangeAspect="1"/>
+          </p:cNvPicPr>
+          <p:nvPr/>
+        </p:nvPicPr>
+        <p:blipFill>
+          <a:blip r:embed="rId2"/>
+          <a:stretch>
+            <a:fillRect/>
+          </a:stretch>
+        </p:blipFill>
+        <p:spPr>
+          <a:xfrm>
+            <a:off x="6587576" y="3980202"/>
+            <a:ext cx="4307016" cy="1815882"/>
+          </a:xfrm>
+          <a:prstGeom prst="rect">
+            <a:avLst/>
+          </a:prstGeom>
+        </p:spPr>
+      </p:pic>
+    </p:spTree>
+    <p:extLst>
+      <p:ext uri="{BB962C8B-B14F-4D97-AF65-F5344CB8AC3E}">
+        <p14:creationId xmlns:p14="http://schemas.microsoft.com/office/powerpoint/2010/main" val="1306722742"/>
+      </p:ext>
+    </p:extLst>
+  </p:cSld>
+  <p:clrMapOvr>
+    <a:masterClrMapping/>
+  </p:clrMapOvr>
+</p:sld>
+</file>
+
+<file path=ppt/slides/slide57.xml><?xml version="1.0" encoding="utf-8"?>
+<p:sld xmlns:a="http://schemas.openxmlformats.org/drawingml/2006/main" xmlns:r="http://schemas.openxmlformats.org/officeDocument/2006/relationships" xmlns:p="http://schemas.openxmlformats.org/presentationml/2006/main">
+  <p:cSld>
+    <p:spTree>
+      <p:nvGrpSpPr>
+        <p:cNvPr id="1" name=""/>
+        <p:cNvGrpSpPr/>
+        <p:nvPr/>
+      </p:nvGrpSpPr>
+      <p:grpSpPr>
+        <a:xfrm>
+          <a:off x="0" y="0"/>
+          <a:ext cx="0" cy="0"/>
+          <a:chOff x="0" y="0"/>
+          <a:chExt cx="0" cy="0"/>
+        </a:xfrm>
+      </p:grpSpPr>
+      <p:pic>
+        <p:nvPicPr>
+          <p:cNvPr id="3" name="Imagen 2">
+            <a:extLst>
+              <a:ext uri="{FF2B5EF4-FFF2-40B4-BE49-F238E27FC236}">
+                <a16:creationId xmlns:a16="http://schemas.microsoft.com/office/drawing/2014/main" id="{1D2AF062-77B0-466B-A4AC-D404DCCBBC05}"/>
+              </a:ext>
+            </a:extLst>
+          </p:cNvPr>
+          <p:cNvPicPr>
+            <a:picLocks noChangeAspect="1"/>
+          </p:cNvPicPr>
+          <p:nvPr/>
+        </p:nvPicPr>
+        <p:blipFill>
+          <a:blip r:embed="rId2"/>
+          <a:stretch>
+            <a:fillRect/>
+          </a:stretch>
+        </p:blipFill>
+        <p:spPr>
+          <a:xfrm>
+            <a:off x="870977" y="734377"/>
+            <a:ext cx="7967351" cy="2790876"/>
+          </a:xfrm>
+          <a:prstGeom prst="rect">
+            <a:avLst/>
+          </a:prstGeom>
+        </p:spPr>
+      </p:pic>
+      <p:pic>
+        <p:nvPicPr>
+          <p:cNvPr id="5" name="Imagen 4">
+            <a:extLst>
+              <a:ext uri="{FF2B5EF4-FFF2-40B4-BE49-F238E27FC236}">
+                <a16:creationId xmlns:a16="http://schemas.microsoft.com/office/drawing/2014/main" id="{A37B70EA-C011-4301-99E8-13A13DBFD458}"/>
+              </a:ext>
+            </a:extLst>
+          </p:cNvPr>
+          <p:cNvPicPr>
+            <a:picLocks noChangeAspect="1"/>
+          </p:cNvPicPr>
+          <p:nvPr/>
+        </p:nvPicPr>
+        <p:blipFill>
+          <a:blip r:embed="rId3"/>
+          <a:stretch>
+            <a:fillRect/>
+          </a:stretch>
+        </p:blipFill>
+        <p:spPr>
+          <a:xfrm>
+            <a:off x="3734753" y="3705276"/>
+            <a:ext cx="7096830" cy="2418347"/>
+          </a:xfrm>
+          <a:prstGeom prst="rect">
+            <a:avLst/>
+          </a:prstGeom>
+        </p:spPr>
+      </p:pic>
+    </p:spTree>
+    <p:extLst>
+      <p:ext uri="{BB962C8B-B14F-4D97-AF65-F5344CB8AC3E}">
+        <p14:creationId xmlns:p14="http://schemas.microsoft.com/office/powerpoint/2010/main" val="1370264516"/>
+      </p:ext>
+    </p:extLst>
+  </p:cSld>
+  <p:clrMapOvr>
+    <a:masterClrMapping/>
+  </p:clrMapOvr>
+</p:sld>
+</file>
+
+<file path=ppt/slides/slide58.xml><?xml version="1.0" encoding="utf-8"?>
+<p:sld xmlns:a="http://schemas.openxmlformats.org/drawingml/2006/main" xmlns:r="http://schemas.openxmlformats.org/officeDocument/2006/relationships" xmlns:p="http://schemas.openxmlformats.org/presentationml/2006/main">
+  <p:cSld>
+    <p:spTree>
+      <p:nvGrpSpPr>
+        <p:cNvPr id="1" name=""/>
+        <p:cNvGrpSpPr/>
+        <p:nvPr/>
+      </p:nvGrpSpPr>
+      <p:grpSpPr>
+        <a:xfrm>
+          <a:off x="0" y="0"/>
+          <a:ext cx="0" cy="0"/>
+          <a:chOff x="0" y="0"/>
+          <a:chExt cx="0" cy="0"/>
+        </a:xfrm>
+      </p:grpSpPr>
+      <p:sp>
+        <p:nvSpPr>
+          <p:cNvPr id="2" name="CuadroTexto 1">
+            <a:extLst>
+              <a:ext uri="{FF2B5EF4-FFF2-40B4-BE49-F238E27FC236}">
+                <a16:creationId xmlns:a16="http://schemas.microsoft.com/office/drawing/2014/main" id="{F7680DCE-1E3A-47E9-8300-719186193C83}"/>
+              </a:ext>
+            </a:extLst>
+          </p:cNvPr>
+          <p:cNvSpPr txBox="1"/>
+          <p:nvPr/>
+        </p:nvSpPr>
+        <p:spPr>
+          <a:xfrm>
+            <a:off x="748965" y="874113"/>
+            <a:ext cx="6093994" cy="584775"/>
+          </a:xfrm>
+          <a:prstGeom prst="rect">
+            <a:avLst/>
+          </a:prstGeom>
+          <a:noFill/>
+        </p:spPr>
+        <p:txBody>
+          <a:bodyPr wrap="square">
+            <a:spAutoFit/>
+          </a:bodyPr>
+          <a:lstStyle/>
+          <a:p>
+            <a:r>
+              <a:rPr lang="es-419" sz="3200" dirty="0" err="1"/>
+              <a:t>Entity</a:t>
+            </a:r>
+            <a:r>
+              <a:rPr lang="es-419" sz="3200" dirty="0"/>
+              <a:t> Framework</a:t>
+            </a:r>
+          </a:p>
+        </p:txBody>
+      </p:sp>
+      <p:sp>
+        <p:nvSpPr>
+          <p:cNvPr id="4" name="CuadroTexto 3">
+            <a:extLst>
+              <a:ext uri="{FF2B5EF4-FFF2-40B4-BE49-F238E27FC236}">
+                <a16:creationId xmlns:a16="http://schemas.microsoft.com/office/drawing/2014/main" id="{33ECDDA0-BD4F-49F2-92BD-C82369B9924A}"/>
+              </a:ext>
+            </a:extLst>
+          </p:cNvPr>
+          <p:cNvSpPr txBox="1"/>
+          <p:nvPr/>
+        </p:nvSpPr>
+        <p:spPr>
+          <a:xfrm>
+            <a:off x="708661" y="1648066"/>
+            <a:ext cx="9889566" cy="1754326"/>
+          </a:xfrm>
+          <a:prstGeom prst="rect">
+            <a:avLst/>
+          </a:prstGeom>
+          <a:noFill/>
+        </p:spPr>
+        <p:txBody>
+          <a:bodyPr wrap="square">
+            <a:spAutoFit/>
+          </a:bodyPr>
+          <a:lstStyle/>
+          <a:p>
+            <a:pPr marL="285750" indent="-285750">
+              <a:buFont typeface="Arial" panose="020B0604020202020204" pitchFamily="34" charset="0"/>
+              <a:buChar char="•"/>
+            </a:pPr>
+            <a:r>
+              <a:rPr lang="es-ES" dirty="0"/>
+              <a:t>ORM (</a:t>
+            </a:r>
+            <a:r>
+              <a:rPr lang="es-ES" dirty="0" err="1"/>
+              <a:t>Object-Relational</a:t>
+            </a:r>
+            <a:r>
+              <a:rPr lang="es-ES" dirty="0"/>
+              <a:t> </a:t>
+            </a:r>
+            <a:r>
+              <a:rPr lang="es-ES" dirty="0" err="1"/>
+              <a:t>Mapper</a:t>
+            </a:r>
+            <a:r>
+              <a:rPr lang="es-ES" dirty="0"/>
+              <a:t>) desarrollado Microsoft para .NET. </a:t>
+            </a:r>
+          </a:p>
+          <a:p>
+            <a:pPr marL="285750" indent="-285750">
+              <a:buFont typeface="Arial" panose="020B0604020202020204" pitchFamily="34" charset="0"/>
+              <a:buChar char="•"/>
+            </a:pPr>
+            <a:r>
+              <a:rPr lang="es-ES" dirty="0"/>
+              <a:t>Mapea objetos de una aplicación (clases C#) a tablas en una base de datos SQL. Soporta diferentes motores de BD.</a:t>
+            </a:r>
+          </a:p>
+          <a:p>
+            <a:pPr marL="285750" indent="-285750">
+              <a:buFont typeface="Arial" panose="020B0604020202020204" pitchFamily="34" charset="0"/>
+              <a:buChar char="•"/>
+            </a:pPr>
+            <a:r>
+              <a:rPr lang="es-ES" dirty="0"/>
+              <a:t>Se puede trabajar con datos a través del código en lugar de sentencias SQL y permite LINQ para consultar esos datos.</a:t>
+            </a:r>
+          </a:p>
+          <a:p>
+            <a:pPr marL="285750" indent="-285750">
+              <a:buFont typeface="Arial" panose="020B0604020202020204" pitchFamily="34" charset="0"/>
+              <a:buChar char="•"/>
+            </a:pPr>
+            <a:r>
+              <a:rPr lang="es-419" dirty="0"/>
+              <a:t>Facilita el mantenimiento y la migración</a:t>
+            </a:r>
+          </a:p>
+        </p:txBody>
+      </p:sp>
+      <p:sp>
+        <p:nvSpPr>
+          <p:cNvPr id="6" name="CuadroTexto 5">
+            <a:extLst>
+              <a:ext uri="{FF2B5EF4-FFF2-40B4-BE49-F238E27FC236}">
+                <a16:creationId xmlns:a16="http://schemas.microsoft.com/office/drawing/2014/main" id="{AF7940EB-FCC6-4243-9F04-1144E2496683}"/>
+              </a:ext>
+            </a:extLst>
+          </p:cNvPr>
+          <p:cNvSpPr txBox="1"/>
+          <p:nvPr/>
+        </p:nvSpPr>
+        <p:spPr>
+          <a:xfrm>
+            <a:off x="670753" y="3920960"/>
+            <a:ext cx="3125209" cy="923330"/>
+          </a:xfrm>
+          <a:prstGeom prst="rect">
+            <a:avLst/>
+          </a:prstGeom>
+        </p:spPr>
+        <p:style>
+          <a:lnRef idx="2">
+            <a:schemeClr val="accent1">
+              <a:shade val="50000"/>
+            </a:schemeClr>
+          </a:lnRef>
+          <a:fillRef idx="1">
+            <a:schemeClr val="accent1"/>
+          </a:fillRef>
+          <a:effectRef idx="0">
+            <a:schemeClr val="accent1"/>
+          </a:effectRef>
+          <a:fontRef idx="minor">
+            <a:schemeClr val="lt1"/>
+          </a:fontRef>
+        </p:style>
+        <p:txBody>
+          <a:bodyPr wrap="square">
+            <a:spAutoFit/>
+          </a:bodyPr>
+          <a:lstStyle/>
+          <a:p>
+            <a:pPr algn="l"/>
+            <a:r>
+              <a:rPr lang="es-ES" b="1" i="0" dirty="0" err="1">
+                <a:solidFill>
+                  <a:schemeClr val="bg1"/>
+                </a:solidFill>
+                <a:effectLst/>
+                <a:latin typeface="DeepSeek-CJK-patch"/>
+              </a:rPr>
+              <a:t>DbContext</a:t>
+            </a:r>
+            <a:endParaRPr lang="es-ES" b="1" i="0" dirty="0">
+              <a:solidFill>
+                <a:schemeClr val="bg1"/>
+              </a:solidFill>
+              <a:effectLst/>
+              <a:latin typeface="DeepSeek-CJK-patch"/>
+            </a:endParaRPr>
+          </a:p>
+          <a:p>
+            <a:pPr algn="l"/>
+            <a:r>
+              <a:rPr lang="es-ES" b="1" i="0" dirty="0">
+                <a:solidFill>
+                  <a:schemeClr val="bg1"/>
+                </a:solidFill>
+                <a:effectLst/>
+                <a:latin typeface="DeepSeek-CJK-patch"/>
+              </a:rPr>
+              <a:t>Sesión con la base de datos</a:t>
+            </a:r>
+            <a:r>
+              <a:rPr lang="es-ES" b="0" i="0" dirty="0">
+                <a:solidFill>
+                  <a:schemeClr val="bg1"/>
+                </a:solidFill>
+                <a:effectLst/>
+                <a:latin typeface="DeepSeek-CJK-patch"/>
+              </a:rPr>
+              <a:t>.</a:t>
+            </a:r>
+          </a:p>
+          <a:p>
+            <a:pPr algn="l"/>
+            <a:endParaRPr lang="es-ES" b="0" i="0" dirty="0">
+              <a:solidFill>
+                <a:schemeClr val="bg1"/>
+              </a:solidFill>
+              <a:effectLst/>
+              <a:latin typeface="DeepSeek-CJK-patch"/>
+            </a:endParaRPr>
+          </a:p>
+        </p:txBody>
+      </p:sp>
+      <p:sp>
+        <p:nvSpPr>
+          <p:cNvPr id="8" name="CuadroTexto 7">
+            <a:extLst>
+              <a:ext uri="{FF2B5EF4-FFF2-40B4-BE49-F238E27FC236}">
+                <a16:creationId xmlns:a16="http://schemas.microsoft.com/office/drawing/2014/main" id="{12E4338A-F7B1-408D-B519-2D52F1882C58}"/>
+              </a:ext>
+            </a:extLst>
+          </p:cNvPr>
+          <p:cNvSpPr txBox="1"/>
+          <p:nvPr/>
+        </p:nvSpPr>
+        <p:spPr>
+          <a:xfrm>
+            <a:off x="8497677" y="3920960"/>
+            <a:ext cx="3125209" cy="923330"/>
+          </a:xfrm>
+          <a:prstGeom prst="rect">
+            <a:avLst/>
+          </a:prstGeom>
+        </p:spPr>
+        <p:style>
+          <a:lnRef idx="2">
+            <a:schemeClr val="accent6">
+              <a:shade val="50000"/>
+            </a:schemeClr>
+          </a:lnRef>
+          <a:fillRef idx="1">
+            <a:schemeClr val="accent6"/>
+          </a:fillRef>
+          <a:effectRef idx="0">
+            <a:schemeClr val="accent6"/>
+          </a:effectRef>
+          <a:fontRef idx="minor">
+            <a:schemeClr val="lt1"/>
+          </a:fontRef>
+        </p:style>
+        <p:txBody>
+          <a:bodyPr wrap="square">
+            <a:spAutoFit/>
+          </a:bodyPr>
+          <a:lstStyle/>
+          <a:p>
+            <a:pPr algn="l"/>
+            <a:r>
+              <a:rPr lang="es-ES" b="1" i="0" dirty="0">
+                <a:solidFill>
+                  <a:schemeClr val="bg1"/>
+                </a:solidFill>
+                <a:effectLst/>
+                <a:latin typeface="DeepSeek-CJK-patch"/>
+              </a:rPr>
+              <a:t>Entidades (Modelos)</a:t>
+            </a:r>
+          </a:p>
+          <a:p>
+            <a:pPr algn="l"/>
+            <a:r>
+              <a:rPr lang="es-ES" b="0" i="0" dirty="0">
+                <a:solidFill>
+                  <a:schemeClr val="bg1"/>
+                </a:solidFill>
+                <a:effectLst/>
+                <a:latin typeface="DeepSeek-CJK-patch"/>
+              </a:rPr>
+              <a:t>Clases C# que representan tablas en la base de datos.</a:t>
+            </a:r>
+          </a:p>
+        </p:txBody>
+      </p:sp>
+      <p:sp>
+        <p:nvSpPr>
+          <p:cNvPr id="12" name="CuadroTexto 11">
+            <a:extLst>
+              <a:ext uri="{FF2B5EF4-FFF2-40B4-BE49-F238E27FC236}">
+                <a16:creationId xmlns:a16="http://schemas.microsoft.com/office/drawing/2014/main" id="{83C73C2B-E637-477E-98A9-BFEA12352653}"/>
+              </a:ext>
+            </a:extLst>
+          </p:cNvPr>
+          <p:cNvSpPr txBox="1"/>
+          <p:nvPr/>
+        </p:nvSpPr>
+        <p:spPr>
+          <a:xfrm>
+            <a:off x="2707395" y="5362858"/>
+            <a:ext cx="6097836" cy="923330"/>
+          </a:xfrm>
+          <a:prstGeom prst="rect">
+            <a:avLst/>
+          </a:prstGeom>
+          <a:noFill/>
+        </p:spPr>
+        <p:txBody>
+          <a:bodyPr wrap="square">
+            <a:spAutoFit/>
+          </a:bodyPr>
+          <a:lstStyle/>
+          <a:p>
+            <a:pPr algn="ctr"/>
+            <a:r>
+              <a:rPr lang="es-419" b="1" i="0" dirty="0">
+                <a:solidFill>
+                  <a:srgbClr val="404040"/>
+                </a:solidFill>
+                <a:effectLst/>
+                <a:latin typeface="DeepSeek-CJK-patch"/>
+              </a:rPr>
+              <a:t>Competidor fuerte en .NET: </a:t>
+            </a:r>
+            <a:r>
+              <a:rPr lang="es-419" b="1" i="0" dirty="0" err="1">
+                <a:solidFill>
+                  <a:srgbClr val="404040"/>
+                </a:solidFill>
+                <a:effectLst/>
+                <a:latin typeface="DeepSeek-CJK-patch"/>
+              </a:rPr>
+              <a:t>Dapper</a:t>
+            </a:r>
+            <a:r>
+              <a:rPr lang="es-419" b="1" i="0" dirty="0">
+                <a:solidFill>
+                  <a:srgbClr val="404040"/>
+                </a:solidFill>
+                <a:effectLst/>
+                <a:latin typeface="DeepSeek-CJK-patch"/>
+                <a:sym typeface="Wingdings" panose="05000000000000000000" pitchFamily="2" charset="2"/>
+              </a:rPr>
+              <a:t> </a:t>
+            </a:r>
+            <a:r>
+              <a:rPr lang="es-419" b="1" dirty="0">
+                <a:solidFill>
+                  <a:srgbClr val="404040"/>
+                </a:solidFill>
+                <a:latin typeface="DeepSeek-CJK-patch"/>
+                <a:sym typeface="Wingdings" panose="05000000000000000000" pitchFamily="2" charset="2"/>
+              </a:rPr>
+              <a:t>Se está posicionando en sistemas que necesitan alto rendimiento </a:t>
+            </a:r>
+            <a:r>
+              <a:rPr lang="es-419" b="1" dirty="0" err="1">
+                <a:solidFill>
+                  <a:srgbClr val="404040"/>
+                </a:solidFill>
+                <a:latin typeface="DeepSeek-CJK-patch"/>
+                <a:sym typeface="Wingdings" panose="05000000000000000000" pitchFamily="2" charset="2"/>
+              </a:rPr>
+              <a:t>APIs</a:t>
+            </a:r>
+            <a:r>
+              <a:rPr lang="es-419" b="1" dirty="0">
+                <a:solidFill>
+                  <a:srgbClr val="404040"/>
+                </a:solidFill>
+                <a:latin typeface="DeepSeek-CJK-patch"/>
+                <a:sym typeface="Wingdings" panose="05000000000000000000" pitchFamily="2" charset="2"/>
+              </a:rPr>
+              <a:t> con miles de </a:t>
+            </a:r>
+            <a:r>
+              <a:rPr lang="es-419" b="1" dirty="0" err="1">
+                <a:solidFill>
+                  <a:srgbClr val="404040"/>
+                </a:solidFill>
+                <a:latin typeface="DeepSeek-CJK-patch"/>
+                <a:sym typeface="Wingdings" panose="05000000000000000000" pitchFamily="2" charset="2"/>
+              </a:rPr>
+              <a:t>request</a:t>
+            </a:r>
+            <a:r>
+              <a:rPr lang="es-419" b="1" dirty="0">
+                <a:solidFill>
+                  <a:srgbClr val="404040"/>
+                </a:solidFill>
+                <a:latin typeface="DeepSeek-CJK-patch"/>
+                <a:sym typeface="Wingdings" panose="05000000000000000000" pitchFamily="2" charset="2"/>
+              </a:rPr>
+              <a:t> a data</a:t>
+            </a:r>
+            <a:endParaRPr lang="es-419" dirty="0"/>
+          </a:p>
+        </p:txBody>
+      </p:sp>
+      <p:sp>
+        <p:nvSpPr>
+          <p:cNvPr id="14" name="CuadroTexto 13">
+            <a:extLst>
+              <a:ext uri="{FF2B5EF4-FFF2-40B4-BE49-F238E27FC236}">
+                <a16:creationId xmlns:a16="http://schemas.microsoft.com/office/drawing/2014/main" id="{C88C1F31-0798-4BAF-BD2D-0C8A96942ACC}"/>
+              </a:ext>
+            </a:extLst>
+          </p:cNvPr>
+          <p:cNvSpPr txBox="1"/>
+          <p:nvPr/>
+        </p:nvSpPr>
+        <p:spPr>
+          <a:xfrm>
+            <a:off x="4465762" y="3920960"/>
+            <a:ext cx="3362115" cy="923330"/>
+          </a:xfrm>
+          <a:prstGeom prst="rect">
+            <a:avLst/>
+          </a:prstGeom>
+        </p:spPr>
+        <p:style>
+          <a:lnRef idx="2">
+            <a:schemeClr val="accent1">
+              <a:shade val="50000"/>
+            </a:schemeClr>
+          </a:lnRef>
+          <a:fillRef idx="1">
+            <a:schemeClr val="accent1"/>
+          </a:fillRef>
+          <a:effectRef idx="0">
+            <a:schemeClr val="accent1"/>
+          </a:effectRef>
+          <a:fontRef idx="minor">
+            <a:schemeClr val="lt1"/>
+          </a:fontRef>
+        </p:style>
+        <p:txBody>
+          <a:bodyPr wrap="square">
+            <a:spAutoFit/>
+          </a:bodyPr>
+          <a:lstStyle>
+            <a:defPPr>
+              <a:defRPr lang="es-419"/>
+            </a:defPPr>
+            <a:lvl1pPr>
+              <a:defRPr b="1" i="0">
+                <a:solidFill>
+                  <a:schemeClr val="bg1"/>
+                </a:solidFill>
+                <a:effectLst/>
+                <a:latin typeface="DeepSeek-CJK-patch"/>
+              </a:defRPr>
+            </a:lvl1pPr>
+            <a:lvl2pPr>
+              <a:defRPr>
+                <a:solidFill>
+                  <a:schemeClr val="lt1"/>
+                </a:solidFill>
+              </a:defRPr>
+            </a:lvl2pPr>
+            <a:lvl3pPr>
+              <a:defRPr>
+                <a:solidFill>
+                  <a:schemeClr val="lt1"/>
+                </a:solidFill>
+              </a:defRPr>
+            </a:lvl3pPr>
+            <a:lvl4pPr>
+              <a:defRPr>
+                <a:solidFill>
+                  <a:schemeClr val="lt1"/>
+                </a:solidFill>
+              </a:defRPr>
+            </a:lvl4pPr>
+            <a:lvl5pPr>
+              <a:defRPr>
+                <a:solidFill>
+                  <a:schemeClr val="lt1"/>
+                </a:solidFill>
+              </a:defRPr>
+            </a:lvl5pPr>
+            <a:lvl6pPr>
+              <a:defRPr>
+                <a:solidFill>
+                  <a:schemeClr val="lt1"/>
+                </a:solidFill>
+              </a:defRPr>
+            </a:lvl6pPr>
+            <a:lvl7pPr>
+              <a:defRPr>
+                <a:solidFill>
+                  <a:schemeClr val="lt1"/>
+                </a:solidFill>
+              </a:defRPr>
+            </a:lvl7pPr>
+            <a:lvl8pPr>
+              <a:defRPr>
+                <a:solidFill>
+                  <a:schemeClr val="lt1"/>
+                </a:solidFill>
+              </a:defRPr>
+            </a:lvl8pPr>
+            <a:lvl9pPr>
+              <a:defRPr>
+                <a:solidFill>
+                  <a:schemeClr val="lt1"/>
+                </a:solidFill>
+              </a:defRPr>
+            </a:lvl9pPr>
+          </a:lstStyle>
+          <a:p>
+            <a:r>
+              <a:rPr lang="es-ES" dirty="0" err="1"/>
+              <a:t>DbSet</a:t>
+            </a:r>
+            <a:r>
+              <a:rPr lang="es-ES" dirty="0"/>
+              <a:t>&lt;T&gt;</a:t>
+            </a:r>
+          </a:p>
+          <a:p>
+            <a:r>
+              <a:rPr lang="es-ES" dirty="0"/>
+              <a:t>Delegados de entidades que representan tablas de las BD.</a:t>
+            </a:r>
+          </a:p>
+        </p:txBody>
+      </p:sp>
+    </p:spTree>
+    <p:extLst>
+      <p:ext uri="{BB962C8B-B14F-4D97-AF65-F5344CB8AC3E}">
+        <p14:creationId xmlns:p14="http://schemas.microsoft.com/office/powerpoint/2010/main" val="1962009788"/>
+      </p:ext>
+    </p:extLst>
+  </p:cSld>
+  <p:clrMapOvr>
+    <a:masterClrMapping/>
+  </p:clrMapOvr>
+</p:sld>
+</file>
+
+<file path=ppt/slides/slide59.xml><?xml version="1.0" encoding="utf-8"?>
+<p:sld xmlns:a="http://schemas.openxmlformats.org/drawingml/2006/main" xmlns:r="http://schemas.openxmlformats.org/officeDocument/2006/relationships" xmlns:p="http://schemas.openxmlformats.org/presentationml/2006/main">
+  <p:cSld>
+    <p:spTree>
+      <p:nvGrpSpPr>
+        <p:cNvPr id="1" name=""/>
+        <p:cNvGrpSpPr/>
+        <p:nvPr/>
+      </p:nvGrpSpPr>
+      <p:grpSpPr>
+        <a:xfrm>
+          <a:off x="0" y="0"/>
+          <a:ext cx="0" cy="0"/>
+          <a:chOff x="0" y="0"/>
+          <a:chExt cx="0" cy="0"/>
+        </a:xfrm>
+      </p:grpSpPr>
+      <p:pic>
+        <p:nvPicPr>
+          <p:cNvPr id="2" name="Imagen 1">
+            <a:extLst>
+              <a:ext uri="{FF2B5EF4-FFF2-40B4-BE49-F238E27FC236}">
+                <a16:creationId xmlns:a16="http://schemas.microsoft.com/office/drawing/2014/main" id="{FD4FAAF6-01CC-44AF-83E5-D6652651B6E9}"/>
+              </a:ext>
+            </a:extLst>
+          </p:cNvPr>
+          <p:cNvPicPr>
+            <a:picLocks noChangeAspect="1"/>
+          </p:cNvPicPr>
+          <p:nvPr/>
+        </p:nvPicPr>
+        <p:blipFill>
+          <a:blip r:embed="rId2"/>
+          <a:stretch>
+            <a:fillRect/>
+          </a:stretch>
+        </p:blipFill>
+        <p:spPr>
+          <a:xfrm>
+            <a:off x="690912" y="2992783"/>
+            <a:ext cx="5405088" cy="1394169"/>
+          </a:xfrm>
+          <a:prstGeom prst="rect">
+            <a:avLst/>
+          </a:prstGeom>
+        </p:spPr>
+      </p:pic>
+      <p:sp>
+        <p:nvSpPr>
+          <p:cNvPr id="6" name="CuadroTexto 5">
+            <a:extLst>
+              <a:ext uri="{FF2B5EF4-FFF2-40B4-BE49-F238E27FC236}">
+                <a16:creationId xmlns:a16="http://schemas.microsoft.com/office/drawing/2014/main" id="{E66D03DC-F89F-4BAE-8071-EA1C264258D0}"/>
+              </a:ext>
+            </a:extLst>
+          </p:cNvPr>
+          <p:cNvSpPr txBox="1"/>
+          <p:nvPr/>
+        </p:nvSpPr>
+        <p:spPr>
+          <a:xfrm>
+            <a:off x="557111" y="661012"/>
+            <a:ext cx="9115699" cy="584775"/>
+          </a:xfrm>
+          <a:prstGeom prst="rect">
+            <a:avLst/>
+          </a:prstGeom>
+          <a:noFill/>
+        </p:spPr>
+        <p:txBody>
+          <a:bodyPr wrap="square" rtlCol="0">
+            <a:spAutoFit/>
+          </a:bodyPr>
+          <a:lstStyle/>
+          <a:p>
+            <a:r>
+              <a:rPr lang="es-ES" sz="3200" dirty="0"/>
+              <a:t>Implementación – Core (Dominio)</a:t>
+            </a:r>
+            <a:endParaRPr lang="es-419" sz="3200" dirty="0"/>
+          </a:p>
+        </p:txBody>
+      </p:sp>
+      <p:pic>
+        <p:nvPicPr>
+          <p:cNvPr id="4" name="Imagen 3">
+            <a:extLst>
+              <a:ext uri="{FF2B5EF4-FFF2-40B4-BE49-F238E27FC236}">
+                <a16:creationId xmlns:a16="http://schemas.microsoft.com/office/drawing/2014/main" id="{E926905E-74C9-4D39-9470-8547C3DD918B}"/>
+              </a:ext>
+            </a:extLst>
+          </p:cNvPr>
+          <p:cNvPicPr>
+            <a:picLocks noChangeAspect="1"/>
+          </p:cNvPicPr>
+          <p:nvPr/>
+        </p:nvPicPr>
+        <p:blipFill>
+          <a:blip r:embed="rId3"/>
+          <a:stretch>
+            <a:fillRect/>
+          </a:stretch>
+        </p:blipFill>
+        <p:spPr>
+          <a:xfrm>
+            <a:off x="6907575" y="1245787"/>
+            <a:ext cx="3800819" cy="4723264"/>
+          </a:xfrm>
+          <a:prstGeom prst="rect">
+            <a:avLst/>
+          </a:prstGeom>
+        </p:spPr>
+      </p:pic>
+    </p:spTree>
+    <p:extLst>
+      <p:ext uri="{BB962C8B-B14F-4D97-AF65-F5344CB8AC3E}">
+        <p14:creationId xmlns:p14="http://schemas.microsoft.com/office/powerpoint/2010/main" val="2060201597"/>
+      </p:ext>
+    </p:extLst>
+  </p:cSld>
+  <p:clrMapOvr>
+    <a:masterClrMapping/>
+  </p:clrMapOvr>
+</p:sld>
+</file>
+
 <file path=ppt/slides/slide6.xml><?xml version="1.0" encoding="utf-8"?>
 <p:sld xmlns:a="http://schemas.openxmlformats.org/drawingml/2006/main" xmlns:r="http://schemas.openxmlformats.org/officeDocument/2006/relationships" xmlns:p="http://schemas.openxmlformats.org/presentationml/2006/main">
   <p:cSld>
@@ -22958,6 +24832,3779 @@
   <p:clrMapOvr>
     <a:masterClrMapping/>
   </p:clrMapOvr>
+</p:sld>
+</file>
+
+<file path=ppt/slides/slide60.xml><?xml version="1.0" encoding="utf-8"?>
+<p:sld xmlns:a="http://schemas.openxmlformats.org/drawingml/2006/main" xmlns:r="http://schemas.openxmlformats.org/officeDocument/2006/relationships" xmlns:p="http://schemas.openxmlformats.org/presentationml/2006/main">
+  <p:cSld>
+    <p:spTree>
+      <p:nvGrpSpPr>
+        <p:cNvPr id="1" name=""/>
+        <p:cNvGrpSpPr/>
+        <p:nvPr/>
+      </p:nvGrpSpPr>
+      <p:grpSpPr>
+        <a:xfrm>
+          <a:off x="0" y="0"/>
+          <a:ext cx="0" cy="0"/>
+          <a:chOff x="0" y="0"/>
+          <a:chExt cx="0" cy="0"/>
+        </a:xfrm>
+      </p:grpSpPr>
+      <p:pic>
+        <p:nvPicPr>
+          <p:cNvPr id="2" name="Imagen 1">
+            <a:extLst>
+              <a:ext uri="{FF2B5EF4-FFF2-40B4-BE49-F238E27FC236}">
+                <a16:creationId xmlns:a16="http://schemas.microsoft.com/office/drawing/2014/main" id="{32C5D4A3-9EC3-4580-A536-C8B38552056F}"/>
+              </a:ext>
+            </a:extLst>
+          </p:cNvPr>
+          <p:cNvPicPr>
+            <a:picLocks noChangeAspect="1"/>
+          </p:cNvPicPr>
+          <p:nvPr/>
+        </p:nvPicPr>
+        <p:blipFill>
+          <a:blip r:embed="rId2"/>
+          <a:stretch>
+            <a:fillRect/>
+          </a:stretch>
+        </p:blipFill>
+        <p:spPr>
+          <a:xfrm>
+            <a:off x="3525397" y="1067368"/>
+            <a:ext cx="3800819" cy="4723264"/>
+          </a:xfrm>
+          <a:prstGeom prst="rect">
+            <a:avLst/>
+          </a:prstGeom>
+        </p:spPr>
+      </p:pic>
+      <p:cxnSp>
+        <p:nvCxnSpPr>
+          <p:cNvPr id="4" name="Conector recto de flecha 3">
+            <a:extLst>
+              <a:ext uri="{FF2B5EF4-FFF2-40B4-BE49-F238E27FC236}">
+                <a16:creationId xmlns:a16="http://schemas.microsoft.com/office/drawing/2014/main" id="{ED200AAC-3B01-4ED1-9CF3-883E265E3FF5}"/>
+              </a:ext>
+            </a:extLst>
+          </p:cNvPr>
+          <p:cNvCxnSpPr>
+            <a:cxnSpLocks/>
+          </p:cNvCxnSpPr>
+          <p:nvPr/>
+        </p:nvCxnSpPr>
+        <p:spPr>
+          <a:xfrm flipV="1">
+            <a:off x="5816906" y="4101579"/>
+            <a:ext cx="1726435" cy="1"/>
+          </a:xfrm>
+          <a:prstGeom prst="straightConnector1">
+            <a:avLst/>
+          </a:prstGeom>
+          <a:ln>
+            <a:tailEnd type="triangle"/>
+          </a:ln>
+        </p:spPr>
+        <p:style>
+          <a:lnRef idx="1">
+            <a:schemeClr val="accent1"/>
+          </a:lnRef>
+          <a:fillRef idx="0">
+            <a:schemeClr val="accent1"/>
+          </a:fillRef>
+          <a:effectRef idx="0">
+            <a:schemeClr val="accent1"/>
+          </a:effectRef>
+          <a:fontRef idx="minor">
+            <a:schemeClr val="tx1"/>
+          </a:fontRef>
+        </p:style>
+      </p:cxnSp>
+      <p:sp>
+        <p:nvSpPr>
+          <p:cNvPr id="6" name="CuadroTexto 5">
+            <a:extLst>
+              <a:ext uri="{FF2B5EF4-FFF2-40B4-BE49-F238E27FC236}">
+                <a16:creationId xmlns:a16="http://schemas.microsoft.com/office/drawing/2014/main" id="{65CD3ABF-88A4-4FDF-BC99-A22469B21ED8}"/>
+              </a:ext>
+            </a:extLst>
+          </p:cNvPr>
+          <p:cNvSpPr txBox="1"/>
+          <p:nvPr/>
+        </p:nvSpPr>
+        <p:spPr>
+          <a:xfrm>
+            <a:off x="7646395" y="3017440"/>
+            <a:ext cx="4376909" cy="738664"/>
+          </a:xfrm>
+          <a:prstGeom prst="rect">
+            <a:avLst/>
+          </a:prstGeom>
+          <a:noFill/>
+        </p:spPr>
+        <p:txBody>
+          <a:bodyPr wrap="square">
+            <a:spAutoFit/>
+          </a:bodyPr>
+          <a:lstStyle/>
+          <a:p>
+            <a:r>
+              <a:rPr lang="es-ES" sz="1400" dirty="0"/>
+              <a:t>Se define al lado del dominio para usarla, se implementa en infraestructura en el servicio de Caché y se usa en el repositorio de clientes</a:t>
+            </a:r>
+            <a:endParaRPr lang="es-419" sz="1400" dirty="0"/>
+          </a:p>
+        </p:txBody>
+      </p:sp>
+      <p:cxnSp>
+        <p:nvCxnSpPr>
+          <p:cNvPr id="7" name="Conector recto de flecha 6">
+            <a:extLst>
+              <a:ext uri="{FF2B5EF4-FFF2-40B4-BE49-F238E27FC236}">
+                <a16:creationId xmlns:a16="http://schemas.microsoft.com/office/drawing/2014/main" id="{76B6901E-4889-44A0-82C1-7F30A58E9C5B}"/>
+              </a:ext>
+            </a:extLst>
+          </p:cNvPr>
+          <p:cNvCxnSpPr>
+            <a:cxnSpLocks/>
+            <a:endCxn id="6" idx="1"/>
+          </p:cNvCxnSpPr>
+          <p:nvPr/>
+        </p:nvCxnSpPr>
+        <p:spPr>
+          <a:xfrm>
+            <a:off x="5919961" y="3279052"/>
+            <a:ext cx="1726434" cy="1326"/>
+          </a:xfrm>
+          <a:prstGeom prst="straightConnector1">
+            <a:avLst/>
+          </a:prstGeom>
+          <a:ln>
+            <a:tailEnd type="triangle"/>
+          </a:ln>
+        </p:spPr>
+        <p:style>
+          <a:lnRef idx="1">
+            <a:schemeClr val="accent1"/>
+          </a:lnRef>
+          <a:fillRef idx="0">
+            <a:schemeClr val="accent1"/>
+          </a:fillRef>
+          <a:effectRef idx="0">
+            <a:schemeClr val="accent1"/>
+          </a:effectRef>
+          <a:fontRef idx="minor">
+            <a:schemeClr val="tx1"/>
+          </a:fontRef>
+        </p:style>
+      </p:cxnSp>
+      <p:sp>
+        <p:nvSpPr>
+          <p:cNvPr id="9" name="CuadroTexto 8">
+            <a:extLst>
+              <a:ext uri="{FF2B5EF4-FFF2-40B4-BE49-F238E27FC236}">
+                <a16:creationId xmlns:a16="http://schemas.microsoft.com/office/drawing/2014/main" id="{7C3661A7-0CF8-4377-99F0-15BD65AD79B7}"/>
+              </a:ext>
+            </a:extLst>
+          </p:cNvPr>
+          <p:cNvSpPr txBox="1"/>
+          <p:nvPr/>
+        </p:nvSpPr>
+        <p:spPr>
+          <a:xfrm>
+            <a:off x="7646395" y="3839969"/>
+            <a:ext cx="4376909" cy="738664"/>
+          </a:xfrm>
+          <a:prstGeom prst="rect">
+            <a:avLst/>
+          </a:prstGeom>
+          <a:noFill/>
+        </p:spPr>
+        <p:txBody>
+          <a:bodyPr wrap="square">
+            <a:spAutoFit/>
+          </a:bodyPr>
+          <a:lstStyle/>
+          <a:p>
+            <a:r>
+              <a:rPr lang="es-ES" sz="1400" dirty="0"/>
+              <a:t>Se define al lado del dominio para usarla, se implementa en infraestructura y lo usan los controladores y los </a:t>
+            </a:r>
+            <a:r>
+              <a:rPr lang="es-ES" sz="1400" dirty="0" err="1"/>
+              <a:t>handlers</a:t>
+            </a:r>
+            <a:endParaRPr lang="es-419" sz="1400" dirty="0"/>
+          </a:p>
+        </p:txBody>
+      </p:sp>
+      <p:cxnSp>
+        <p:nvCxnSpPr>
+          <p:cNvPr id="10" name="Conector recto de flecha 9">
+            <a:extLst>
+              <a:ext uri="{FF2B5EF4-FFF2-40B4-BE49-F238E27FC236}">
+                <a16:creationId xmlns:a16="http://schemas.microsoft.com/office/drawing/2014/main" id="{B6D57FB5-D285-412A-A302-299D2DFCFFF4}"/>
+              </a:ext>
+            </a:extLst>
+          </p:cNvPr>
+          <p:cNvCxnSpPr>
+            <a:cxnSpLocks/>
+          </p:cNvCxnSpPr>
+          <p:nvPr/>
+        </p:nvCxnSpPr>
+        <p:spPr>
+          <a:xfrm flipH="1">
+            <a:off x="2774417" y="3575514"/>
+            <a:ext cx="1189822" cy="0"/>
+          </a:xfrm>
+          <a:prstGeom prst="straightConnector1">
+            <a:avLst/>
+          </a:prstGeom>
+          <a:ln>
+            <a:tailEnd type="triangle"/>
+          </a:ln>
+        </p:spPr>
+        <p:style>
+          <a:lnRef idx="1">
+            <a:schemeClr val="accent1"/>
+          </a:lnRef>
+          <a:fillRef idx="0">
+            <a:schemeClr val="accent1"/>
+          </a:fillRef>
+          <a:effectRef idx="0">
+            <a:schemeClr val="accent1"/>
+          </a:effectRef>
+          <a:fontRef idx="minor">
+            <a:schemeClr val="tx1"/>
+          </a:fontRef>
+        </p:style>
+      </p:cxnSp>
+      <p:sp>
+        <p:nvSpPr>
+          <p:cNvPr id="12" name="CuadroTexto 11">
+            <a:extLst>
+              <a:ext uri="{FF2B5EF4-FFF2-40B4-BE49-F238E27FC236}">
+                <a16:creationId xmlns:a16="http://schemas.microsoft.com/office/drawing/2014/main" id="{7F35B89D-6974-4B56-A1F2-1965FDAE0DE9}"/>
+              </a:ext>
+            </a:extLst>
+          </p:cNvPr>
+          <p:cNvSpPr txBox="1"/>
+          <p:nvPr/>
+        </p:nvSpPr>
+        <p:spPr>
+          <a:xfrm>
+            <a:off x="123250" y="3275437"/>
+            <a:ext cx="3078756" cy="954107"/>
+          </a:xfrm>
+          <a:prstGeom prst="rect">
+            <a:avLst/>
+          </a:prstGeom>
+          <a:noFill/>
+        </p:spPr>
+        <p:txBody>
+          <a:bodyPr wrap="square">
+            <a:spAutoFit/>
+          </a:bodyPr>
+          <a:lstStyle/>
+          <a:p>
+            <a:r>
+              <a:rPr lang="es-ES" sz="1400" dirty="0"/>
+              <a:t>Se define al lado del dominio para usarla, se implementa en infraestructura y lo usan los controladores y cada repositorio</a:t>
+            </a:r>
+            <a:endParaRPr lang="es-419" sz="1400" dirty="0"/>
+          </a:p>
+        </p:txBody>
+      </p:sp>
+      <p:cxnSp>
+        <p:nvCxnSpPr>
+          <p:cNvPr id="17" name="Conector recto de flecha 16">
+            <a:extLst>
+              <a:ext uri="{FF2B5EF4-FFF2-40B4-BE49-F238E27FC236}">
+                <a16:creationId xmlns:a16="http://schemas.microsoft.com/office/drawing/2014/main" id="{4FE1ACF8-6329-4CDC-BE35-BF02F18766E6}"/>
+              </a:ext>
+            </a:extLst>
+          </p:cNvPr>
+          <p:cNvCxnSpPr/>
+          <p:nvPr/>
+        </p:nvCxnSpPr>
+        <p:spPr>
+          <a:xfrm flipH="1">
+            <a:off x="2774417" y="3839969"/>
+            <a:ext cx="1189821" cy="0"/>
+          </a:xfrm>
+          <a:prstGeom prst="straightConnector1">
+            <a:avLst/>
+          </a:prstGeom>
+          <a:ln>
+            <a:tailEnd type="triangle"/>
+          </a:ln>
+        </p:spPr>
+        <p:style>
+          <a:lnRef idx="1">
+            <a:schemeClr val="accent1"/>
+          </a:lnRef>
+          <a:fillRef idx="0">
+            <a:schemeClr val="accent1"/>
+          </a:fillRef>
+          <a:effectRef idx="0">
+            <a:schemeClr val="accent1"/>
+          </a:effectRef>
+          <a:fontRef idx="minor">
+            <a:schemeClr val="tx1"/>
+          </a:fontRef>
+        </p:style>
+      </p:cxnSp>
+      <p:cxnSp>
+        <p:nvCxnSpPr>
+          <p:cNvPr id="21" name="Conector recto de flecha 20">
+            <a:extLst>
+              <a:ext uri="{FF2B5EF4-FFF2-40B4-BE49-F238E27FC236}">
+                <a16:creationId xmlns:a16="http://schemas.microsoft.com/office/drawing/2014/main" id="{D6DAC5E4-D606-4500-BC6A-F76E2EBD6452}"/>
+              </a:ext>
+            </a:extLst>
+          </p:cNvPr>
+          <p:cNvCxnSpPr>
+            <a:cxnSpLocks/>
+          </p:cNvCxnSpPr>
+          <p:nvPr/>
+        </p:nvCxnSpPr>
+        <p:spPr>
+          <a:xfrm>
+            <a:off x="6477917" y="4585266"/>
+            <a:ext cx="1065424" cy="118936"/>
+          </a:xfrm>
+          <a:prstGeom prst="straightConnector1">
+            <a:avLst/>
+          </a:prstGeom>
+          <a:ln>
+            <a:tailEnd type="triangle"/>
+          </a:ln>
+        </p:spPr>
+        <p:style>
+          <a:lnRef idx="1">
+            <a:schemeClr val="accent1"/>
+          </a:lnRef>
+          <a:fillRef idx="0">
+            <a:schemeClr val="accent1"/>
+          </a:fillRef>
+          <a:effectRef idx="0">
+            <a:schemeClr val="accent1"/>
+          </a:effectRef>
+          <a:fontRef idx="minor">
+            <a:schemeClr val="tx1"/>
+          </a:fontRef>
+        </p:style>
+      </p:cxnSp>
+      <p:sp>
+        <p:nvSpPr>
+          <p:cNvPr id="24" name="CuadroTexto 23">
+            <a:extLst>
+              <a:ext uri="{FF2B5EF4-FFF2-40B4-BE49-F238E27FC236}">
+                <a16:creationId xmlns:a16="http://schemas.microsoft.com/office/drawing/2014/main" id="{7F84C078-498D-474B-9140-07F31BE4F3BC}"/>
+              </a:ext>
+            </a:extLst>
+          </p:cNvPr>
+          <p:cNvSpPr txBox="1"/>
+          <p:nvPr/>
+        </p:nvSpPr>
+        <p:spPr>
+          <a:xfrm>
+            <a:off x="7646394" y="4585266"/>
+            <a:ext cx="4376909" cy="738664"/>
+          </a:xfrm>
+          <a:prstGeom prst="rect">
+            <a:avLst/>
+          </a:prstGeom>
+          <a:noFill/>
+        </p:spPr>
+        <p:txBody>
+          <a:bodyPr wrap="square">
+            <a:spAutoFit/>
+          </a:bodyPr>
+          <a:lstStyle/>
+          <a:p>
+            <a:r>
+              <a:rPr lang="es-ES" sz="1400" dirty="0"/>
+              <a:t>Servicio que devuelve la lista de cuotas de acuerdo con la regla de negocio y es accedido a través del </a:t>
+            </a:r>
+            <a:r>
+              <a:rPr lang="es-ES" sz="1400" dirty="0" err="1"/>
+              <a:t>controller</a:t>
+            </a:r>
+            <a:r>
+              <a:rPr lang="es-ES" sz="1400" dirty="0"/>
+              <a:t> de préstamos</a:t>
+            </a:r>
+            <a:endParaRPr lang="es-419" sz="1400" dirty="0"/>
+          </a:p>
+        </p:txBody>
+      </p:sp>
+      <p:sp>
+        <p:nvSpPr>
+          <p:cNvPr id="25" name="CuadroTexto 24">
+            <a:extLst>
+              <a:ext uri="{FF2B5EF4-FFF2-40B4-BE49-F238E27FC236}">
+                <a16:creationId xmlns:a16="http://schemas.microsoft.com/office/drawing/2014/main" id="{8F6D5A9B-848D-4D4D-8CDA-6E78207219D8}"/>
+              </a:ext>
+            </a:extLst>
+          </p:cNvPr>
+          <p:cNvSpPr txBox="1"/>
+          <p:nvPr/>
+        </p:nvSpPr>
+        <p:spPr>
+          <a:xfrm>
+            <a:off x="123250" y="4578633"/>
+            <a:ext cx="3078756" cy="954107"/>
+          </a:xfrm>
+          <a:prstGeom prst="rect">
+            <a:avLst/>
+          </a:prstGeom>
+          <a:noFill/>
+        </p:spPr>
+        <p:txBody>
+          <a:bodyPr wrap="square">
+            <a:spAutoFit/>
+          </a:bodyPr>
+          <a:lstStyle/>
+          <a:p>
+            <a:r>
+              <a:rPr lang="es-ES" sz="1400" dirty="0"/>
+              <a:t>Servicio que devuelve la lista de cuotas de acuerdo con la regla de negocio y es accedido a través del </a:t>
+            </a:r>
+            <a:r>
+              <a:rPr lang="es-ES" sz="1400" dirty="0" err="1"/>
+              <a:t>controller</a:t>
+            </a:r>
+            <a:r>
+              <a:rPr lang="es-ES" sz="1400" dirty="0"/>
+              <a:t> de préstamos</a:t>
+            </a:r>
+            <a:endParaRPr lang="es-419" sz="1400" dirty="0"/>
+          </a:p>
+        </p:txBody>
+      </p:sp>
+      <p:cxnSp>
+        <p:nvCxnSpPr>
+          <p:cNvPr id="27" name="Conector recto de flecha 26">
+            <a:extLst>
+              <a:ext uri="{FF2B5EF4-FFF2-40B4-BE49-F238E27FC236}">
+                <a16:creationId xmlns:a16="http://schemas.microsoft.com/office/drawing/2014/main" id="{69BB430E-B835-428A-B5ED-C8785260061F}"/>
+              </a:ext>
+            </a:extLst>
+          </p:cNvPr>
+          <p:cNvCxnSpPr/>
+          <p:nvPr/>
+        </p:nvCxnSpPr>
+        <p:spPr>
+          <a:xfrm flipH="1">
+            <a:off x="3117773" y="4869455"/>
+            <a:ext cx="846465" cy="0"/>
+          </a:xfrm>
+          <a:prstGeom prst="straightConnector1">
+            <a:avLst/>
+          </a:prstGeom>
+          <a:ln>
+            <a:tailEnd type="triangle"/>
+          </a:ln>
+        </p:spPr>
+        <p:style>
+          <a:lnRef idx="1">
+            <a:schemeClr val="accent1"/>
+          </a:lnRef>
+          <a:fillRef idx="0">
+            <a:schemeClr val="accent1"/>
+          </a:fillRef>
+          <a:effectRef idx="0">
+            <a:schemeClr val="accent1"/>
+          </a:effectRef>
+          <a:fontRef idx="minor">
+            <a:schemeClr val="tx1"/>
+          </a:fontRef>
+        </p:style>
+      </p:cxnSp>
+      <p:cxnSp>
+        <p:nvCxnSpPr>
+          <p:cNvPr id="29" name="Conector recto de flecha 28">
+            <a:extLst>
+              <a:ext uri="{FF2B5EF4-FFF2-40B4-BE49-F238E27FC236}">
+                <a16:creationId xmlns:a16="http://schemas.microsoft.com/office/drawing/2014/main" id="{6ADE57CC-58C6-416B-80B7-50770D569377}"/>
+              </a:ext>
+            </a:extLst>
+          </p:cNvPr>
+          <p:cNvCxnSpPr/>
+          <p:nvPr/>
+        </p:nvCxnSpPr>
+        <p:spPr>
+          <a:xfrm flipH="1">
+            <a:off x="3117773" y="5155894"/>
+            <a:ext cx="749147" cy="376846"/>
+          </a:xfrm>
+          <a:prstGeom prst="straightConnector1">
+            <a:avLst/>
+          </a:prstGeom>
+          <a:ln>
+            <a:tailEnd type="triangle"/>
+          </a:ln>
+        </p:spPr>
+        <p:style>
+          <a:lnRef idx="1">
+            <a:schemeClr val="accent1"/>
+          </a:lnRef>
+          <a:fillRef idx="0">
+            <a:schemeClr val="accent1"/>
+          </a:fillRef>
+          <a:effectRef idx="0">
+            <a:schemeClr val="accent1"/>
+          </a:effectRef>
+          <a:fontRef idx="minor">
+            <a:schemeClr val="tx1"/>
+          </a:fontRef>
+        </p:style>
+      </p:cxnSp>
+      <p:sp>
+        <p:nvSpPr>
+          <p:cNvPr id="31" name="CuadroTexto 30">
+            <a:extLst>
+              <a:ext uri="{FF2B5EF4-FFF2-40B4-BE49-F238E27FC236}">
+                <a16:creationId xmlns:a16="http://schemas.microsoft.com/office/drawing/2014/main" id="{11C47AB2-EEF2-4239-B0FE-F7C0821CBFC8}"/>
+              </a:ext>
+            </a:extLst>
+          </p:cNvPr>
+          <p:cNvSpPr txBox="1"/>
+          <p:nvPr/>
+        </p:nvSpPr>
+        <p:spPr>
+          <a:xfrm>
+            <a:off x="1884341" y="5537668"/>
+            <a:ext cx="1608005" cy="318295"/>
+          </a:xfrm>
+          <a:prstGeom prst="rect">
+            <a:avLst/>
+          </a:prstGeom>
+          <a:noFill/>
+        </p:spPr>
+        <p:txBody>
+          <a:bodyPr wrap="square">
+            <a:spAutoFit/>
+          </a:bodyPr>
+          <a:lstStyle/>
+          <a:p>
+            <a:r>
+              <a:rPr lang="es-ES" sz="1400" dirty="0"/>
+              <a:t>Sin implementar…</a:t>
+            </a:r>
+            <a:endParaRPr lang="es-419" sz="1400" dirty="0"/>
+          </a:p>
+        </p:txBody>
+      </p:sp>
+      <p:cxnSp>
+        <p:nvCxnSpPr>
+          <p:cNvPr id="33" name="Conector recto de flecha 32">
+            <a:extLst>
+              <a:ext uri="{FF2B5EF4-FFF2-40B4-BE49-F238E27FC236}">
+                <a16:creationId xmlns:a16="http://schemas.microsoft.com/office/drawing/2014/main" id="{969E99F3-EB27-4993-90BE-BE3B98F686B3}"/>
+              </a:ext>
+            </a:extLst>
+          </p:cNvPr>
+          <p:cNvCxnSpPr>
+            <a:cxnSpLocks/>
+          </p:cNvCxnSpPr>
+          <p:nvPr/>
+        </p:nvCxnSpPr>
+        <p:spPr>
+          <a:xfrm>
+            <a:off x="5607586" y="5696815"/>
+            <a:ext cx="1935755" cy="0"/>
+          </a:xfrm>
+          <a:prstGeom prst="straightConnector1">
+            <a:avLst/>
+          </a:prstGeom>
+          <a:ln>
+            <a:tailEnd type="triangle"/>
+          </a:ln>
+        </p:spPr>
+        <p:style>
+          <a:lnRef idx="1">
+            <a:schemeClr val="accent1"/>
+          </a:lnRef>
+          <a:fillRef idx="0">
+            <a:schemeClr val="accent1"/>
+          </a:fillRef>
+          <a:effectRef idx="0">
+            <a:schemeClr val="accent1"/>
+          </a:effectRef>
+          <a:fontRef idx="minor">
+            <a:schemeClr val="tx1"/>
+          </a:fontRef>
+        </p:style>
+      </p:cxnSp>
+      <p:sp>
+        <p:nvSpPr>
+          <p:cNvPr id="35" name="CuadroTexto 34">
+            <a:extLst>
+              <a:ext uri="{FF2B5EF4-FFF2-40B4-BE49-F238E27FC236}">
+                <a16:creationId xmlns:a16="http://schemas.microsoft.com/office/drawing/2014/main" id="{9224F9BA-31C0-4135-8848-B63DF7046B8B}"/>
+              </a:ext>
+            </a:extLst>
+          </p:cNvPr>
+          <p:cNvSpPr txBox="1"/>
+          <p:nvPr/>
+        </p:nvSpPr>
+        <p:spPr>
+          <a:xfrm>
+            <a:off x="7543341" y="5514189"/>
+            <a:ext cx="4648659" cy="738664"/>
+          </a:xfrm>
+          <a:prstGeom prst="rect">
+            <a:avLst/>
+          </a:prstGeom>
+          <a:noFill/>
+        </p:spPr>
+        <p:txBody>
+          <a:bodyPr wrap="square">
+            <a:spAutoFit/>
+          </a:bodyPr>
+          <a:lstStyle/>
+          <a:p>
+            <a:r>
+              <a:rPr lang="es-ES" sz="1400" dirty="0"/>
+              <a:t>La usa el agregado </a:t>
+            </a:r>
+            <a:r>
+              <a:rPr lang="es-ES" sz="1400" dirty="0" err="1"/>
+              <a:t>prestamo</a:t>
+            </a:r>
+            <a:r>
+              <a:rPr lang="es-ES" sz="1400" dirty="0"/>
+              <a:t> y el servicio calculo de cuotas, para </a:t>
+            </a:r>
+            <a:r>
+              <a:rPr lang="es-419" sz="1400" b="0" i="0" dirty="0">
+                <a:solidFill>
+                  <a:srgbClr val="404040"/>
+                </a:solidFill>
+                <a:effectLst/>
+                <a:latin typeface="DeepSeek-CJK-patch"/>
+              </a:rPr>
+              <a:t>encapsular internamente, la lógica de negocio  y mantener consistencia </a:t>
+            </a:r>
+            <a:r>
+              <a:rPr lang="es-ES" sz="1400" dirty="0"/>
+              <a:t>  </a:t>
+            </a:r>
+            <a:endParaRPr lang="es-419" sz="1400" dirty="0"/>
+          </a:p>
+        </p:txBody>
+      </p:sp>
+      <p:sp>
+        <p:nvSpPr>
+          <p:cNvPr id="37" name="CuadroTexto 36">
+            <a:extLst>
+              <a:ext uri="{FF2B5EF4-FFF2-40B4-BE49-F238E27FC236}">
+                <a16:creationId xmlns:a16="http://schemas.microsoft.com/office/drawing/2014/main" id="{B28F3D03-B821-4A3C-AA3B-CE4C620837C0}"/>
+              </a:ext>
+            </a:extLst>
+          </p:cNvPr>
+          <p:cNvSpPr txBox="1"/>
+          <p:nvPr/>
+        </p:nvSpPr>
+        <p:spPr>
+          <a:xfrm>
+            <a:off x="7646394" y="2236844"/>
+            <a:ext cx="4053519" cy="738664"/>
+          </a:xfrm>
+          <a:prstGeom prst="rect">
+            <a:avLst/>
+          </a:prstGeom>
+          <a:noFill/>
+        </p:spPr>
+        <p:txBody>
+          <a:bodyPr wrap="square">
+            <a:spAutoFit/>
+          </a:bodyPr>
+          <a:lstStyle/>
+          <a:p>
+            <a:r>
+              <a:rPr lang="es-ES" sz="1400" dirty="0"/>
+              <a:t>Por definir, se me ocurre un Publisher que avise a una entidad suscriptora Desembolso, los créditos aprobados </a:t>
+            </a:r>
+            <a:endParaRPr lang="es-419" sz="1400" dirty="0"/>
+          </a:p>
+        </p:txBody>
+      </p:sp>
+      <p:cxnSp>
+        <p:nvCxnSpPr>
+          <p:cNvPr id="39" name="Conector recto de flecha 38">
+            <a:extLst>
+              <a:ext uri="{FF2B5EF4-FFF2-40B4-BE49-F238E27FC236}">
+                <a16:creationId xmlns:a16="http://schemas.microsoft.com/office/drawing/2014/main" id="{61C2B725-D23D-49C0-A253-34137DFE7586}"/>
+              </a:ext>
+            </a:extLst>
+          </p:cNvPr>
+          <p:cNvCxnSpPr>
+            <a:cxnSpLocks/>
+            <a:endCxn id="37" idx="1"/>
+          </p:cNvCxnSpPr>
+          <p:nvPr/>
+        </p:nvCxnSpPr>
+        <p:spPr>
+          <a:xfrm flipV="1">
+            <a:off x="4979624" y="2606176"/>
+            <a:ext cx="2666770" cy="241180"/>
+          </a:xfrm>
+          <a:prstGeom prst="straightConnector1">
+            <a:avLst/>
+          </a:prstGeom>
+          <a:ln>
+            <a:tailEnd type="triangle"/>
+          </a:ln>
+        </p:spPr>
+        <p:style>
+          <a:lnRef idx="1">
+            <a:schemeClr val="accent1"/>
+          </a:lnRef>
+          <a:fillRef idx="0">
+            <a:schemeClr val="accent1"/>
+          </a:fillRef>
+          <a:effectRef idx="0">
+            <a:schemeClr val="accent1"/>
+          </a:effectRef>
+          <a:fontRef idx="minor">
+            <a:schemeClr val="tx1"/>
+          </a:fontRef>
+        </p:style>
+      </p:cxnSp>
+    </p:spTree>
+    <p:extLst>
+      <p:ext uri="{BB962C8B-B14F-4D97-AF65-F5344CB8AC3E}">
+        <p14:creationId xmlns:p14="http://schemas.microsoft.com/office/powerpoint/2010/main" val="1421089093"/>
+      </p:ext>
+    </p:extLst>
+  </p:cSld>
+  <p:clrMapOvr>
+    <a:masterClrMapping/>
+  </p:clrMapOvr>
+  <p:timing>
+    <p:tnLst>
+      <p:par>
+        <p:cTn id="1" dur="indefinite" restart="never" nodeType="tmRoot">
+          <p:childTnLst>
+            <p:seq concurrent="1" nextAc="seek">
+              <p:cTn id="2" dur="indefinite" nodeType="mainSeq">
+                <p:childTnLst>
+                  <p:par>
+                    <p:cTn id="3" fill="hold">
+                      <p:stCondLst>
+                        <p:cond delay="indefinite"/>
+                      </p:stCondLst>
+                      <p:childTnLst>
+                        <p:par>
+                          <p:cTn id="4" fill="hold">
+                            <p:stCondLst>
+                              <p:cond delay="0"/>
+                            </p:stCondLst>
+                            <p:childTnLst>
+                              <p:par>
+                                <p:cTn id="5" presetID="1" presetClass="entr" presetSubtype="0" fill="hold" grpId="0" nodeType="clickEffect">
+                                  <p:stCondLst>
+                                    <p:cond delay="0"/>
+                                  </p:stCondLst>
+                                  <p:childTnLst>
+                                    <p:set>
+                                      <p:cBhvr>
+                                        <p:cTn id="6" dur="1" fill="hold">
+                                          <p:stCondLst>
+                                            <p:cond delay="0"/>
+                                          </p:stCondLst>
+                                        </p:cTn>
+                                        <p:tgtEl>
+                                          <p:spTgt spid="12"/>
+                                        </p:tgtEl>
+                                        <p:attrNameLst>
+                                          <p:attrName>style.visibility</p:attrName>
+                                        </p:attrNameLst>
+                                      </p:cBhvr>
+                                      <p:to>
+                                        <p:strVal val="visible"/>
+                                      </p:to>
+                                    </p:set>
+                                  </p:childTnLst>
+                                </p:cTn>
+                              </p:par>
+                              <p:par>
+                                <p:cTn id="7" presetID="1" presetClass="entr" presetSubtype="0" fill="hold" nodeType="withEffect">
+                                  <p:stCondLst>
+                                    <p:cond delay="0"/>
+                                  </p:stCondLst>
+                                  <p:childTnLst>
+                                    <p:set>
+                                      <p:cBhvr>
+                                        <p:cTn id="8" dur="1" fill="hold">
+                                          <p:stCondLst>
+                                            <p:cond delay="0"/>
+                                          </p:stCondLst>
+                                        </p:cTn>
+                                        <p:tgtEl>
+                                          <p:spTgt spid="10"/>
+                                        </p:tgtEl>
+                                        <p:attrNameLst>
+                                          <p:attrName>style.visibility</p:attrName>
+                                        </p:attrNameLst>
+                                      </p:cBhvr>
+                                      <p:to>
+                                        <p:strVal val="visible"/>
+                                      </p:to>
+                                    </p:set>
+                                  </p:childTnLst>
+                                </p:cTn>
+                              </p:par>
+                              <p:par>
+                                <p:cTn id="9" presetID="1" presetClass="entr" presetSubtype="0" fill="hold" nodeType="withEffect">
+                                  <p:stCondLst>
+                                    <p:cond delay="0"/>
+                                  </p:stCondLst>
+                                  <p:childTnLst>
+                                    <p:set>
+                                      <p:cBhvr>
+                                        <p:cTn id="10" dur="1" fill="hold">
+                                          <p:stCondLst>
+                                            <p:cond delay="0"/>
+                                          </p:stCondLst>
+                                        </p:cTn>
+                                        <p:tgtEl>
+                                          <p:spTgt spid="17"/>
+                                        </p:tgtEl>
+                                        <p:attrNameLst>
+                                          <p:attrName>style.visibility</p:attrName>
+                                        </p:attrNameLst>
+                                      </p:cBhvr>
+                                      <p:to>
+                                        <p:strVal val="visible"/>
+                                      </p:to>
+                                    </p:set>
+                                  </p:childTnLst>
+                                </p:cTn>
+                              </p:par>
+                            </p:childTnLst>
+                          </p:cTn>
+                        </p:par>
+                      </p:childTnLst>
+                    </p:cTn>
+                  </p:par>
+                  <p:par>
+                    <p:cTn id="11" fill="hold">
+                      <p:stCondLst>
+                        <p:cond delay="indefinite"/>
+                      </p:stCondLst>
+                      <p:childTnLst>
+                        <p:par>
+                          <p:cTn id="12" fill="hold">
+                            <p:stCondLst>
+                              <p:cond delay="0"/>
+                            </p:stCondLst>
+                            <p:childTnLst>
+                              <p:par>
+                                <p:cTn id="13" presetID="1" presetClass="entr" presetSubtype="0" fill="hold" grpId="0" nodeType="clickEffect">
+                                  <p:stCondLst>
+                                    <p:cond delay="0"/>
+                                  </p:stCondLst>
+                                  <p:childTnLst>
+                                    <p:set>
+                                      <p:cBhvr>
+                                        <p:cTn id="14" dur="1" fill="hold">
+                                          <p:stCondLst>
+                                            <p:cond delay="0"/>
+                                          </p:stCondLst>
+                                        </p:cTn>
+                                        <p:tgtEl>
+                                          <p:spTgt spid="6"/>
+                                        </p:tgtEl>
+                                        <p:attrNameLst>
+                                          <p:attrName>style.visibility</p:attrName>
+                                        </p:attrNameLst>
+                                      </p:cBhvr>
+                                      <p:to>
+                                        <p:strVal val="visible"/>
+                                      </p:to>
+                                    </p:set>
+                                  </p:childTnLst>
+                                </p:cTn>
+                              </p:par>
+                              <p:par>
+                                <p:cTn id="15" presetID="1" presetClass="entr" presetSubtype="0" fill="hold" nodeType="withEffect">
+                                  <p:stCondLst>
+                                    <p:cond delay="0"/>
+                                  </p:stCondLst>
+                                  <p:childTnLst>
+                                    <p:set>
+                                      <p:cBhvr>
+                                        <p:cTn id="16" dur="1" fill="hold">
+                                          <p:stCondLst>
+                                            <p:cond delay="0"/>
+                                          </p:stCondLst>
+                                        </p:cTn>
+                                        <p:tgtEl>
+                                          <p:spTgt spid="7"/>
+                                        </p:tgtEl>
+                                        <p:attrNameLst>
+                                          <p:attrName>style.visibility</p:attrName>
+                                        </p:attrNameLst>
+                                      </p:cBhvr>
+                                      <p:to>
+                                        <p:strVal val="visible"/>
+                                      </p:to>
+                                    </p:set>
+                                  </p:childTnLst>
+                                </p:cTn>
+                              </p:par>
+                            </p:childTnLst>
+                          </p:cTn>
+                        </p:par>
+                      </p:childTnLst>
+                    </p:cTn>
+                  </p:par>
+                  <p:par>
+                    <p:cTn id="17" fill="hold">
+                      <p:stCondLst>
+                        <p:cond delay="indefinite"/>
+                      </p:stCondLst>
+                      <p:childTnLst>
+                        <p:par>
+                          <p:cTn id="18" fill="hold">
+                            <p:stCondLst>
+                              <p:cond delay="0"/>
+                            </p:stCondLst>
+                            <p:childTnLst>
+                              <p:par>
+                                <p:cTn id="19" presetID="1" presetClass="entr" presetSubtype="0" fill="hold" grpId="0" nodeType="clickEffect">
+                                  <p:stCondLst>
+                                    <p:cond delay="0"/>
+                                  </p:stCondLst>
+                                  <p:childTnLst>
+                                    <p:set>
+                                      <p:cBhvr>
+                                        <p:cTn id="20" dur="1" fill="hold">
+                                          <p:stCondLst>
+                                            <p:cond delay="0"/>
+                                          </p:stCondLst>
+                                        </p:cTn>
+                                        <p:tgtEl>
+                                          <p:spTgt spid="9"/>
+                                        </p:tgtEl>
+                                        <p:attrNameLst>
+                                          <p:attrName>style.visibility</p:attrName>
+                                        </p:attrNameLst>
+                                      </p:cBhvr>
+                                      <p:to>
+                                        <p:strVal val="visible"/>
+                                      </p:to>
+                                    </p:set>
+                                  </p:childTnLst>
+                                </p:cTn>
+                              </p:par>
+                              <p:par>
+                                <p:cTn id="21" presetID="1" presetClass="entr" presetSubtype="0" fill="hold" nodeType="withEffect">
+                                  <p:stCondLst>
+                                    <p:cond delay="0"/>
+                                  </p:stCondLst>
+                                  <p:childTnLst>
+                                    <p:set>
+                                      <p:cBhvr>
+                                        <p:cTn id="22" dur="1" fill="hold">
+                                          <p:stCondLst>
+                                            <p:cond delay="0"/>
+                                          </p:stCondLst>
+                                        </p:cTn>
+                                        <p:tgtEl>
+                                          <p:spTgt spid="4"/>
+                                        </p:tgtEl>
+                                        <p:attrNameLst>
+                                          <p:attrName>style.visibility</p:attrName>
+                                        </p:attrNameLst>
+                                      </p:cBhvr>
+                                      <p:to>
+                                        <p:strVal val="visible"/>
+                                      </p:to>
+                                    </p:set>
+                                  </p:childTnLst>
+                                </p:cTn>
+                              </p:par>
+                            </p:childTnLst>
+                          </p:cTn>
+                        </p:par>
+                      </p:childTnLst>
+                    </p:cTn>
+                  </p:par>
+                  <p:par>
+                    <p:cTn id="23" fill="hold">
+                      <p:stCondLst>
+                        <p:cond delay="indefinite"/>
+                      </p:stCondLst>
+                      <p:childTnLst>
+                        <p:par>
+                          <p:cTn id="24" fill="hold">
+                            <p:stCondLst>
+                              <p:cond delay="0"/>
+                            </p:stCondLst>
+                            <p:childTnLst>
+                              <p:par>
+                                <p:cTn id="25" presetID="1" presetClass="entr" presetSubtype="0" fill="hold" grpId="0" nodeType="clickEffect">
+                                  <p:stCondLst>
+                                    <p:cond delay="0"/>
+                                  </p:stCondLst>
+                                  <p:childTnLst>
+                                    <p:set>
+                                      <p:cBhvr>
+                                        <p:cTn id="26" dur="1" fill="hold">
+                                          <p:stCondLst>
+                                            <p:cond delay="0"/>
+                                          </p:stCondLst>
+                                        </p:cTn>
+                                        <p:tgtEl>
+                                          <p:spTgt spid="24"/>
+                                        </p:tgtEl>
+                                        <p:attrNameLst>
+                                          <p:attrName>style.visibility</p:attrName>
+                                        </p:attrNameLst>
+                                      </p:cBhvr>
+                                      <p:to>
+                                        <p:strVal val="visible"/>
+                                      </p:to>
+                                    </p:set>
+                                  </p:childTnLst>
+                                </p:cTn>
+                              </p:par>
+                              <p:par>
+                                <p:cTn id="27" presetID="1" presetClass="entr" presetSubtype="0" fill="hold" nodeType="withEffect">
+                                  <p:stCondLst>
+                                    <p:cond delay="0"/>
+                                  </p:stCondLst>
+                                  <p:childTnLst>
+                                    <p:set>
+                                      <p:cBhvr>
+                                        <p:cTn id="28" dur="1" fill="hold">
+                                          <p:stCondLst>
+                                            <p:cond delay="0"/>
+                                          </p:stCondLst>
+                                        </p:cTn>
+                                        <p:tgtEl>
+                                          <p:spTgt spid="21"/>
+                                        </p:tgtEl>
+                                        <p:attrNameLst>
+                                          <p:attrName>style.visibility</p:attrName>
+                                        </p:attrNameLst>
+                                      </p:cBhvr>
+                                      <p:to>
+                                        <p:strVal val="visible"/>
+                                      </p:to>
+                                    </p:set>
+                                  </p:childTnLst>
+                                </p:cTn>
+                              </p:par>
+                            </p:childTnLst>
+                          </p:cTn>
+                        </p:par>
+                      </p:childTnLst>
+                    </p:cTn>
+                  </p:par>
+                  <p:par>
+                    <p:cTn id="29" fill="hold">
+                      <p:stCondLst>
+                        <p:cond delay="indefinite"/>
+                      </p:stCondLst>
+                      <p:childTnLst>
+                        <p:par>
+                          <p:cTn id="30" fill="hold">
+                            <p:stCondLst>
+                              <p:cond delay="0"/>
+                            </p:stCondLst>
+                            <p:childTnLst>
+                              <p:par>
+                                <p:cTn id="31" presetID="1" presetClass="entr" presetSubtype="0" fill="hold" grpId="0" nodeType="clickEffect">
+                                  <p:stCondLst>
+                                    <p:cond delay="0"/>
+                                  </p:stCondLst>
+                                  <p:childTnLst>
+                                    <p:set>
+                                      <p:cBhvr>
+                                        <p:cTn id="32" dur="1" fill="hold">
+                                          <p:stCondLst>
+                                            <p:cond delay="0"/>
+                                          </p:stCondLst>
+                                        </p:cTn>
+                                        <p:tgtEl>
+                                          <p:spTgt spid="25"/>
+                                        </p:tgtEl>
+                                        <p:attrNameLst>
+                                          <p:attrName>style.visibility</p:attrName>
+                                        </p:attrNameLst>
+                                      </p:cBhvr>
+                                      <p:to>
+                                        <p:strVal val="visible"/>
+                                      </p:to>
+                                    </p:set>
+                                  </p:childTnLst>
+                                </p:cTn>
+                              </p:par>
+                              <p:par>
+                                <p:cTn id="33" presetID="1" presetClass="entr" presetSubtype="0" fill="hold" nodeType="withEffect">
+                                  <p:stCondLst>
+                                    <p:cond delay="0"/>
+                                  </p:stCondLst>
+                                  <p:childTnLst>
+                                    <p:set>
+                                      <p:cBhvr>
+                                        <p:cTn id="34" dur="1" fill="hold">
+                                          <p:stCondLst>
+                                            <p:cond delay="0"/>
+                                          </p:stCondLst>
+                                        </p:cTn>
+                                        <p:tgtEl>
+                                          <p:spTgt spid="27"/>
+                                        </p:tgtEl>
+                                        <p:attrNameLst>
+                                          <p:attrName>style.visibility</p:attrName>
+                                        </p:attrNameLst>
+                                      </p:cBhvr>
+                                      <p:to>
+                                        <p:strVal val="visible"/>
+                                      </p:to>
+                                    </p:set>
+                                  </p:childTnLst>
+                                </p:cTn>
+                              </p:par>
+                            </p:childTnLst>
+                          </p:cTn>
+                        </p:par>
+                      </p:childTnLst>
+                    </p:cTn>
+                  </p:par>
+                  <p:par>
+                    <p:cTn id="35" fill="hold">
+                      <p:stCondLst>
+                        <p:cond delay="indefinite"/>
+                      </p:stCondLst>
+                      <p:childTnLst>
+                        <p:par>
+                          <p:cTn id="36" fill="hold">
+                            <p:stCondLst>
+                              <p:cond delay="0"/>
+                            </p:stCondLst>
+                            <p:childTnLst>
+                              <p:par>
+                                <p:cTn id="37" presetID="1" presetClass="entr" presetSubtype="0" fill="hold" nodeType="clickEffect">
+                                  <p:stCondLst>
+                                    <p:cond delay="0"/>
+                                  </p:stCondLst>
+                                  <p:childTnLst>
+                                    <p:set>
+                                      <p:cBhvr>
+                                        <p:cTn id="38" dur="1" fill="hold">
+                                          <p:stCondLst>
+                                            <p:cond delay="0"/>
+                                          </p:stCondLst>
+                                        </p:cTn>
+                                        <p:tgtEl>
+                                          <p:spTgt spid="33"/>
+                                        </p:tgtEl>
+                                        <p:attrNameLst>
+                                          <p:attrName>style.visibility</p:attrName>
+                                        </p:attrNameLst>
+                                      </p:cBhvr>
+                                      <p:to>
+                                        <p:strVal val="visible"/>
+                                      </p:to>
+                                    </p:set>
+                                  </p:childTnLst>
+                                </p:cTn>
+                              </p:par>
+                              <p:par>
+                                <p:cTn id="39" presetID="1" presetClass="entr" presetSubtype="0" fill="hold" grpId="0" nodeType="withEffect">
+                                  <p:stCondLst>
+                                    <p:cond delay="0"/>
+                                  </p:stCondLst>
+                                  <p:childTnLst>
+                                    <p:set>
+                                      <p:cBhvr>
+                                        <p:cTn id="40" dur="1" fill="hold">
+                                          <p:stCondLst>
+                                            <p:cond delay="0"/>
+                                          </p:stCondLst>
+                                        </p:cTn>
+                                        <p:tgtEl>
+                                          <p:spTgt spid="35"/>
+                                        </p:tgtEl>
+                                        <p:attrNameLst>
+                                          <p:attrName>style.visibility</p:attrName>
+                                        </p:attrNameLst>
+                                      </p:cBhvr>
+                                      <p:to>
+                                        <p:strVal val="visible"/>
+                                      </p:to>
+                                    </p:set>
+                                  </p:childTnLst>
+                                </p:cTn>
+                              </p:par>
+                            </p:childTnLst>
+                          </p:cTn>
+                        </p:par>
+                      </p:childTnLst>
+                    </p:cTn>
+                  </p:par>
+                  <p:par>
+                    <p:cTn id="41" fill="hold">
+                      <p:stCondLst>
+                        <p:cond delay="indefinite"/>
+                      </p:stCondLst>
+                      <p:childTnLst>
+                        <p:par>
+                          <p:cTn id="42" fill="hold">
+                            <p:stCondLst>
+                              <p:cond delay="0"/>
+                            </p:stCondLst>
+                            <p:childTnLst>
+                              <p:par>
+                                <p:cTn id="43" presetID="1" presetClass="entr" presetSubtype="0" fill="hold" nodeType="clickEffect">
+                                  <p:stCondLst>
+                                    <p:cond delay="0"/>
+                                  </p:stCondLst>
+                                  <p:childTnLst>
+                                    <p:set>
+                                      <p:cBhvr>
+                                        <p:cTn id="44" dur="1" fill="hold">
+                                          <p:stCondLst>
+                                            <p:cond delay="0"/>
+                                          </p:stCondLst>
+                                        </p:cTn>
+                                        <p:tgtEl>
+                                          <p:spTgt spid="39"/>
+                                        </p:tgtEl>
+                                        <p:attrNameLst>
+                                          <p:attrName>style.visibility</p:attrName>
+                                        </p:attrNameLst>
+                                      </p:cBhvr>
+                                      <p:to>
+                                        <p:strVal val="visible"/>
+                                      </p:to>
+                                    </p:set>
+                                  </p:childTnLst>
+                                </p:cTn>
+                              </p:par>
+                              <p:par>
+                                <p:cTn id="45" presetID="1" presetClass="entr" presetSubtype="0" fill="hold" grpId="0" nodeType="withEffect">
+                                  <p:stCondLst>
+                                    <p:cond delay="0"/>
+                                  </p:stCondLst>
+                                  <p:childTnLst>
+                                    <p:set>
+                                      <p:cBhvr>
+                                        <p:cTn id="46" dur="1" fill="hold">
+                                          <p:stCondLst>
+                                            <p:cond delay="0"/>
+                                          </p:stCondLst>
+                                        </p:cTn>
+                                        <p:tgtEl>
+                                          <p:spTgt spid="37"/>
+                                        </p:tgtEl>
+                                        <p:attrNameLst>
+                                          <p:attrName>style.visibility</p:attrName>
+                                        </p:attrNameLst>
+                                      </p:cBhvr>
+                                      <p:to>
+                                        <p:strVal val="visible"/>
+                                      </p:to>
+                                    </p:set>
+                                  </p:childTnLst>
+                                </p:cTn>
+                              </p:par>
+                            </p:childTnLst>
+                          </p:cTn>
+                        </p:par>
+                      </p:childTnLst>
+                    </p:cTn>
+                  </p:par>
+                  <p:par>
+                    <p:cTn id="47" fill="hold">
+                      <p:stCondLst>
+                        <p:cond delay="indefinite"/>
+                      </p:stCondLst>
+                      <p:childTnLst>
+                        <p:par>
+                          <p:cTn id="48" fill="hold">
+                            <p:stCondLst>
+                              <p:cond delay="0"/>
+                            </p:stCondLst>
+                            <p:childTnLst>
+                              <p:par>
+                                <p:cTn id="49" presetID="1" presetClass="entr" presetSubtype="0" fill="hold" grpId="0" nodeType="clickEffect">
+                                  <p:stCondLst>
+                                    <p:cond delay="0"/>
+                                  </p:stCondLst>
+                                  <p:childTnLst>
+                                    <p:set>
+                                      <p:cBhvr>
+                                        <p:cTn id="50" dur="1" fill="hold">
+                                          <p:stCondLst>
+                                            <p:cond delay="0"/>
+                                          </p:stCondLst>
+                                        </p:cTn>
+                                        <p:tgtEl>
+                                          <p:spTgt spid="31"/>
+                                        </p:tgtEl>
+                                        <p:attrNameLst>
+                                          <p:attrName>style.visibility</p:attrName>
+                                        </p:attrNameLst>
+                                      </p:cBhvr>
+                                      <p:to>
+                                        <p:strVal val="visible"/>
+                                      </p:to>
+                                    </p:set>
+                                  </p:childTnLst>
+                                </p:cTn>
+                              </p:par>
+                              <p:par>
+                                <p:cTn id="51" presetID="1" presetClass="entr" presetSubtype="0" fill="hold" nodeType="withEffect">
+                                  <p:stCondLst>
+                                    <p:cond delay="0"/>
+                                  </p:stCondLst>
+                                  <p:childTnLst>
+                                    <p:set>
+                                      <p:cBhvr>
+                                        <p:cTn id="52" dur="1" fill="hold">
+                                          <p:stCondLst>
+                                            <p:cond delay="0"/>
+                                          </p:stCondLst>
+                                        </p:cTn>
+                                        <p:tgtEl>
+                                          <p:spTgt spid="29"/>
+                                        </p:tgtEl>
+                                        <p:attrNameLst>
+                                          <p:attrName>style.visibility</p:attrName>
+                                        </p:attrNameLst>
+                                      </p:cBhvr>
+                                      <p:to>
+                                        <p:strVal val="visible"/>
+                                      </p:to>
+                                    </p:set>
+                                  </p:childTnLst>
+                                </p:cTn>
+                              </p:par>
+                            </p:childTnLst>
+                          </p:cTn>
+                        </p:par>
+                      </p:childTnLst>
+                    </p:cTn>
+                  </p:par>
+                </p:childTnLst>
+              </p:cTn>
+              <p:prevCondLst>
+                <p:cond evt="onPrev" delay="0">
+                  <p:tgtEl>
+                    <p:sldTgt/>
+                  </p:tgtEl>
+                </p:cond>
+              </p:prevCondLst>
+              <p:nextCondLst>
+                <p:cond evt="onNext" delay="0">
+                  <p:tgtEl>
+                    <p:sldTgt/>
+                  </p:tgtEl>
+                </p:cond>
+              </p:nextCondLst>
+            </p:seq>
+          </p:childTnLst>
+        </p:cTn>
+      </p:par>
+    </p:tnLst>
+    <p:bldLst>
+      <p:bldP spid="6" grpId="0"/>
+      <p:bldP spid="9" grpId="0"/>
+      <p:bldP spid="12" grpId="0"/>
+      <p:bldP spid="24" grpId="0"/>
+      <p:bldP spid="25" grpId="0"/>
+      <p:bldP spid="31" grpId="0"/>
+      <p:bldP spid="35" grpId="0"/>
+      <p:bldP spid="37" grpId="0"/>
+    </p:bldLst>
+  </p:timing>
+</p:sld>
+</file>
+
+<file path=ppt/slides/slide61.xml><?xml version="1.0" encoding="utf-8"?>
+<p:sld xmlns:a="http://schemas.openxmlformats.org/drawingml/2006/main" xmlns:r="http://schemas.openxmlformats.org/officeDocument/2006/relationships" xmlns:p="http://schemas.openxmlformats.org/presentationml/2006/main">
+  <p:cSld>
+    <p:spTree>
+      <p:nvGrpSpPr>
+        <p:cNvPr id="1" name=""/>
+        <p:cNvGrpSpPr/>
+        <p:nvPr/>
+      </p:nvGrpSpPr>
+      <p:grpSpPr>
+        <a:xfrm>
+          <a:off x="0" y="0"/>
+          <a:ext cx="0" cy="0"/>
+          <a:chOff x="0" y="0"/>
+          <a:chExt cx="0" cy="0"/>
+        </a:xfrm>
+      </p:grpSpPr>
+      <p:pic>
+        <p:nvPicPr>
+          <p:cNvPr id="2" name="Imagen 1">
+            <a:extLst>
+              <a:ext uri="{FF2B5EF4-FFF2-40B4-BE49-F238E27FC236}">
+                <a16:creationId xmlns:a16="http://schemas.microsoft.com/office/drawing/2014/main" id="{DF344471-324A-4EAD-B184-4EC36A2D4B02}"/>
+              </a:ext>
+            </a:extLst>
+          </p:cNvPr>
+          <p:cNvPicPr>
+            <a:picLocks noChangeAspect="1"/>
+          </p:cNvPicPr>
+          <p:nvPr/>
+        </p:nvPicPr>
+        <p:blipFill>
+          <a:blip r:embed="rId2"/>
+          <a:stretch>
+            <a:fillRect/>
+          </a:stretch>
+        </p:blipFill>
+        <p:spPr>
+          <a:xfrm>
+            <a:off x="736255" y="1339264"/>
+            <a:ext cx="5450120" cy="918559"/>
+          </a:xfrm>
+          <a:prstGeom prst="rect">
+            <a:avLst/>
+          </a:prstGeom>
+        </p:spPr>
+      </p:pic>
+      <p:sp>
+        <p:nvSpPr>
+          <p:cNvPr id="3" name="CuadroTexto 2">
+            <a:extLst>
+              <a:ext uri="{FF2B5EF4-FFF2-40B4-BE49-F238E27FC236}">
+                <a16:creationId xmlns:a16="http://schemas.microsoft.com/office/drawing/2014/main" id="{09ADC428-364C-4F7C-A8B2-889EE56574A1}"/>
+              </a:ext>
+            </a:extLst>
+          </p:cNvPr>
+          <p:cNvSpPr txBox="1"/>
+          <p:nvPr/>
+        </p:nvSpPr>
+        <p:spPr>
+          <a:xfrm>
+            <a:off x="557111" y="661012"/>
+            <a:ext cx="9115699" cy="584775"/>
+          </a:xfrm>
+          <a:prstGeom prst="rect">
+            <a:avLst/>
+          </a:prstGeom>
+          <a:noFill/>
+        </p:spPr>
+        <p:txBody>
+          <a:bodyPr wrap="square" rtlCol="0">
+            <a:spAutoFit/>
+          </a:bodyPr>
+          <a:lstStyle/>
+          <a:p>
+            <a:r>
+              <a:rPr lang="es-ES" sz="3200" dirty="0"/>
+              <a:t>Implementación – Infraestructura</a:t>
+            </a:r>
+            <a:endParaRPr lang="es-419" sz="3200" dirty="0"/>
+          </a:p>
+        </p:txBody>
+      </p:sp>
+      <p:sp>
+        <p:nvSpPr>
+          <p:cNvPr id="8" name="CuadroTexto 7">
+            <a:extLst>
+              <a:ext uri="{FF2B5EF4-FFF2-40B4-BE49-F238E27FC236}">
+                <a16:creationId xmlns:a16="http://schemas.microsoft.com/office/drawing/2014/main" id="{0D340CB2-7DC1-4116-9DBD-B4ACF1CF7A7D}"/>
+              </a:ext>
+            </a:extLst>
+          </p:cNvPr>
+          <p:cNvSpPr txBox="1"/>
+          <p:nvPr/>
+        </p:nvSpPr>
+        <p:spPr>
+          <a:xfrm>
+            <a:off x="7787934" y="5133190"/>
+            <a:ext cx="2192357" cy="523220"/>
+          </a:xfrm>
+          <a:prstGeom prst="rect">
+            <a:avLst/>
+          </a:prstGeom>
+          <a:noFill/>
+        </p:spPr>
+        <p:txBody>
+          <a:bodyPr wrap="square">
+            <a:spAutoFit/>
+          </a:bodyPr>
+          <a:lstStyle/>
+          <a:p>
+            <a:r>
+              <a:rPr lang="es-ES" sz="1400" dirty="0"/>
+              <a:t>Maneja transacciones para  </a:t>
+            </a:r>
+            <a:r>
+              <a:rPr lang="es-ES" sz="1400" dirty="0" err="1"/>
+              <a:t>Entity</a:t>
+            </a:r>
+            <a:r>
+              <a:rPr lang="es-ES" sz="1400" dirty="0"/>
+              <a:t> Framework Core</a:t>
+            </a:r>
+            <a:endParaRPr lang="es-419" sz="1400" dirty="0"/>
+          </a:p>
+        </p:txBody>
+      </p:sp>
+      <p:pic>
+        <p:nvPicPr>
+          <p:cNvPr id="15" name="Imagen 14">
+            <a:extLst>
+              <a:ext uri="{FF2B5EF4-FFF2-40B4-BE49-F238E27FC236}">
+                <a16:creationId xmlns:a16="http://schemas.microsoft.com/office/drawing/2014/main" id="{7A811427-C63D-4B0F-BE12-9DED17634ADB}"/>
+              </a:ext>
+            </a:extLst>
+          </p:cNvPr>
+          <p:cNvPicPr>
+            <a:picLocks noChangeAspect="1"/>
+          </p:cNvPicPr>
+          <p:nvPr/>
+        </p:nvPicPr>
+        <p:blipFill>
+          <a:blip r:embed="rId3"/>
+          <a:stretch>
+            <a:fillRect/>
+          </a:stretch>
+        </p:blipFill>
+        <p:spPr>
+          <a:xfrm>
+            <a:off x="4086514" y="2857059"/>
+            <a:ext cx="3096236" cy="2661677"/>
+          </a:xfrm>
+          <a:prstGeom prst="rect">
+            <a:avLst/>
+          </a:prstGeom>
+        </p:spPr>
+      </p:pic>
+      <p:sp>
+        <p:nvSpPr>
+          <p:cNvPr id="19" name="CuadroTexto 18">
+            <a:extLst>
+              <a:ext uri="{FF2B5EF4-FFF2-40B4-BE49-F238E27FC236}">
+                <a16:creationId xmlns:a16="http://schemas.microsoft.com/office/drawing/2014/main" id="{AAD46459-2F0B-430B-81C4-725798A025DE}"/>
+              </a:ext>
+            </a:extLst>
+          </p:cNvPr>
+          <p:cNvSpPr txBox="1"/>
+          <p:nvPr/>
+        </p:nvSpPr>
+        <p:spPr>
+          <a:xfrm>
+            <a:off x="7755874" y="4705365"/>
+            <a:ext cx="3833871" cy="306640"/>
+          </a:xfrm>
+          <a:prstGeom prst="rect">
+            <a:avLst/>
+          </a:prstGeom>
+          <a:noFill/>
+        </p:spPr>
+        <p:txBody>
+          <a:bodyPr wrap="square">
+            <a:spAutoFit/>
+          </a:bodyPr>
+          <a:lstStyle/>
+          <a:p>
+            <a:r>
+              <a:rPr lang="es-ES" sz="1400" dirty="0"/>
+              <a:t>Maneja la lógica del acceso a los datos del Cliente</a:t>
+            </a:r>
+            <a:endParaRPr lang="es-419" sz="1400" dirty="0"/>
+          </a:p>
+        </p:txBody>
+      </p:sp>
+      <p:sp>
+        <p:nvSpPr>
+          <p:cNvPr id="20" name="CuadroTexto 19">
+            <a:extLst>
+              <a:ext uri="{FF2B5EF4-FFF2-40B4-BE49-F238E27FC236}">
+                <a16:creationId xmlns:a16="http://schemas.microsoft.com/office/drawing/2014/main" id="{73F2B8FC-79C2-4E4E-8BB5-BC21B31F49CB}"/>
+              </a:ext>
+            </a:extLst>
+          </p:cNvPr>
+          <p:cNvSpPr txBox="1"/>
+          <p:nvPr/>
+        </p:nvSpPr>
+        <p:spPr>
+          <a:xfrm>
+            <a:off x="385838" y="4761412"/>
+            <a:ext cx="2930487" cy="523220"/>
+          </a:xfrm>
+          <a:prstGeom prst="rect">
+            <a:avLst/>
+          </a:prstGeom>
+          <a:noFill/>
+        </p:spPr>
+        <p:txBody>
+          <a:bodyPr wrap="square">
+            <a:spAutoFit/>
+          </a:bodyPr>
+          <a:lstStyle/>
+          <a:p>
+            <a:pPr algn="r"/>
+            <a:r>
+              <a:rPr lang="es-ES" sz="1400" dirty="0"/>
+              <a:t>Maneja la lógica del acceso a los datos del Préstamo</a:t>
+            </a:r>
+            <a:endParaRPr lang="es-419" sz="1400" dirty="0"/>
+          </a:p>
+        </p:txBody>
+      </p:sp>
+      <p:cxnSp>
+        <p:nvCxnSpPr>
+          <p:cNvPr id="10" name="Conector recto de flecha 9">
+            <a:extLst>
+              <a:ext uri="{FF2B5EF4-FFF2-40B4-BE49-F238E27FC236}">
+                <a16:creationId xmlns:a16="http://schemas.microsoft.com/office/drawing/2014/main" id="{2DE36CAC-9148-44F1-8DA5-439E21CEB2EB}"/>
+              </a:ext>
+            </a:extLst>
+          </p:cNvPr>
+          <p:cNvCxnSpPr>
+            <a:cxnSpLocks/>
+          </p:cNvCxnSpPr>
+          <p:nvPr/>
+        </p:nvCxnSpPr>
+        <p:spPr>
+          <a:xfrm>
+            <a:off x="6096000" y="5317682"/>
+            <a:ext cx="1538689" cy="0"/>
+          </a:xfrm>
+          <a:prstGeom prst="straightConnector1">
+            <a:avLst/>
+          </a:prstGeom>
+          <a:ln>
+            <a:tailEnd type="triangle"/>
+          </a:ln>
+        </p:spPr>
+        <p:style>
+          <a:lnRef idx="1">
+            <a:schemeClr val="accent1"/>
+          </a:lnRef>
+          <a:fillRef idx="0">
+            <a:schemeClr val="accent1"/>
+          </a:fillRef>
+          <a:effectRef idx="0">
+            <a:schemeClr val="accent1"/>
+          </a:effectRef>
+          <a:fontRef idx="minor">
+            <a:schemeClr val="tx1"/>
+          </a:fontRef>
+        </p:style>
+      </p:cxnSp>
+      <p:cxnSp>
+        <p:nvCxnSpPr>
+          <p:cNvPr id="22" name="Conector recto de flecha 21">
+            <a:extLst>
+              <a:ext uri="{FF2B5EF4-FFF2-40B4-BE49-F238E27FC236}">
+                <a16:creationId xmlns:a16="http://schemas.microsoft.com/office/drawing/2014/main" id="{94944FF2-A8B7-45E7-B1CC-B7264A8892FC}"/>
+              </a:ext>
+            </a:extLst>
+          </p:cNvPr>
+          <p:cNvCxnSpPr>
+            <a:cxnSpLocks/>
+          </p:cNvCxnSpPr>
+          <p:nvPr/>
+        </p:nvCxnSpPr>
+        <p:spPr>
+          <a:xfrm flipH="1">
+            <a:off x="3461315" y="5132520"/>
+            <a:ext cx="991518" cy="0"/>
+          </a:xfrm>
+          <a:prstGeom prst="straightConnector1">
+            <a:avLst/>
+          </a:prstGeom>
+          <a:ln>
+            <a:tailEnd type="triangle"/>
+          </a:ln>
+        </p:spPr>
+        <p:style>
+          <a:lnRef idx="1">
+            <a:schemeClr val="accent1"/>
+          </a:lnRef>
+          <a:fillRef idx="0">
+            <a:schemeClr val="accent1"/>
+          </a:fillRef>
+          <a:effectRef idx="0">
+            <a:schemeClr val="accent1"/>
+          </a:effectRef>
+          <a:fontRef idx="minor">
+            <a:schemeClr val="tx1"/>
+          </a:fontRef>
+        </p:style>
+      </p:cxnSp>
+      <p:cxnSp>
+        <p:nvCxnSpPr>
+          <p:cNvPr id="27" name="Conector recto de flecha 26">
+            <a:extLst>
+              <a:ext uri="{FF2B5EF4-FFF2-40B4-BE49-F238E27FC236}">
+                <a16:creationId xmlns:a16="http://schemas.microsoft.com/office/drawing/2014/main" id="{F8BB3FFB-56B4-4A79-8E05-80B010A95D80}"/>
+              </a:ext>
+            </a:extLst>
+          </p:cNvPr>
+          <p:cNvCxnSpPr>
+            <a:cxnSpLocks/>
+          </p:cNvCxnSpPr>
+          <p:nvPr/>
+        </p:nvCxnSpPr>
+        <p:spPr>
+          <a:xfrm>
+            <a:off x="6653940" y="4869702"/>
+            <a:ext cx="1062319" cy="0"/>
+          </a:xfrm>
+          <a:prstGeom prst="straightConnector1">
+            <a:avLst/>
+          </a:prstGeom>
+          <a:ln>
+            <a:tailEnd type="triangle"/>
+          </a:ln>
+        </p:spPr>
+        <p:style>
+          <a:lnRef idx="1">
+            <a:schemeClr val="accent1"/>
+          </a:lnRef>
+          <a:fillRef idx="0">
+            <a:schemeClr val="accent1"/>
+          </a:fillRef>
+          <a:effectRef idx="0">
+            <a:schemeClr val="accent1"/>
+          </a:effectRef>
+          <a:fontRef idx="minor">
+            <a:schemeClr val="tx1"/>
+          </a:fontRef>
+        </p:style>
+      </p:cxnSp>
+      <p:sp>
+        <p:nvSpPr>
+          <p:cNvPr id="30" name="CuadroTexto 29">
+            <a:extLst>
+              <a:ext uri="{FF2B5EF4-FFF2-40B4-BE49-F238E27FC236}">
+                <a16:creationId xmlns:a16="http://schemas.microsoft.com/office/drawing/2014/main" id="{FC0F1B5B-401C-43EE-A76F-88B0ADDFF366}"/>
+              </a:ext>
+            </a:extLst>
+          </p:cNvPr>
+          <p:cNvSpPr txBox="1"/>
+          <p:nvPr/>
+        </p:nvSpPr>
+        <p:spPr>
+          <a:xfrm>
+            <a:off x="7807949" y="4183107"/>
+            <a:ext cx="4090268" cy="523220"/>
+          </a:xfrm>
+          <a:prstGeom prst="rect">
+            <a:avLst/>
+          </a:prstGeom>
+          <a:noFill/>
+        </p:spPr>
+        <p:txBody>
+          <a:bodyPr wrap="square">
+            <a:spAutoFit/>
+          </a:bodyPr>
+          <a:lstStyle>
+            <a:defPPr>
+              <a:defRPr lang="es-419"/>
+            </a:defPPr>
+            <a:lvl1pPr>
+              <a:defRPr sz="1400"/>
+            </a:lvl1pPr>
+          </a:lstStyle>
+          <a:p>
+            <a:r>
+              <a:rPr lang="es-ES" dirty="0"/>
+              <a:t>Manejan la Sesión con la base de datos y el mapeo de tablas a través de delegados </a:t>
+            </a:r>
+            <a:r>
+              <a:rPr lang="es-ES" dirty="0" err="1"/>
+              <a:t>DbSet</a:t>
+            </a:r>
+            <a:r>
+              <a:rPr lang="es-ES" dirty="0"/>
+              <a:t>.</a:t>
+            </a:r>
+          </a:p>
+        </p:txBody>
+      </p:sp>
+      <p:cxnSp>
+        <p:nvCxnSpPr>
+          <p:cNvPr id="32" name="Conector recto de flecha 31">
+            <a:extLst>
+              <a:ext uri="{FF2B5EF4-FFF2-40B4-BE49-F238E27FC236}">
+                <a16:creationId xmlns:a16="http://schemas.microsoft.com/office/drawing/2014/main" id="{80022B5E-C1D9-40C4-87FD-10EEFB218662}"/>
+              </a:ext>
+            </a:extLst>
+          </p:cNvPr>
+          <p:cNvCxnSpPr>
+            <a:cxnSpLocks/>
+          </p:cNvCxnSpPr>
+          <p:nvPr/>
+        </p:nvCxnSpPr>
+        <p:spPr>
+          <a:xfrm>
+            <a:off x="6528875" y="4304212"/>
+            <a:ext cx="1105814" cy="0"/>
+          </a:xfrm>
+          <a:prstGeom prst="straightConnector1">
+            <a:avLst/>
+          </a:prstGeom>
+          <a:ln>
+            <a:tailEnd type="triangle"/>
+          </a:ln>
+        </p:spPr>
+        <p:style>
+          <a:lnRef idx="1">
+            <a:schemeClr val="accent1"/>
+          </a:lnRef>
+          <a:fillRef idx="0">
+            <a:schemeClr val="accent1"/>
+          </a:fillRef>
+          <a:effectRef idx="0">
+            <a:schemeClr val="accent1"/>
+          </a:effectRef>
+          <a:fontRef idx="minor">
+            <a:schemeClr val="tx1"/>
+          </a:fontRef>
+        </p:style>
+      </p:cxnSp>
+      <p:cxnSp>
+        <p:nvCxnSpPr>
+          <p:cNvPr id="34" name="Conector recto de flecha 33">
+            <a:extLst>
+              <a:ext uri="{FF2B5EF4-FFF2-40B4-BE49-F238E27FC236}">
+                <a16:creationId xmlns:a16="http://schemas.microsoft.com/office/drawing/2014/main" id="{9ACED6B5-7377-4E4B-AEF2-12AD77987F97}"/>
+              </a:ext>
+            </a:extLst>
+          </p:cNvPr>
+          <p:cNvCxnSpPr>
+            <a:cxnSpLocks/>
+          </p:cNvCxnSpPr>
+          <p:nvPr/>
+        </p:nvCxnSpPr>
+        <p:spPr>
+          <a:xfrm flipH="1">
+            <a:off x="3216926" y="3583236"/>
+            <a:ext cx="1481313" cy="0"/>
+          </a:xfrm>
+          <a:prstGeom prst="straightConnector1">
+            <a:avLst/>
+          </a:prstGeom>
+          <a:ln>
+            <a:tailEnd type="triangle"/>
+          </a:ln>
+        </p:spPr>
+        <p:style>
+          <a:lnRef idx="1">
+            <a:schemeClr val="accent1"/>
+          </a:lnRef>
+          <a:fillRef idx="0">
+            <a:schemeClr val="accent1"/>
+          </a:fillRef>
+          <a:effectRef idx="0">
+            <a:schemeClr val="accent1"/>
+          </a:effectRef>
+          <a:fontRef idx="minor">
+            <a:schemeClr val="tx1"/>
+          </a:fontRef>
+        </p:style>
+      </p:cxnSp>
+      <p:sp>
+        <p:nvSpPr>
+          <p:cNvPr id="36" name="CuadroTexto 35">
+            <a:extLst>
+              <a:ext uri="{FF2B5EF4-FFF2-40B4-BE49-F238E27FC236}">
+                <a16:creationId xmlns:a16="http://schemas.microsoft.com/office/drawing/2014/main" id="{51946932-6F06-4068-870C-3FC94573D7E1}"/>
+              </a:ext>
+            </a:extLst>
+          </p:cNvPr>
+          <p:cNvSpPr txBox="1"/>
+          <p:nvPr/>
+        </p:nvSpPr>
+        <p:spPr>
+          <a:xfrm>
+            <a:off x="204475" y="3213904"/>
+            <a:ext cx="3012451" cy="1169551"/>
+          </a:xfrm>
+          <a:prstGeom prst="rect">
+            <a:avLst/>
+          </a:prstGeom>
+          <a:noFill/>
+        </p:spPr>
+        <p:txBody>
+          <a:bodyPr wrap="square">
+            <a:spAutoFit/>
+          </a:bodyPr>
+          <a:lstStyle>
+            <a:defPPr>
+              <a:defRPr lang="es-419"/>
+            </a:defPPr>
+            <a:lvl1pPr>
+              <a:defRPr sz="1400"/>
+            </a:lvl1pPr>
+          </a:lstStyle>
+          <a:p>
+            <a:r>
+              <a:rPr lang="es-ES" dirty="0"/>
+              <a:t>Servicio de la capa de infraestructura con las operaciones implementadas para la instancia y el manejo de los datos (llevar, recuperar, </a:t>
+            </a:r>
+            <a:r>
+              <a:rPr lang="es-ES" dirty="0" err="1"/>
+              <a:t>elimnar</a:t>
+            </a:r>
+            <a:r>
+              <a:rPr lang="es-ES" dirty="0"/>
+              <a:t>) en la caché </a:t>
+            </a:r>
+          </a:p>
+        </p:txBody>
+      </p:sp>
+    </p:spTree>
+    <p:extLst>
+      <p:ext uri="{BB962C8B-B14F-4D97-AF65-F5344CB8AC3E}">
+        <p14:creationId xmlns:p14="http://schemas.microsoft.com/office/powerpoint/2010/main" val="1835615837"/>
+      </p:ext>
+    </p:extLst>
+  </p:cSld>
+  <p:clrMapOvr>
+    <a:masterClrMapping/>
+  </p:clrMapOvr>
+  <p:timing>
+    <p:tnLst>
+      <p:par>
+        <p:cTn id="1" dur="indefinite" restart="never" nodeType="tmRoot">
+          <p:childTnLst>
+            <p:seq concurrent="1" nextAc="seek">
+              <p:cTn id="2" dur="indefinite" nodeType="mainSeq">
+                <p:childTnLst>
+                  <p:par>
+                    <p:cTn id="3" fill="hold">
+                      <p:stCondLst>
+                        <p:cond delay="indefinite"/>
+                      </p:stCondLst>
+                      <p:childTnLst>
+                        <p:par>
+                          <p:cTn id="4" fill="hold">
+                            <p:stCondLst>
+                              <p:cond delay="0"/>
+                            </p:stCondLst>
+                            <p:childTnLst>
+                              <p:par>
+                                <p:cTn id="5" presetID="1" presetClass="entr" presetSubtype="0" fill="hold" nodeType="clickEffect">
+                                  <p:stCondLst>
+                                    <p:cond delay="0"/>
+                                  </p:stCondLst>
+                                  <p:childTnLst>
+                                    <p:set>
+                                      <p:cBhvr>
+                                        <p:cTn id="6" dur="1" fill="hold">
+                                          <p:stCondLst>
+                                            <p:cond delay="0"/>
+                                          </p:stCondLst>
+                                        </p:cTn>
+                                        <p:tgtEl>
+                                          <p:spTgt spid="34"/>
+                                        </p:tgtEl>
+                                        <p:attrNameLst>
+                                          <p:attrName>style.visibility</p:attrName>
+                                        </p:attrNameLst>
+                                      </p:cBhvr>
+                                      <p:to>
+                                        <p:strVal val="visible"/>
+                                      </p:to>
+                                    </p:set>
+                                  </p:childTnLst>
+                                </p:cTn>
+                              </p:par>
+                              <p:par>
+                                <p:cTn id="7" presetID="1" presetClass="entr" presetSubtype="0" fill="hold" grpId="0" nodeType="withEffect">
+                                  <p:stCondLst>
+                                    <p:cond delay="0"/>
+                                  </p:stCondLst>
+                                  <p:childTnLst>
+                                    <p:set>
+                                      <p:cBhvr>
+                                        <p:cTn id="8" dur="1" fill="hold">
+                                          <p:stCondLst>
+                                            <p:cond delay="0"/>
+                                          </p:stCondLst>
+                                        </p:cTn>
+                                        <p:tgtEl>
+                                          <p:spTgt spid="36"/>
+                                        </p:tgtEl>
+                                        <p:attrNameLst>
+                                          <p:attrName>style.visibility</p:attrName>
+                                        </p:attrNameLst>
+                                      </p:cBhvr>
+                                      <p:to>
+                                        <p:strVal val="visible"/>
+                                      </p:to>
+                                    </p:set>
+                                  </p:childTnLst>
+                                </p:cTn>
+                              </p:par>
+                            </p:childTnLst>
+                          </p:cTn>
+                        </p:par>
+                      </p:childTnLst>
+                    </p:cTn>
+                  </p:par>
+                  <p:par>
+                    <p:cTn id="9" fill="hold">
+                      <p:stCondLst>
+                        <p:cond delay="indefinite"/>
+                      </p:stCondLst>
+                      <p:childTnLst>
+                        <p:par>
+                          <p:cTn id="10" fill="hold">
+                            <p:stCondLst>
+                              <p:cond delay="0"/>
+                            </p:stCondLst>
+                            <p:childTnLst>
+                              <p:par>
+                                <p:cTn id="11" presetID="1" presetClass="entr" presetSubtype="0" fill="hold" grpId="0" nodeType="clickEffect">
+                                  <p:stCondLst>
+                                    <p:cond delay="0"/>
+                                  </p:stCondLst>
+                                  <p:childTnLst>
+                                    <p:set>
+                                      <p:cBhvr>
+                                        <p:cTn id="12" dur="1" fill="hold">
+                                          <p:stCondLst>
+                                            <p:cond delay="0"/>
+                                          </p:stCondLst>
+                                        </p:cTn>
+                                        <p:tgtEl>
+                                          <p:spTgt spid="30"/>
+                                        </p:tgtEl>
+                                        <p:attrNameLst>
+                                          <p:attrName>style.visibility</p:attrName>
+                                        </p:attrNameLst>
+                                      </p:cBhvr>
+                                      <p:to>
+                                        <p:strVal val="visible"/>
+                                      </p:to>
+                                    </p:set>
+                                  </p:childTnLst>
+                                </p:cTn>
+                              </p:par>
+                              <p:par>
+                                <p:cTn id="13" presetID="1" presetClass="entr" presetSubtype="0" fill="hold" nodeType="withEffect">
+                                  <p:stCondLst>
+                                    <p:cond delay="0"/>
+                                  </p:stCondLst>
+                                  <p:childTnLst>
+                                    <p:set>
+                                      <p:cBhvr>
+                                        <p:cTn id="14" dur="1" fill="hold">
+                                          <p:stCondLst>
+                                            <p:cond delay="0"/>
+                                          </p:stCondLst>
+                                        </p:cTn>
+                                        <p:tgtEl>
+                                          <p:spTgt spid="32"/>
+                                        </p:tgtEl>
+                                        <p:attrNameLst>
+                                          <p:attrName>style.visibility</p:attrName>
+                                        </p:attrNameLst>
+                                      </p:cBhvr>
+                                      <p:to>
+                                        <p:strVal val="visible"/>
+                                      </p:to>
+                                    </p:set>
+                                  </p:childTnLst>
+                                </p:cTn>
+                              </p:par>
+                            </p:childTnLst>
+                          </p:cTn>
+                        </p:par>
+                      </p:childTnLst>
+                    </p:cTn>
+                  </p:par>
+                  <p:par>
+                    <p:cTn id="15" fill="hold">
+                      <p:stCondLst>
+                        <p:cond delay="indefinite"/>
+                      </p:stCondLst>
+                      <p:childTnLst>
+                        <p:par>
+                          <p:cTn id="16" fill="hold">
+                            <p:stCondLst>
+                              <p:cond delay="0"/>
+                            </p:stCondLst>
+                            <p:childTnLst>
+                              <p:par>
+                                <p:cTn id="17" presetID="1" presetClass="entr" presetSubtype="0" fill="hold" grpId="0" nodeType="clickEffect">
+                                  <p:stCondLst>
+                                    <p:cond delay="0"/>
+                                  </p:stCondLst>
+                                  <p:childTnLst>
+                                    <p:set>
+                                      <p:cBhvr>
+                                        <p:cTn id="18" dur="1" fill="hold">
+                                          <p:stCondLst>
+                                            <p:cond delay="0"/>
+                                          </p:stCondLst>
+                                        </p:cTn>
+                                        <p:tgtEl>
+                                          <p:spTgt spid="20"/>
+                                        </p:tgtEl>
+                                        <p:attrNameLst>
+                                          <p:attrName>style.visibility</p:attrName>
+                                        </p:attrNameLst>
+                                      </p:cBhvr>
+                                      <p:to>
+                                        <p:strVal val="visible"/>
+                                      </p:to>
+                                    </p:set>
+                                  </p:childTnLst>
+                                </p:cTn>
+                              </p:par>
+                              <p:par>
+                                <p:cTn id="19" presetID="1" presetClass="entr" presetSubtype="0" fill="hold" nodeType="withEffect">
+                                  <p:stCondLst>
+                                    <p:cond delay="0"/>
+                                  </p:stCondLst>
+                                  <p:childTnLst>
+                                    <p:set>
+                                      <p:cBhvr>
+                                        <p:cTn id="20" dur="1" fill="hold">
+                                          <p:stCondLst>
+                                            <p:cond delay="0"/>
+                                          </p:stCondLst>
+                                        </p:cTn>
+                                        <p:tgtEl>
+                                          <p:spTgt spid="22"/>
+                                        </p:tgtEl>
+                                        <p:attrNameLst>
+                                          <p:attrName>style.visibility</p:attrName>
+                                        </p:attrNameLst>
+                                      </p:cBhvr>
+                                      <p:to>
+                                        <p:strVal val="visible"/>
+                                      </p:to>
+                                    </p:set>
+                                  </p:childTnLst>
+                                </p:cTn>
+                              </p:par>
+                            </p:childTnLst>
+                          </p:cTn>
+                        </p:par>
+                      </p:childTnLst>
+                    </p:cTn>
+                  </p:par>
+                  <p:par>
+                    <p:cTn id="21" fill="hold">
+                      <p:stCondLst>
+                        <p:cond delay="indefinite"/>
+                      </p:stCondLst>
+                      <p:childTnLst>
+                        <p:par>
+                          <p:cTn id="22" fill="hold">
+                            <p:stCondLst>
+                              <p:cond delay="0"/>
+                            </p:stCondLst>
+                            <p:childTnLst>
+                              <p:par>
+                                <p:cTn id="23" presetID="1" presetClass="entr" presetSubtype="0" fill="hold" grpId="0" nodeType="clickEffect">
+                                  <p:stCondLst>
+                                    <p:cond delay="0"/>
+                                  </p:stCondLst>
+                                  <p:childTnLst>
+                                    <p:set>
+                                      <p:cBhvr>
+                                        <p:cTn id="24" dur="1" fill="hold">
+                                          <p:stCondLst>
+                                            <p:cond delay="0"/>
+                                          </p:stCondLst>
+                                        </p:cTn>
+                                        <p:tgtEl>
+                                          <p:spTgt spid="19"/>
+                                        </p:tgtEl>
+                                        <p:attrNameLst>
+                                          <p:attrName>style.visibility</p:attrName>
+                                        </p:attrNameLst>
+                                      </p:cBhvr>
+                                      <p:to>
+                                        <p:strVal val="visible"/>
+                                      </p:to>
+                                    </p:set>
+                                  </p:childTnLst>
+                                </p:cTn>
+                              </p:par>
+                              <p:par>
+                                <p:cTn id="25" presetID="1" presetClass="entr" presetSubtype="0" fill="hold" nodeType="withEffect">
+                                  <p:stCondLst>
+                                    <p:cond delay="0"/>
+                                  </p:stCondLst>
+                                  <p:childTnLst>
+                                    <p:set>
+                                      <p:cBhvr>
+                                        <p:cTn id="26" dur="1" fill="hold">
+                                          <p:stCondLst>
+                                            <p:cond delay="0"/>
+                                          </p:stCondLst>
+                                        </p:cTn>
+                                        <p:tgtEl>
+                                          <p:spTgt spid="27"/>
+                                        </p:tgtEl>
+                                        <p:attrNameLst>
+                                          <p:attrName>style.visibility</p:attrName>
+                                        </p:attrNameLst>
+                                      </p:cBhvr>
+                                      <p:to>
+                                        <p:strVal val="visible"/>
+                                      </p:to>
+                                    </p:set>
+                                  </p:childTnLst>
+                                </p:cTn>
+                              </p:par>
+                            </p:childTnLst>
+                          </p:cTn>
+                        </p:par>
+                      </p:childTnLst>
+                    </p:cTn>
+                  </p:par>
+                  <p:par>
+                    <p:cTn id="27" fill="hold">
+                      <p:stCondLst>
+                        <p:cond delay="indefinite"/>
+                      </p:stCondLst>
+                      <p:childTnLst>
+                        <p:par>
+                          <p:cTn id="28" fill="hold">
+                            <p:stCondLst>
+                              <p:cond delay="0"/>
+                            </p:stCondLst>
+                            <p:childTnLst>
+                              <p:par>
+                                <p:cTn id="29" presetID="1" presetClass="entr" presetSubtype="0" fill="hold" grpId="0" nodeType="clickEffect">
+                                  <p:stCondLst>
+                                    <p:cond delay="0"/>
+                                  </p:stCondLst>
+                                  <p:childTnLst>
+                                    <p:set>
+                                      <p:cBhvr>
+                                        <p:cTn id="30" dur="1" fill="hold">
+                                          <p:stCondLst>
+                                            <p:cond delay="0"/>
+                                          </p:stCondLst>
+                                        </p:cTn>
+                                        <p:tgtEl>
+                                          <p:spTgt spid="8"/>
+                                        </p:tgtEl>
+                                        <p:attrNameLst>
+                                          <p:attrName>style.visibility</p:attrName>
+                                        </p:attrNameLst>
+                                      </p:cBhvr>
+                                      <p:to>
+                                        <p:strVal val="visible"/>
+                                      </p:to>
+                                    </p:set>
+                                  </p:childTnLst>
+                                </p:cTn>
+                              </p:par>
+                              <p:par>
+                                <p:cTn id="31" presetID="1" presetClass="entr" presetSubtype="0" fill="hold" nodeType="withEffect">
+                                  <p:stCondLst>
+                                    <p:cond delay="0"/>
+                                  </p:stCondLst>
+                                  <p:childTnLst>
+                                    <p:set>
+                                      <p:cBhvr>
+                                        <p:cTn id="32" dur="1" fill="hold">
+                                          <p:stCondLst>
+                                            <p:cond delay="0"/>
+                                          </p:stCondLst>
+                                        </p:cTn>
+                                        <p:tgtEl>
+                                          <p:spTgt spid="10"/>
+                                        </p:tgtEl>
+                                        <p:attrNameLst>
+                                          <p:attrName>style.visibility</p:attrName>
+                                        </p:attrNameLst>
+                                      </p:cBhvr>
+                                      <p:to>
+                                        <p:strVal val="visible"/>
+                                      </p:to>
+                                    </p:set>
+                                  </p:childTnLst>
+                                </p:cTn>
+                              </p:par>
+                            </p:childTnLst>
+                          </p:cTn>
+                        </p:par>
+                      </p:childTnLst>
+                    </p:cTn>
+                  </p:par>
+                </p:childTnLst>
+              </p:cTn>
+              <p:prevCondLst>
+                <p:cond evt="onPrev" delay="0">
+                  <p:tgtEl>
+                    <p:sldTgt/>
+                  </p:tgtEl>
+                </p:cond>
+              </p:prevCondLst>
+              <p:nextCondLst>
+                <p:cond evt="onNext" delay="0">
+                  <p:tgtEl>
+                    <p:sldTgt/>
+                  </p:tgtEl>
+                </p:cond>
+              </p:nextCondLst>
+            </p:seq>
+          </p:childTnLst>
+        </p:cTn>
+      </p:par>
+    </p:tnLst>
+    <p:bldLst>
+      <p:bldP spid="8" grpId="0"/>
+      <p:bldP spid="19" grpId="0"/>
+      <p:bldP spid="20" grpId="0"/>
+      <p:bldP spid="30" grpId="0"/>
+      <p:bldP spid="36" grpId="0"/>
+    </p:bldLst>
+  </p:timing>
+</p:sld>
+</file>
+
+<file path=ppt/slides/slide62.xml><?xml version="1.0" encoding="utf-8"?>
+<p:sld xmlns:a="http://schemas.openxmlformats.org/drawingml/2006/main" xmlns:r="http://schemas.openxmlformats.org/officeDocument/2006/relationships" xmlns:p="http://schemas.openxmlformats.org/presentationml/2006/main">
+  <p:cSld>
+    <p:spTree>
+      <p:nvGrpSpPr>
+        <p:cNvPr id="1" name=""/>
+        <p:cNvGrpSpPr/>
+        <p:nvPr/>
+      </p:nvGrpSpPr>
+      <p:grpSpPr>
+        <a:xfrm>
+          <a:off x="0" y="0"/>
+          <a:ext cx="0" cy="0"/>
+          <a:chOff x="0" y="0"/>
+          <a:chExt cx="0" cy="0"/>
+        </a:xfrm>
+      </p:grpSpPr>
+      <p:pic>
+        <p:nvPicPr>
+          <p:cNvPr id="2" name="Imagen 1">
+            <a:extLst>
+              <a:ext uri="{FF2B5EF4-FFF2-40B4-BE49-F238E27FC236}">
+                <a16:creationId xmlns:a16="http://schemas.microsoft.com/office/drawing/2014/main" id="{7E0B39C5-D64C-4E8A-99D0-57054691D859}"/>
+              </a:ext>
+            </a:extLst>
+          </p:cNvPr>
+          <p:cNvPicPr>
+            <a:picLocks noChangeAspect="1"/>
+          </p:cNvPicPr>
+          <p:nvPr/>
+        </p:nvPicPr>
+        <p:blipFill>
+          <a:blip r:embed="rId2"/>
+          <a:stretch>
+            <a:fillRect/>
+          </a:stretch>
+        </p:blipFill>
+        <p:spPr>
+          <a:xfrm>
+            <a:off x="828449" y="1426965"/>
+            <a:ext cx="5450120" cy="954300"/>
+          </a:xfrm>
+          <a:prstGeom prst="rect">
+            <a:avLst/>
+          </a:prstGeom>
+        </p:spPr>
+      </p:pic>
+      <p:sp>
+        <p:nvSpPr>
+          <p:cNvPr id="3" name="CuadroTexto 2">
+            <a:extLst>
+              <a:ext uri="{FF2B5EF4-FFF2-40B4-BE49-F238E27FC236}">
+                <a16:creationId xmlns:a16="http://schemas.microsoft.com/office/drawing/2014/main" id="{DA02C777-E813-44CE-9C3A-C5A5CCF71126}"/>
+              </a:ext>
+            </a:extLst>
+          </p:cNvPr>
+          <p:cNvSpPr txBox="1"/>
+          <p:nvPr/>
+        </p:nvSpPr>
+        <p:spPr>
+          <a:xfrm>
+            <a:off x="557111" y="661012"/>
+            <a:ext cx="9115699" cy="584775"/>
+          </a:xfrm>
+          <a:prstGeom prst="rect">
+            <a:avLst/>
+          </a:prstGeom>
+          <a:noFill/>
+        </p:spPr>
+        <p:txBody>
+          <a:bodyPr wrap="square" rtlCol="0">
+            <a:spAutoFit/>
+          </a:bodyPr>
+          <a:lstStyle/>
+          <a:p>
+            <a:r>
+              <a:rPr lang="es-ES" sz="3200" dirty="0"/>
+              <a:t>Implementación – Aplicación</a:t>
+            </a:r>
+            <a:endParaRPr lang="es-419" sz="3200" dirty="0"/>
+          </a:p>
+        </p:txBody>
+      </p:sp>
+      <p:pic>
+        <p:nvPicPr>
+          <p:cNvPr id="5" name="Imagen 4">
+            <a:extLst>
+              <a:ext uri="{FF2B5EF4-FFF2-40B4-BE49-F238E27FC236}">
+                <a16:creationId xmlns:a16="http://schemas.microsoft.com/office/drawing/2014/main" id="{67FF93D3-68DB-4A50-8287-DEBF49907C7E}"/>
+              </a:ext>
+            </a:extLst>
+          </p:cNvPr>
+          <p:cNvPicPr>
+            <a:picLocks noChangeAspect="1"/>
+          </p:cNvPicPr>
+          <p:nvPr/>
+        </p:nvPicPr>
+        <p:blipFill>
+          <a:blip r:embed="rId3"/>
+          <a:stretch>
+            <a:fillRect/>
+          </a:stretch>
+        </p:blipFill>
+        <p:spPr>
+          <a:xfrm>
+            <a:off x="3667547" y="3429000"/>
+            <a:ext cx="3794587" cy="2171695"/>
+          </a:xfrm>
+          <a:prstGeom prst="rect">
+            <a:avLst/>
+          </a:prstGeom>
+        </p:spPr>
+      </p:pic>
+      <p:sp>
+        <p:nvSpPr>
+          <p:cNvPr id="8" name="CuadroTexto 7">
+            <a:extLst>
+              <a:ext uri="{FF2B5EF4-FFF2-40B4-BE49-F238E27FC236}">
+                <a16:creationId xmlns:a16="http://schemas.microsoft.com/office/drawing/2014/main" id="{0FA2468B-B8D4-4790-B9B3-252B650F7EA0}"/>
+              </a:ext>
+            </a:extLst>
+          </p:cNvPr>
+          <p:cNvSpPr txBox="1"/>
+          <p:nvPr/>
+        </p:nvSpPr>
+        <p:spPr>
+          <a:xfrm>
+            <a:off x="8337123" y="4783087"/>
+            <a:ext cx="3373807" cy="1384995"/>
+          </a:xfrm>
+          <a:prstGeom prst="rect">
+            <a:avLst/>
+          </a:prstGeom>
+          <a:noFill/>
+        </p:spPr>
+        <p:txBody>
+          <a:bodyPr wrap="square">
+            <a:spAutoFit/>
+          </a:bodyPr>
+          <a:lstStyle/>
+          <a:p>
+            <a:pPr algn="r"/>
+            <a:r>
+              <a:rPr lang="es-ES" sz="1400" dirty="0"/>
+              <a:t>Accede a los datos del préstamo, maneja las transacciones en la BD (</a:t>
+            </a:r>
+            <a:r>
+              <a:rPr lang="es-ES" sz="1400" dirty="0" err="1"/>
+              <a:t>IUnitOfWork</a:t>
+            </a:r>
+            <a:r>
+              <a:rPr lang="es-ES" sz="1400" dirty="0"/>
+              <a:t>), obtiene el préstamo, ejecuta la lógica de negocio(Aprobar), guarda cambios en el repositorio, confirma la transacción, devuelve true o false</a:t>
+            </a:r>
+            <a:endParaRPr lang="es-419" sz="1400" dirty="0"/>
+          </a:p>
+        </p:txBody>
+      </p:sp>
+      <p:cxnSp>
+        <p:nvCxnSpPr>
+          <p:cNvPr id="10" name="Conector recto de flecha 9">
+            <a:extLst>
+              <a:ext uri="{FF2B5EF4-FFF2-40B4-BE49-F238E27FC236}">
+                <a16:creationId xmlns:a16="http://schemas.microsoft.com/office/drawing/2014/main" id="{3683EE87-BF66-48B2-9837-BD6FAF14B5F9}"/>
+              </a:ext>
+            </a:extLst>
+          </p:cNvPr>
+          <p:cNvCxnSpPr>
+            <a:cxnSpLocks/>
+          </p:cNvCxnSpPr>
+          <p:nvPr/>
+        </p:nvCxnSpPr>
+        <p:spPr>
+          <a:xfrm>
+            <a:off x="6521986" y="5165893"/>
+            <a:ext cx="1994053" cy="0"/>
+          </a:xfrm>
+          <a:prstGeom prst="straightConnector1">
+            <a:avLst/>
+          </a:prstGeom>
+          <a:ln>
+            <a:tailEnd type="triangle"/>
+          </a:ln>
+        </p:spPr>
+        <p:style>
+          <a:lnRef idx="1">
+            <a:schemeClr val="accent1"/>
+          </a:lnRef>
+          <a:fillRef idx="0">
+            <a:schemeClr val="accent1"/>
+          </a:fillRef>
+          <a:effectRef idx="0">
+            <a:schemeClr val="accent1"/>
+          </a:effectRef>
+          <a:fontRef idx="minor">
+            <a:schemeClr val="tx1"/>
+          </a:fontRef>
+        </p:style>
+      </p:cxnSp>
+      <p:cxnSp>
+        <p:nvCxnSpPr>
+          <p:cNvPr id="11" name="Conector recto de flecha 10">
+            <a:extLst>
+              <a:ext uri="{FF2B5EF4-FFF2-40B4-BE49-F238E27FC236}">
+                <a16:creationId xmlns:a16="http://schemas.microsoft.com/office/drawing/2014/main" id="{0B16FE68-B81C-4B0F-9579-1E93E52E0A57}"/>
+              </a:ext>
+            </a:extLst>
+          </p:cNvPr>
+          <p:cNvCxnSpPr>
+            <a:cxnSpLocks/>
+            <a:endCxn id="27" idx="1"/>
+          </p:cNvCxnSpPr>
+          <p:nvPr/>
+        </p:nvCxnSpPr>
+        <p:spPr>
+          <a:xfrm flipV="1">
+            <a:off x="6096000" y="4466135"/>
+            <a:ext cx="1659874" cy="241356"/>
+          </a:xfrm>
+          <a:prstGeom prst="straightConnector1">
+            <a:avLst/>
+          </a:prstGeom>
+          <a:ln>
+            <a:tailEnd type="triangle"/>
+          </a:ln>
+        </p:spPr>
+        <p:style>
+          <a:lnRef idx="1">
+            <a:schemeClr val="accent1"/>
+          </a:lnRef>
+          <a:fillRef idx="0">
+            <a:schemeClr val="accent1"/>
+          </a:fillRef>
+          <a:effectRef idx="0">
+            <a:schemeClr val="accent1"/>
+          </a:effectRef>
+          <a:fontRef idx="minor">
+            <a:schemeClr val="tx1"/>
+          </a:fontRef>
+        </p:style>
+      </p:cxnSp>
+      <p:sp>
+        <p:nvSpPr>
+          <p:cNvPr id="12" name="CuadroTexto 11">
+            <a:extLst>
+              <a:ext uri="{FF2B5EF4-FFF2-40B4-BE49-F238E27FC236}">
+                <a16:creationId xmlns:a16="http://schemas.microsoft.com/office/drawing/2014/main" id="{66B995C1-49FC-4312-8237-B7FCE3986663}"/>
+              </a:ext>
+            </a:extLst>
+          </p:cNvPr>
+          <p:cNvSpPr txBox="1"/>
+          <p:nvPr/>
+        </p:nvSpPr>
+        <p:spPr>
+          <a:xfrm>
+            <a:off x="7755874" y="3501313"/>
+            <a:ext cx="4090268" cy="523220"/>
+          </a:xfrm>
+          <a:prstGeom prst="rect">
+            <a:avLst/>
+          </a:prstGeom>
+          <a:noFill/>
+        </p:spPr>
+        <p:txBody>
+          <a:bodyPr wrap="square">
+            <a:spAutoFit/>
+          </a:bodyPr>
+          <a:lstStyle>
+            <a:defPPr>
+              <a:defRPr lang="es-419"/>
+            </a:defPPr>
+            <a:lvl1pPr>
+              <a:defRPr sz="1400"/>
+            </a:lvl1pPr>
+          </a:lstStyle>
+          <a:p>
+            <a:r>
+              <a:rPr lang="es-ES" dirty="0"/>
+              <a:t>Datos que se transfieren del Cliente y son usados por las </a:t>
+            </a:r>
+            <a:r>
+              <a:rPr lang="es-ES" dirty="0" err="1"/>
+              <a:t>APIs</a:t>
+            </a:r>
+            <a:endParaRPr lang="es-ES" dirty="0"/>
+          </a:p>
+        </p:txBody>
+      </p:sp>
+      <p:cxnSp>
+        <p:nvCxnSpPr>
+          <p:cNvPr id="13" name="Conector recto de flecha 12">
+            <a:extLst>
+              <a:ext uri="{FF2B5EF4-FFF2-40B4-BE49-F238E27FC236}">
+                <a16:creationId xmlns:a16="http://schemas.microsoft.com/office/drawing/2014/main" id="{BEC29AE1-1FFA-4464-B98B-CE34B1EDD5C6}"/>
+              </a:ext>
+            </a:extLst>
+          </p:cNvPr>
+          <p:cNvCxnSpPr>
+            <a:cxnSpLocks/>
+          </p:cNvCxnSpPr>
+          <p:nvPr/>
+        </p:nvCxnSpPr>
+        <p:spPr>
+          <a:xfrm flipV="1">
+            <a:off x="5895918" y="3965480"/>
+            <a:ext cx="1892017" cy="482008"/>
+          </a:xfrm>
+          <a:prstGeom prst="straightConnector1">
+            <a:avLst/>
+          </a:prstGeom>
+          <a:ln>
+            <a:tailEnd type="triangle"/>
+          </a:ln>
+        </p:spPr>
+        <p:style>
+          <a:lnRef idx="1">
+            <a:schemeClr val="accent1"/>
+          </a:lnRef>
+          <a:fillRef idx="0">
+            <a:schemeClr val="accent1"/>
+          </a:fillRef>
+          <a:effectRef idx="0">
+            <a:schemeClr val="accent1"/>
+          </a:effectRef>
+          <a:fontRef idx="minor">
+            <a:schemeClr val="tx1"/>
+          </a:fontRef>
+        </p:style>
+      </p:cxnSp>
+      <p:cxnSp>
+        <p:nvCxnSpPr>
+          <p:cNvPr id="14" name="Conector recto de flecha 13">
+            <a:extLst>
+              <a:ext uri="{FF2B5EF4-FFF2-40B4-BE49-F238E27FC236}">
+                <a16:creationId xmlns:a16="http://schemas.microsoft.com/office/drawing/2014/main" id="{D0DF87EA-AA9C-44BA-8A60-D62210592F78}"/>
+              </a:ext>
+            </a:extLst>
+          </p:cNvPr>
+          <p:cNvCxnSpPr>
+            <a:cxnSpLocks/>
+          </p:cNvCxnSpPr>
+          <p:nvPr/>
+        </p:nvCxnSpPr>
+        <p:spPr>
+          <a:xfrm flipH="1">
+            <a:off x="2159306" y="3988107"/>
+            <a:ext cx="1883887" cy="72853"/>
+          </a:xfrm>
+          <a:prstGeom prst="straightConnector1">
+            <a:avLst/>
+          </a:prstGeom>
+          <a:ln>
+            <a:tailEnd type="triangle"/>
+          </a:ln>
+        </p:spPr>
+        <p:style>
+          <a:lnRef idx="1">
+            <a:schemeClr val="accent1"/>
+          </a:lnRef>
+          <a:fillRef idx="0">
+            <a:schemeClr val="accent1"/>
+          </a:fillRef>
+          <a:effectRef idx="0">
+            <a:schemeClr val="accent1"/>
+          </a:effectRef>
+          <a:fontRef idx="minor">
+            <a:schemeClr val="tx1"/>
+          </a:fontRef>
+        </p:style>
+      </p:cxnSp>
+      <p:sp>
+        <p:nvSpPr>
+          <p:cNvPr id="15" name="CuadroTexto 14">
+            <a:extLst>
+              <a:ext uri="{FF2B5EF4-FFF2-40B4-BE49-F238E27FC236}">
+                <a16:creationId xmlns:a16="http://schemas.microsoft.com/office/drawing/2014/main" id="{152F0C23-9101-498B-A9C9-64E469D12217}"/>
+              </a:ext>
+            </a:extLst>
+          </p:cNvPr>
+          <p:cNvSpPr txBox="1"/>
+          <p:nvPr/>
+        </p:nvSpPr>
+        <p:spPr>
+          <a:xfrm>
+            <a:off x="313797" y="3040008"/>
+            <a:ext cx="3027949" cy="1384995"/>
+          </a:xfrm>
+          <a:prstGeom prst="rect">
+            <a:avLst/>
+          </a:prstGeom>
+          <a:noFill/>
+        </p:spPr>
+        <p:txBody>
+          <a:bodyPr wrap="square">
+            <a:spAutoFit/>
+          </a:bodyPr>
+          <a:lstStyle>
+            <a:defPPr>
+              <a:defRPr lang="es-419"/>
+            </a:defPPr>
+            <a:lvl1pPr>
+              <a:defRPr sz="1400"/>
+            </a:lvl1pPr>
+          </a:lstStyle>
+          <a:p>
+            <a:r>
+              <a:rPr lang="es-ES" dirty="0"/>
+              <a:t>El </a:t>
+            </a:r>
+            <a:r>
+              <a:rPr lang="es-ES" dirty="0" err="1"/>
+              <a:t>command</a:t>
+            </a:r>
+            <a:r>
+              <a:rPr lang="es-ES" dirty="0"/>
+              <a:t> va modificar el estado en este caso, aprobar el préstamo. </a:t>
+            </a:r>
+            <a:r>
+              <a:rPr lang="es-419" b="1" i="0" dirty="0" err="1">
+                <a:solidFill>
+                  <a:srgbClr val="404040"/>
+                </a:solidFill>
+                <a:effectLst/>
+                <a:latin typeface="DeepSeek-CJK-patch"/>
+              </a:rPr>
+              <a:t>MediatR</a:t>
+            </a:r>
+            <a:r>
+              <a:rPr lang="es-419" b="1" i="0" dirty="0">
+                <a:solidFill>
+                  <a:srgbClr val="404040"/>
+                </a:solidFill>
+                <a:effectLst/>
+                <a:latin typeface="DeepSeek-CJK-patch"/>
+              </a:rPr>
+              <a:t> procesa el comando </a:t>
+            </a:r>
+            <a:r>
+              <a:rPr lang="es-419" i="0" dirty="0" err="1">
+                <a:solidFill>
+                  <a:srgbClr val="404040"/>
+                </a:solidFill>
+                <a:effectLst/>
+                <a:latin typeface="DeepSeek-CJK-patch"/>
+              </a:rPr>
+              <a:t>através</a:t>
+            </a:r>
+            <a:r>
+              <a:rPr lang="es-419" i="0" dirty="0">
+                <a:solidFill>
+                  <a:srgbClr val="404040"/>
+                </a:solidFill>
+                <a:effectLst/>
+                <a:latin typeface="DeepSeek-CJK-patch"/>
+              </a:rPr>
+              <a:t> de </a:t>
+            </a:r>
+            <a:r>
+              <a:rPr lang="es-419" dirty="0">
+                <a:solidFill>
+                  <a:srgbClr val="404040"/>
+                </a:solidFill>
+                <a:latin typeface="DeepSeek-CJK-patch"/>
+              </a:rPr>
+              <a:t>la </a:t>
+            </a:r>
+            <a:r>
+              <a:rPr lang="es-419" i="0" dirty="0">
+                <a:solidFill>
+                  <a:srgbClr val="404040"/>
+                </a:solidFill>
+                <a:effectLst/>
+                <a:latin typeface="DeepSeek-CJK-patch"/>
+              </a:rPr>
+              <a:t>Interface </a:t>
+            </a:r>
+            <a:r>
+              <a:rPr lang="es-419" i="0" dirty="0" err="1">
+                <a:solidFill>
+                  <a:srgbClr val="404040"/>
+                </a:solidFill>
+                <a:effectLst/>
+                <a:latin typeface="DeepSeek-CJK-patch"/>
+              </a:rPr>
+              <a:t>IRequestHandler</a:t>
+            </a:r>
+            <a:r>
+              <a:rPr lang="es-419" i="0" dirty="0">
+                <a:solidFill>
+                  <a:srgbClr val="404040"/>
+                </a:solidFill>
+                <a:effectLst/>
+                <a:latin typeface="DeepSeek-CJK-patch"/>
+              </a:rPr>
+              <a:t> (consultas y comandos (Modificaciones))</a:t>
+            </a:r>
+            <a:endParaRPr lang="es-ES" dirty="0"/>
+          </a:p>
+        </p:txBody>
+      </p:sp>
+      <p:cxnSp>
+        <p:nvCxnSpPr>
+          <p:cNvPr id="21" name="Conector recto de flecha 20">
+            <a:extLst>
+              <a:ext uri="{FF2B5EF4-FFF2-40B4-BE49-F238E27FC236}">
+                <a16:creationId xmlns:a16="http://schemas.microsoft.com/office/drawing/2014/main" id="{16F780B5-B18F-4E4E-B951-4D54033DCAED}"/>
+              </a:ext>
+            </a:extLst>
+          </p:cNvPr>
+          <p:cNvCxnSpPr>
+            <a:cxnSpLocks/>
+          </p:cNvCxnSpPr>
+          <p:nvPr/>
+        </p:nvCxnSpPr>
+        <p:spPr>
+          <a:xfrm flipH="1" flipV="1">
+            <a:off x="828449" y="4118158"/>
+            <a:ext cx="3289092" cy="1279090"/>
+          </a:xfrm>
+          <a:prstGeom prst="straightConnector1">
+            <a:avLst/>
+          </a:prstGeom>
+          <a:ln>
+            <a:tailEnd type="triangle"/>
+          </a:ln>
+        </p:spPr>
+        <p:style>
+          <a:lnRef idx="1">
+            <a:schemeClr val="accent1"/>
+          </a:lnRef>
+          <a:fillRef idx="0">
+            <a:schemeClr val="accent1"/>
+          </a:fillRef>
+          <a:effectRef idx="0">
+            <a:schemeClr val="accent1"/>
+          </a:effectRef>
+          <a:fontRef idx="minor">
+            <a:schemeClr val="tx1"/>
+          </a:fontRef>
+        </p:style>
+      </p:cxnSp>
+      <p:sp>
+        <p:nvSpPr>
+          <p:cNvPr id="27" name="CuadroTexto 26">
+            <a:extLst>
+              <a:ext uri="{FF2B5EF4-FFF2-40B4-BE49-F238E27FC236}">
+                <a16:creationId xmlns:a16="http://schemas.microsoft.com/office/drawing/2014/main" id="{9CF474D2-96EC-4C45-BD5C-5DFC902D9EEF}"/>
+              </a:ext>
+            </a:extLst>
+          </p:cNvPr>
+          <p:cNvSpPr txBox="1"/>
+          <p:nvPr/>
+        </p:nvSpPr>
+        <p:spPr>
+          <a:xfrm>
+            <a:off x="7755874" y="4204525"/>
+            <a:ext cx="4090268" cy="523220"/>
+          </a:xfrm>
+          <a:prstGeom prst="rect">
+            <a:avLst/>
+          </a:prstGeom>
+          <a:noFill/>
+        </p:spPr>
+        <p:txBody>
+          <a:bodyPr wrap="square">
+            <a:spAutoFit/>
+          </a:bodyPr>
+          <a:lstStyle>
+            <a:defPPr>
+              <a:defRPr lang="es-419"/>
+            </a:defPPr>
+            <a:lvl1pPr>
+              <a:defRPr sz="1400"/>
+            </a:lvl1pPr>
+          </a:lstStyle>
+          <a:p>
+            <a:r>
+              <a:rPr lang="es-ES" dirty="0"/>
+              <a:t>Datos que se transfieren del </a:t>
+            </a:r>
+            <a:r>
+              <a:rPr lang="es-ES" dirty="0" err="1"/>
+              <a:t>Prestamo</a:t>
+            </a:r>
+            <a:r>
+              <a:rPr lang="es-ES" dirty="0"/>
+              <a:t> y son usados por las </a:t>
+            </a:r>
+            <a:r>
+              <a:rPr lang="es-ES" dirty="0" err="1"/>
+              <a:t>APIs</a:t>
+            </a:r>
+            <a:endParaRPr lang="es-ES" dirty="0"/>
+          </a:p>
+        </p:txBody>
+      </p:sp>
+    </p:spTree>
+    <p:extLst>
+      <p:ext uri="{BB962C8B-B14F-4D97-AF65-F5344CB8AC3E}">
+        <p14:creationId xmlns:p14="http://schemas.microsoft.com/office/powerpoint/2010/main" val="2840714537"/>
+      </p:ext>
+    </p:extLst>
+  </p:cSld>
+  <p:clrMapOvr>
+    <a:masterClrMapping/>
+  </p:clrMapOvr>
+  <p:timing>
+    <p:tnLst>
+      <p:par>
+        <p:cTn id="1" dur="indefinite" restart="never" nodeType="tmRoot">
+          <p:childTnLst>
+            <p:seq concurrent="1" nextAc="seek">
+              <p:cTn id="2" dur="indefinite" nodeType="mainSeq">
+                <p:childTnLst>
+                  <p:par>
+                    <p:cTn id="3" fill="hold">
+                      <p:stCondLst>
+                        <p:cond delay="indefinite"/>
+                      </p:stCondLst>
+                      <p:childTnLst>
+                        <p:par>
+                          <p:cTn id="4" fill="hold">
+                            <p:stCondLst>
+                              <p:cond delay="0"/>
+                            </p:stCondLst>
+                            <p:childTnLst>
+                              <p:par>
+                                <p:cTn id="5" presetID="1" presetClass="entr" presetSubtype="0" fill="hold" grpId="0" nodeType="clickEffect">
+                                  <p:stCondLst>
+                                    <p:cond delay="0"/>
+                                  </p:stCondLst>
+                                  <p:childTnLst>
+                                    <p:set>
+                                      <p:cBhvr>
+                                        <p:cTn id="6" dur="1" fill="hold">
+                                          <p:stCondLst>
+                                            <p:cond delay="0"/>
+                                          </p:stCondLst>
+                                        </p:cTn>
+                                        <p:tgtEl>
+                                          <p:spTgt spid="15"/>
+                                        </p:tgtEl>
+                                        <p:attrNameLst>
+                                          <p:attrName>style.visibility</p:attrName>
+                                        </p:attrNameLst>
+                                      </p:cBhvr>
+                                      <p:to>
+                                        <p:strVal val="visible"/>
+                                      </p:to>
+                                    </p:set>
+                                  </p:childTnLst>
+                                </p:cTn>
+                              </p:par>
+                              <p:par>
+                                <p:cTn id="7" presetID="1" presetClass="entr" presetSubtype="0" fill="hold" nodeType="withEffect">
+                                  <p:stCondLst>
+                                    <p:cond delay="0"/>
+                                  </p:stCondLst>
+                                  <p:childTnLst>
+                                    <p:set>
+                                      <p:cBhvr>
+                                        <p:cTn id="8" dur="1" fill="hold">
+                                          <p:stCondLst>
+                                            <p:cond delay="0"/>
+                                          </p:stCondLst>
+                                        </p:cTn>
+                                        <p:tgtEl>
+                                          <p:spTgt spid="14"/>
+                                        </p:tgtEl>
+                                        <p:attrNameLst>
+                                          <p:attrName>style.visibility</p:attrName>
+                                        </p:attrNameLst>
+                                      </p:cBhvr>
+                                      <p:to>
+                                        <p:strVal val="visible"/>
+                                      </p:to>
+                                    </p:set>
+                                  </p:childTnLst>
+                                </p:cTn>
+                              </p:par>
+                              <p:par>
+                                <p:cTn id="9" presetID="1" presetClass="entr" presetSubtype="0" fill="hold" nodeType="withEffect">
+                                  <p:stCondLst>
+                                    <p:cond delay="0"/>
+                                  </p:stCondLst>
+                                  <p:childTnLst>
+                                    <p:set>
+                                      <p:cBhvr>
+                                        <p:cTn id="10" dur="1" fill="hold">
+                                          <p:stCondLst>
+                                            <p:cond delay="0"/>
+                                          </p:stCondLst>
+                                        </p:cTn>
+                                        <p:tgtEl>
+                                          <p:spTgt spid="21"/>
+                                        </p:tgtEl>
+                                        <p:attrNameLst>
+                                          <p:attrName>style.visibility</p:attrName>
+                                        </p:attrNameLst>
+                                      </p:cBhvr>
+                                      <p:to>
+                                        <p:strVal val="visible"/>
+                                      </p:to>
+                                    </p:set>
+                                  </p:childTnLst>
+                                </p:cTn>
+                              </p:par>
+                            </p:childTnLst>
+                          </p:cTn>
+                        </p:par>
+                      </p:childTnLst>
+                    </p:cTn>
+                  </p:par>
+                  <p:par>
+                    <p:cTn id="11" fill="hold">
+                      <p:stCondLst>
+                        <p:cond delay="indefinite"/>
+                      </p:stCondLst>
+                      <p:childTnLst>
+                        <p:par>
+                          <p:cTn id="12" fill="hold">
+                            <p:stCondLst>
+                              <p:cond delay="0"/>
+                            </p:stCondLst>
+                            <p:childTnLst>
+                              <p:par>
+                                <p:cTn id="13" presetID="1" presetClass="entr" presetSubtype="0" fill="hold" grpId="0" nodeType="clickEffect">
+                                  <p:stCondLst>
+                                    <p:cond delay="0"/>
+                                  </p:stCondLst>
+                                  <p:childTnLst>
+                                    <p:set>
+                                      <p:cBhvr>
+                                        <p:cTn id="14" dur="1" fill="hold">
+                                          <p:stCondLst>
+                                            <p:cond delay="0"/>
+                                          </p:stCondLst>
+                                        </p:cTn>
+                                        <p:tgtEl>
+                                          <p:spTgt spid="12"/>
+                                        </p:tgtEl>
+                                        <p:attrNameLst>
+                                          <p:attrName>style.visibility</p:attrName>
+                                        </p:attrNameLst>
+                                      </p:cBhvr>
+                                      <p:to>
+                                        <p:strVal val="visible"/>
+                                      </p:to>
+                                    </p:set>
+                                  </p:childTnLst>
+                                </p:cTn>
+                              </p:par>
+                              <p:par>
+                                <p:cTn id="15" presetID="1" presetClass="entr" presetSubtype="0" fill="hold" nodeType="withEffect">
+                                  <p:stCondLst>
+                                    <p:cond delay="0"/>
+                                  </p:stCondLst>
+                                  <p:childTnLst>
+                                    <p:set>
+                                      <p:cBhvr>
+                                        <p:cTn id="16" dur="1" fill="hold">
+                                          <p:stCondLst>
+                                            <p:cond delay="0"/>
+                                          </p:stCondLst>
+                                        </p:cTn>
+                                        <p:tgtEl>
+                                          <p:spTgt spid="13"/>
+                                        </p:tgtEl>
+                                        <p:attrNameLst>
+                                          <p:attrName>style.visibility</p:attrName>
+                                        </p:attrNameLst>
+                                      </p:cBhvr>
+                                      <p:to>
+                                        <p:strVal val="visible"/>
+                                      </p:to>
+                                    </p:set>
+                                  </p:childTnLst>
+                                </p:cTn>
+                              </p:par>
+                            </p:childTnLst>
+                          </p:cTn>
+                        </p:par>
+                      </p:childTnLst>
+                    </p:cTn>
+                  </p:par>
+                  <p:par>
+                    <p:cTn id="17" fill="hold">
+                      <p:stCondLst>
+                        <p:cond delay="indefinite"/>
+                      </p:stCondLst>
+                      <p:childTnLst>
+                        <p:par>
+                          <p:cTn id="18" fill="hold">
+                            <p:stCondLst>
+                              <p:cond delay="0"/>
+                            </p:stCondLst>
+                            <p:childTnLst>
+                              <p:par>
+                                <p:cTn id="19" presetID="1" presetClass="entr" presetSubtype="0" fill="hold" grpId="0" nodeType="clickEffect">
+                                  <p:stCondLst>
+                                    <p:cond delay="0"/>
+                                  </p:stCondLst>
+                                  <p:childTnLst>
+                                    <p:set>
+                                      <p:cBhvr>
+                                        <p:cTn id="20" dur="1" fill="hold">
+                                          <p:stCondLst>
+                                            <p:cond delay="0"/>
+                                          </p:stCondLst>
+                                        </p:cTn>
+                                        <p:tgtEl>
+                                          <p:spTgt spid="27"/>
+                                        </p:tgtEl>
+                                        <p:attrNameLst>
+                                          <p:attrName>style.visibility</p:attrName>
+                                        </p:attrNameLst>
+                                      </p:cBhvr>
+                                      <p:to>
+                                        <p:strVal val="visible"/>
+                                      </p:to>
+                                    </p:set>
+                                  </p:childTnLst>
+                                </p:cTn>
+                              </p:par>
+                              <p:par>
+                                <p:cTn id="21" presetID="1" presetClass="entr" presetSubtype="0" fill="hold" nodeType="withEffect">
+                                  <p:stCondLst>
+                                    <p:cond delay="0"/>
+                                  </p:stCondLst>
+                                  <p:childTnLst>
+                                    <p:set>
+                                      <p:cBhvr>
+                                        <p:cTn id="22" dur="1" fill="hold">
+                                          <p:stCondLst>
+                                            <p:cond delay="0"/>
+                                          </p:stCondLst>
+                                        </p:cTn>
+                                        <p:tgtEl>
+                                          <p:spTgt spid="11"/>
+                                        </p:tgtEl>
+                                        <p:attrNameLst>
+                                          <p:attrName>style.visibility</p:attrName>
+                                        </p:attrNameLst>
+                                      </p:cBhvr>
+                                      <p:to>
+                                        <p:strVal val="visible"/>
+                                      </p:to>
+                                    </p:set>
+                                  </p:childTnLst>
+                                </p:cTn>
+                              </p:par>
+                            </p:childTnLst>
+                          </p:cTn>
+                        </p:par>
+                      </p:childTnLst>
+                    </p:cTn>
+                  </p:par>
+                  <p:par>
+                    <p:cTn id="23" fill="hold">
+                      <p:stCondLst>
+                        <p:cond delay="indefinite"/>
+                      </p:stCondLst>
+                      <p:childTnLst>
+                        <p:par>
+                          <p:cTn id="24" fill="hold">
+                            <p:stCondLst>
+                              <p:cond delay="0"/>
+                            </p:stCondLst>
+                            <p:childTnLst>
+                              <p:par>
+                                <p:cTn id="25" presetID="1" presetClass="entr" presetSubtype="0" fill="hold" grpId="0" nodeType="clickEffect">
+                                  <p:stCondLst>
+                                    <p:cond delay="0"/>
+                                  </p:stCondLst>
+                                  <p:childTnLst>
+                                    <p:set>
+                                      <p:cBhvr>
+                                        <p:cTn id="26" dur="1" fill="hold">
+                                          <p:stCondLst>
+                                            <p:cond delay="0"/>
+                                          </p:stCondLst>
+                                        </p:cTn>
+                                        <p:tgtEl>
+                                          <p:spTgt spid="8"/>
+                                        </p:tgtEl>
+                                        <p:attrNameLst>
+                                          <p:attrName>style.visibility</p:attrName>
+                                        </p:attrNameLst>
+                                      </p:cBhvr>
+                                      <p:to>
+                                        <p:strVal val="visible"/>
+                                      </p:to>
+                                    </p:set>
+                                  </p:childTnLst>
+                                </p:cTn>
+                              </p:par>
+                              <p:par>
+                                <p:cTn id="27" presetID="1" presetClass="entr" presetSubtype="0" fill="hold" nodeType="withEffect">
+                                  <p:stCondLst>
+                                    <p:cond delay="0"/>
+                                  </p:stCondLst>
+                                  <p:childTnLst>
+                                    <p:set>
+                                      <p:cBhvr>
+                                        <p:cTn id="28" dur="1" fill="hold">
+                                          <p:stCondLst>
+                                            <p:cond delay="0"/>
+                                          </p:stCondLst>
+                                        </p:cTn>
+                                        <p:tgtEl>
+                                          <p:spTgt spid="10"/>
+                                        </p:tgtEl>
+                                        <p:attrNameLst>
+                                          <p:attrName>style.visibility</p:attrName>
+                                        </p:attrNameLst>
+                                      </p:cBhvr>
+                                      <p:to>
+                                        <p:strVal val="visible"/>
+                                      </p:to>
+                                    </p:set>
+                                  </p:childTnLst>
+                                </p:cTn>
+                              </p:par>
+                            </p:childTnLst>
+                          </p:cTn>
+                        </p:par>
+                      </p:childTnLst>
+                    </p:cTn>
+                  </p:par>
+                </p:childTnLst>
+              </p:cTn>
+              <p:prevCondLst>
+                <p:cond evt="onPrev" delay="0">
+                  <p:tgtEl>
+                    <p:sldTgt/>
+                  </p:tgtEl>
+                </p:cond>
+              </p:prevCondLst>
+              <p:nextCondLst>
+                <p:cond evt="onNext" delay="0">
+                  <p:tgtEl>
+                    <p:sldTgt/>
+                  </p:tgtEl>
+                </p:cond>
+              </p:nextCondLst>
+            </p:seq>
+          </p:childTnLst>
+        </p:cTn>
+      </p:par>
+    </p:tnLst>
+    <p:bldLst>
+      <p:bldP spid="8" grpId="0"/>
+      <p:bldP spid="12" grpId="0"/>
+      <p:bldP spid="15" grpId="0"/>
+      <p:bldP spid="27" grpId="0"/>
+    </p:bldLst>
+  </p:timing>
+</p:sld>
+</file>
+
+<file path=ppt/slides/slide63.xml><?xml version="1.0" encoding="utf-8"?>
+<p:sld xmlns:a="http://schemas.openxmlformats.org/drawingml/2006/main" xmlns:r="http://schemas.openxmlformats.org/officeDocument/2006/relationships" xmlns:p="http://schemas.openxmlformats.org/presentationml/2006/main">
+  <p:cSld>
+    <p:spTree>
+      <p:nvGrpSpPr>
+        <p:cNvPr id="1" name=""/>
+        <p:cNvGrpSpPr/>
+        <p:nvPr/>
+      </p:nvGrpSpPr>
+      <p:grpSpPr>
+        <a:xfrm>
+          <a:off x="0" y="0"/>
+          <a:ext cx="0" cy="0"/>
+          <a:chOff x="0" y="0"/>
+          <a:chExt cx="0" cy="0"/>
+        </a:xfrm>
+      </p:grpSpPr>
+      <p:sp>
+        <p:nvSpPr>
+          <p:cNvPr id="2" name="CuadroTexto 1">
+            <a:extLst>
+              <a:ext uri="{FF2B5EF4-FFF2-40B4-BE49-F238E27FC236}">
+                <a16:creationId xmlns:a16="http://schemas.microsoft.com/office/drawing/2014/main" id="{C0E43C4A-C185-4F69-8EC7-D6B14172FCF8}"/>
+              </a:ext>
+            </a:extLst>
+          </p:cNvPr>
+          <p:cNvSpPr txBox="1"/>
+          <p:nvPr/>
+        </p:nvSpPr>
+        <p:spPr>
+          <a:xfrm>
+            <a:off x="557111" y="661012"/>
+            <a:ext cx="9115699" cy="584775"/>
+          </a:xfrm>
+          <a:prstGeom prst="rect">
+            <a:avLst/>
+          </a:prstGeom>
+          <a:noFill/>
+        </p:spPr>
+        <p:txBody>
+          <a:bodyPr wrap="square" rtlCol="0">
+            <a:spAutoFit/>
+          </a:bodyPr>
+          <a:lstStyle/>
+          <a:p>
+            <a:r>
+              <a:rPr lang="es-ES" sz="3200" dirty="0"/>
+              <a:t>Implementación – API (Presentación)</a:t>
+            </a:r>
+            <a:endParaRPr lang="es-419" sz="3200" dirty="0"/>
+          </a:p>
+        </p:txBody>
+      </p:sp>
+      <p:pic>
+        <p:nvPicPr>
+          <p:cNvPr id="5" name="Imagen 4">
+            <a:extLst>
+              <a:ext uri="{FF2B5EF4-FFF2-40B4-BE49-F238E27FC236}">
+                <a16:creationId xmlns:a16="http://schemas.microsoft.com/office/drawing/2014/main" id="{D9B356D0-EF76-4717-AE25-C3A32B57E087}"/>
+              </a:ext>
+            </a:extLst>
+          </p:cNvPr>
+          <p:cNvPicPr>
+            <a:picLocks noChangeAspect="1"/>
+          </p:cNvPicPr>
+          <p:nvPr/>
+        </p:nvPicPr>
+        <p:blipFill>
+          <a:blip r:embed="rId2"/>
+          <a:stretch>
+            <a:fillRect/>
+          </a:stretch>
+        </p:blipFill>
+        <p:spPr>
+          <a:xfrm>
+            <a:off x="422313" y="1474732"/>
+            <a:ext cx="5455998" cy="668732"/>
+          </a:xfrm>
+          <a:prstGeom prst="rect">
+            <a:avLst/>
+          </a:prstGeom>
+        </p:spPr>
+      </p:pic>
+      <p:pic>
+        <p:nvPicPr>
+          <p:cNvPr id="7" name="Imagen 6">
+            <a:extLst>
+              <a:ext uri="{FF2B5EF4-FFF2-40B4-BE49-F238E27FC236}">
+                <a16:creationId xmlns:a16="http://schemas.microsoft.com/office/drawing/2014/main" id="{41B6BD09-8BD4-4A14-8E12-5EE9D9E478C1}"/>
+              </a:ext>
+            </a:extLst>
+          </p:cNvPr>
+          <p:cNvPicPr>
+            <a:picLocks noChangeAspect="1"/>
+          </p:cNvPicPr>
+          <p:nvPr/>
+        </p:nvPicPr>
+        <p:blipFill>
+          <a:blip r:embed="rId3"/>
+          <a:stretch>
+            <a:fillRect/>
+          </a:stretch>
+        </p:blipFill>
+        <p:spPr>
+          <a:xfrm>
+            <a:off x="3679056" y="3279036"/>
+            <a:ext cx="3913768" cy="1435501"/>
+          </a:xfrm>
+          <a:prstGeom prst="rect">
+            <a:avLst/>
+          </a:prstGeom>
+        </p:spPr>
+      </p:pic>
+      <p:cxnSp>
+        <p:nvCxnSpPr>
+          <p:cNvPr id="9" name="Conector recto de flecha 8">
+            <a:extLst>
+              <a:ext uri="{FF2B5EF4-FFF2-40B4-BE49-F238E27FC236}">
+                <a16:creationId xmlns:a16="http://schemas.microsoft.com/office/drawing/2014/main" id="{5736500B-F245-4AD3-A944-A8FF587BED55}"/>
+              </a:ext>
+            </a:extLst>
+          </p:cNvPr>
+          <p:cNvCxnSpPr>
+            <a:cxnSpLocks/>
+          </p:cNvCxnSpPr>
+          <p:nvPr/>
+        </p:nvCxnSpPr>
+        <p:spPr>
+          <a:xfrm flipV="1">
+            <a:off x="6510969" y="2886420"/>
+            <a:ext cx="1839817" cy="925416"/>
+          </a:xfrm>
+          <a:prstGeom prst="straightConnector1">
+            <a:avLst/>
+          </a:prstGeom>
+          <a:ln>
+            <a:tailEnd type="triangle"/>
+          </a:ln>
+        </p:spPr>
+        <p:style>
+          <a:lnRef idx="1">
+            <a:schemeClr val="accent1"/>
+          </a:lnRef>
+          <a:fillRef idx="0">
+            <a:schemeClr val="accent1"/>
+          </a:fillRef>
+          <a:effectRef idx="0">
+            <a:schemeClr val="accent1"/>
+          </a:effectRef>
+          <a:fontRef idx="minor">
+            <a:schemeClr val="tx1"/>
+          </a:fontRef>
+        </p:style>
+      </p:cxnSp>
+      <p:sp>
+        <p:nvSpPr>
+          <p:cNvPr id="11" name="CuadroTexto 10">
+            <a:extLst>
+              <a:ext uri="{FF2B5EF4-FFF2-40B4-BE49-F238E27FC236}">
+                <a16:creationId xmlns:a16="http://schemas.microsoft.com/office/drawing/2014/main" id="{9B78D4B1-3BF2-4F56-AE65-BC9DD85C5210}"/>
+              </a:ext>
+            </a:extLst>
+          </p:cNvPr>
+          <p:cNvSpPr txBox="1"/>
+          <p:nvPr/>
+        </p:nvSpPr>
+        <p:spPr>
+          <a:xfrm>
+            <a:off x="8350786" y="2537325"/>
+            <a:ext cx="3214550" cy="954107"/>
+          </a:xfrm>
+          <a:prstGeom prst="rect">
+            <a:avLst/>
+          </a:prstGeom>
+          <a:noFill/>
+        </p:spPr>
+        <p:txBody>
+          <a:bodyPr wrap="square">
+            <a:spAutoFit/>
+          </a:bodyPr>
+          <a:lstStyle/>
+          <a:p>
+            <a:r>
+              <a:rPr lang="es-ES" sz="1400" b="0" i="0" dirty="0">
+                <a:solidFill>
+                  <a:srgbClr val="404040"/>
+                </a:solidFill>
+                <a:effectLst/>
+                <a:latin typeface="DeepSeek-CJK-patch"/>
+              </a:rPr>
+              <a:t>Punto de acceso (URL) para la API de Clientes. En este caso la operación en POST para crear un nuevo cliente usando  los datos definidos en la DTO de clientes</a:t>
+            </a:r>
+            <a:endParaRPr lang="es-419" sz="1400" dirty="0"/>
+          </a:p>
+        </p:txBody>
+      </p:sp>
+      <p:sp>
+        <p:nvSpPr>
+          <p:cNvPr id="13" name="CuadroTexto 12">
+            <a:extLst>
+              <a:ext uri="{FF2B5EF4-FFF2-40B4-BE49-F238E27FC236}">
+                <a16:creationId xmlns:a16="http://schemas.microsoft.com/office/drawing/2014/main" id="{091BE896-1F8A-436D-A8DE-51CFA97120C1}"/>
+              </a:ext>
+            </a:extLst>
+          </p:cNvPr>
+          <p:cNvSpPr txBox="1"/>
+          <p:nvPr/>
+        </p:nvSpPr>
+        <p:spPr>
+          <a:xfrm>
+            <a:off x="306637" y="4825768"/>
+            <a:ext cx="3214550" cy="954107"/>
+          </a:xfrm>
+          <a:prstGeom prst="rect">
+            <a:avLst/>
+          </a:prstGeom>
+          <a:noFill/>
+        </p:spPr>
+        <p:txBody>
+          <a:bodyPr wrap="square">
+            <a:spAutoFit/>
+          </a:bodyPr>
+          <a:lstStyle/>
+          <a:p>
+            <a:r>
+              <a:rPr lang="es-ES" sz="1400" b="0" i="0" dirty="0">
+                <a:solidFill>
+                  <a:srgbClr val="404040"/>
+                </a:solidFill>
+                <a:effectLst/>
+                <a:latin typeface="DeepSeek-CJK-patch"/>
+              </a:rPr>
+              <a:t>Punto de acceso (URL) para la API de Clientes. En este caso la operación en POST para crear un nuevo cliente usando  los datos definidos en la DTO de clientes</a:t>
+            </a:r>
+            <a:endParaRPr lang="es-419" sz="1400" dirty="0"/>
+          </a:p>
+        </p:txBody>
+      </p:sp>
+      <p:cxnSp>
+        <p:nvCxnSpPr>
+          <p:cNvPr id="14" name="Conector recto de flecha 13">
+            <a:extLst>
+              <a:ext uri="{FF2B5EF4-FFF2-40B4-BE49-F238E27FC236}">
+                <a16:creationId xmlns:a16="http://schemas.microsoft.com/office/drawing/2014/main" id="{F16A767C-14CB-4A34-B1F9-0C0AD23737F5}"/>
+              </a:ext>
+            </a:extLst>
+          </p:cNvPr>
+          <p:cNvCxnSpPr>
+            <a:cxnSpLocks/>
+          </p:cNvCxnSpPr>
+          <p:nvPr/>
+        </p:nvCxnSpPr>
+        <p:spPr>
+          <a:xfrm flipH="1">
+            <a:off x="2258458" y="4164376"/>
+            <a:ext cx="1905919" cy="550161"/>
+          </a:xfrm>
+          <a:prstGeom prst="straightConnector1">
+            <a:avLst/>
+          </a:prstGeom>
+          <a:ln>
+            <a:tailEnd type="triangle"/>
+          </a:ln>
+        </p:spPr>
+        <p:style>
+          <a:lnRef idx="1">
+            <a:schemeClr val="accent1"/>
+          </a:lnRef>
+          <a:fillRef idx="0">
+            <a:schemeClr val="accent1"/>
+          </a:fillRef>
+          <a:effectRef idx="0">
+            <a:schemeClr val="accent1"/>
+          </a:effectRef>
+          <a:fontRef idx="minor">
+            <a:schemeClr val="tx1"/>
+          </a:fontRef>
+        </p:style>
+      </p:cxnSp>
+    </p:spTree>
+    <p:extLst>
+      <p:ext uri="{BB962C8B-B14F-4D97-AF65-F5344CB8AC3E}">
+        <p14:creationId xmlns:p14="http://schemas.microsoft.com/office/powerpoint/2010/main" val="973730295"/>
+      </p:ext>
+    </p:extLst>
+  </p:cSld>
+  <p:clrMapOvr>
+    <a:masterClrMapping/>
+  </p:clrMapOvr>
+  <p:timing>
+    <p:tnLst>
+      <p:par>
+        <p:cTn id="1" dur="indefinite" restart="never" nodeType="tmRoot">
+          <p:childTnLst>
+            <p:seq concurrent="1" nextAc="seek">
+              <p:cTn id="2" dur="indefinite" nodeType="mainSeq">
+                <p:childTnLst>
+                  <p:par>
+                    <p:cTn id="3" fill="hold">
+                      <p:stCondLst>
+                        <p:cond delay="indefinite"/>
+                      </p:stCondLst>
+                      <p:childTnLst>
+                        <p:par>
+                          <p:cTn id="4" fill="hold">
+                            <p:stCondLst>
+                              <p:cond delay="0"/>
+                            </p:stCondLst>
+                            <p:childTnLst>
+                              <p:par>
+                                <p:cTn id="5" presetID="1" presetClass="entr" presetSubtype="0" fill="hold" grpId="0" nodeType="clickEffect">
+                                  <p:stCondLst>
+                                    <p:cond delay="0"/>
+                                  </p:stCondLst>
+                                  <p:childTnLst>
+                                    <p:set>
+                                      <p:cBhvr>
+                                        <p:cTn id="6" dur="1" fill="hold">
+                                          <p:stCondLst>
+                                            <p:cond delay="0"/>
+                                          </p:stCondLst>
+                                        </p:cTn>
+                                        <p:tgtEl>
+                                          <p:spTgt spid="11"/>
+                                        </p:tgtEl>
+                                        <p:attrNameLst>
+                                          <p:attrName>style.visibility</p:attrName>
+                                        </p:attrNameLst>
+                                      </p:cBhvr>
+                                      <p:to>
+                                        <p:strVal val="visible"/>
+                                      </p:to>
+                                    </p:set>
+                                  </p:childTnLst>
+                                </p:cTn>
+                              </p:par>
+                              <p:par>
+                                <p:cTn id="7" presetID="1" presetClass="entr" presetSubtype="0" fill="hold" nodeType="withEffect">
+                                  <p:stCondLst>
+                                    <p:cond delay="0"/>
+                                  </p:stCondLst>
+                                  <p:childTnLst>
+                                    <p:set>
+                                      <p:cBhvr>
+                                        <p:cTn id="8" dur="1" fill="hold">
+                                          <p:stCondLst>
+                                            <p:cond delay="0"/>
+                                          </p:stCondLst>
+                                        </p:cTn>
+                                        <p:tgtEl>
+                                          <p:spTgt spid="9"/>
+                                        </p:tgtEl>
+                                        <p:attrNameLst>
+                                          <p:attrName>style.visibility</p:attrName>
+                                        </p:attrNameLst>
+                                      </p:cBhvr>
+                                      <p:to>
+                                        <p:strVal val="visible"/>
+                                      </p:to>
+                                    </p:set>
+                                  </p:childTnLst>
+                                </p:cTn>
+                              </p:par>
+                            </p:childTnLst>
+                          </p:cTn>
+                        </p:par>
+                      </p:childTnLst>
+                    </p:cTn>
+                  </p:par>
+                  <p:par>
+                    <p:cTn id="9" fill="hold">
+                      <p:stCondLst>
+                        <p:cond delay="indefinite"/>
+                      </p:stCondLst>
+                      <p:childTnLst>
+                        <p:par>
+                          <p:cTn id="10" fill="hold">
+                            <p:stCondLst>
+                              <p:cond delay="0"/>
+                            </p:stCondLst>
+                            <p:childTnLst>
+                              <p:par>
+                                <p:cTn id="11" presetID="1" presetClass="entr" presetSubtype="0" fill="hold" nodeType="clickEffect">
+                                  <p:stCondLst>
+                                    <p:cond delay="0"/>
+                                  </p:stCondLst>
+                                  <p:childTnLst>
+                                    <p:set>
+                                      <p:cBhvr>
+                                        <p:cTn id="12" dur="1" fill="hold">
+                                          <p:stCondLst>
+                                            <p:cond delay="0"/>
+                                          </p:stCondLst>
+                                        </p:cTn>
+                                        <p:tgtEl>
+                                          <p:spTgt spid="14"/>
+                                        </p:tgtEl>
+                                        <p:attrNameLst>
+                                          <p:attrName>style.visibility</p:attrName>
+                                        </p:attrNameLst>
+                                      </p:cBhvr>
+                                      <p:to>
+                                        <p:strVal val="visible"/>
+                                      </p:to>
+                                    </p:set>
+                                  </p:childTnLst>
+                                </p:cTn>
+                              </p:par>
+                              <p:par>
+                                <p:cTn id="13" presetID="1" presetClass="entr" presetSubtype="0" fill="hold" grpId="0" nodeType="withEffect">
+                                  <p:stCondLst>
+                                    <p:cond delay="0"/>
+                                  </p:stCondLst>
+                                  <p:childTnLst>
+                                    <p:set>
+                                      <p:cBhvr>
+                                        <p:cTn id="14" dur="1" fill="hold">
+                                          <p:stCondLst>
+                                            <p:cond delay="0"/>
+                                          </p:stCondLst>
+                                        </p:cTn>
+                                        <p:tgtEl>
+                                          <p:spTgt spid="13"/>
+                                        </p:tgtEl>
+                                        <p:attrNameLst>
+                                          <p:attrName>style.visibility</p:attrName>
+                                        </p:attrNameLst>
+                                      </p:cBhvr>
+                                      <p:to>
+                                        <p:strVal val="visible"/>
+                                      </p:to>
+                                    </p:set>
+                                  </p:childTnLst>
+                                </p:cTn>
+                              </p:par>
+                            </p:childTnLst>
+                          </p:cTn>
+                        </p:par>
+                      </p:childTnLst>
+                    </p:cTn>
+                  </p:par>
+                </p:childTnLst>
+              </p:cTn>
+              <p:prevCondLst>
+                <p:cond evt="onPrev" delay="0">
+                  <p:tgtEl>
+                    <p:sldTgt/>
+                  </p:tgtEl>
+                </p:cond>
+              </p:prevCondLst>
+              <p:nextCondLst>
+                <p:cond evt="onNext" delay="0">
+                  <p:tgtEl>
+                    <p:sldTgt/>
+                  </p:tgtEl>
+                </p:cond>
+              </p:nextCondLst>
+            </p:seq>
+          </p:childTnLst>
+        </p:cTn>
+      </p:par>
+    </p:tnLst>
+    <p:bldLst>
+      <p:bldP spid="11" grpId="0"/>
+      <p:bldP spid="13" grpId="0"/>
+    </p:bldLst>
+  </p:timing>
 </p:sld>
 </file>
 
